--- a/presentation.pptx
+++ b/presentation.pptx
@@ -7,8 +7,8 @@
   <p:sldIdLst>
     <p:sldId id="256" r:id="rId2"/>
     <p:sldId id="276" r:id="rId3"/>
-    <p:sldId id="266" r:id="rId4"/>
-    <p:sldId id="278" r:id="rId5"/>
+    <p:sldId id="278" r:id="rId4"/>
+    <p:sldId id="266" r:id="rId5"/>
     <p:sldId id="277" r:id="rId6"/>
     <p:sldId id="272" r:id="rId7"/>
     <p:sldId id="280" r:id="rId8"/>
@@ -7943,724 +7943,6 @@
     </p:bg>
     <p:spTree>
       <p:nvGrpSpPr>
-        <p:cNvPr id="1" name=""/>
-        <p:cNvGrpSpPr/>
-        <p:nvPr/>
-      </p:nvGrpSpPr>
-      <p:grpSpPr>
-        <a:xfrm>
-          <a:off x="0" y="0"/>
-          <a:ext cx="0" cy="0"/>
-          <a:chOff x="0" y="0"/>
-          <a:chExt cx="0" cy="0"/>
-        </a:xfrm>
-      </p:grpSpPr>
-      <p:sp useBgFill="1">
-        <p:nvSpPr>
-          <p:cNvPr id="7" name="Rectangle 6">
-            <a:extLst>
-              <a:ext uri="{FF2B5EF4-FFF2-40B4-BE49-F238E27FC236}">
-                <a16:creationId xmlns:a16="http://schemas.microsoft.com/office/drawing/2014/main" id="{0E30439A-8A5B-46EC-8283-9B6B031D40D0}"/>
-              </a:ext>
-              <a:ext uri="{C183D7F6-B498-43B3-948B-1728B52AA6E4}">
-                <adec:decorative xmlns:adec="http://schemas.microsoft.com/office/drawing/2017/decorative" val="1"/>
-              </a:ext>
-            </a:extLst>
-          </p:cNvPr>
-          <p:cNvSpPr>
-            <a:spLocks noGrp="1" noRot="1" noChangeAspect="1" noMove="1" noResize="1" noEditPoints="1" noAdjustHandles="1" noChangeArrowheads="1" noChangeShapeType="1" noTextEdit="1"/>
-          </p:cNvSpPr>
-          <p:nvPr>
-            <p:extLst>
-              <p:ext uri="{386F3935-93C4-4BCD-93E2-E3B085C9AB24}">
-                <p16:designElem xmlns:p16="http://schemas.microsoft.com/office/powerpoint/2015/main" val="1"/>
-              </p:ext>
-            </p:extLst>
-          </p:nvPr>
-        </p:nvSpPr>
-        <p:spPr>
-          <a:xfrm>
-            <a:off x="0" y="0"/>
-            <a:ext cx="12192000" cy="6858000"/>
-          </a:xfrm>
-          <a:prstGeom prst="rect">
-            <a:avLst/>
-          </a:prstGeom>
-          <a:ln w="12700" cap="flat" cmpd="sng" algn="ctr">
-            <a:noFill/>
-            <a:prstDash val="solid"/>
-            <a:miter lim="800000"/>
-          </a:ln>
-          <a:effectLst/>
-          <a:extLst>
-            <a:ext uri="{91240B29-F687-4F45-9708-019B960494DF}">
-              <a14:hiddenLine xmlns:a14="http://schemas.microsoft.com/office/drawing/2010/main" w="12700" cap="flat" cmpd="sng" algn="ctr">
-                <a:solidFill>
-                  <a:schemeClr val="accent1">
-                    <a:shade val="50000"/>
-                  </a:schemeClr>
-                </a:solidFill>
-                <a:prstDash val="solid"/>
-                <a:miter lim="800000"/>
-              </a14:hiddenLine>
-            </a:ext>
-          </a:extLst>
-        </p:spPr>
-        <p:style>
-          <a:lnRef idx="2">
-            <a:schemeClr val="accent1">
-              <a:shade val="50000"/>
-            </a:schemeClr>
-          </a:lnRef>
-          <a:fillRef idx="1">
-            <a:schemeClr val="accent1"/>
-          </a:fillRef>
-          <a:effectRef idx="0">
-            <a:schemeClr val="accent1"/>
-          </a:effectRef>
-          <a:fontRef idx="minor">
-            <a:schemeClr val="lt1"/>
-          </a:fontRef>
-        </p:style>
-        <p:txBody>
-          <a:bodyPr rtlCol="0" anchor="ctr"/>
-          <a:lstStyle/>
-          <a:p>
-            <a:pPr algn="ctr"/>
-            <a:endParaRPr lang="en-US"/>
-          </a:p>
-        </p:txBody>
-      </p:sp>
-      <p:sp>
-        <p:nvSpPr>
-          <p:cNvPr id="9" name="Rectangle 8">
-            <a:extLst>
-              <a:ext uri="{FF2B5EF4-FFF2-40B4-BE49-F238E27FC236}">
-                <a16:creationId xmlns:a16="http://schemas.microsoft.com/office/drawing/2014/main" id="{5CEAD642-85CF-4750-8432-7C80C901F001}"/>
-              </a:ext>
-              <a:ext uri="{C183D7F6-B498-43B3-948B-1728B52AA6E4}">
-                <adec:decorative xmlns:adec="http://schemas.microsoft.com/office/drawing/2017/decorative" val="1"/>
-              </a:ext>
-            </a:extLst>
-          </p:cNvPr>
-          <p:cNvSpPr>
-            <a:spLocks noGrp="1" noRot="1" noChangeAspect="1" noMove="1" noResize="1" noEditPoints="1" noAdjustHandles="1" noChangeArrowheads="1" noChangeShapeType="1" noTextEdit="1"/>
-          </p:cNvSpPr>
-          <p:nvPr>
-            <p:extLst>
-              <p:ext uri="{386F3935-93C4-4BCD-93E2-E3B085C9AB24}">
-                <p16:designElem xmlns:p16="http://schemas.microsoft.com/office/powerpoint/2015/main" val="1"/>
-              </p:ext>
-            </p:extLst>
-          </p:nvPr>
-        </p:nvSpPr>
-        <p:spPr>
-          <a:xfrm>
-            <a:off x="0" y="-427"/>
-            <a:ext cx="12192001" cy="6858000"/>
-          </a:xfrm>
-          <a:prstGeom prst="rect">
-            <a:avLst/>
-          </a:prstGeom>
-          <a:gradFill>
-            <a:gsLst>
-              <a:gs pos="0">
-                <a:srgbClr val="000000"/>
-              </a:gs>
-              <a:gs pos="100000">
-                <a:schemeClr val="accent1">
-                  <a:lumMod val="75000"/>
-                </a:schemeClr>
-              </a:gs>
-            </a:gsLst>
-            <a:lin ang="15000000" scaled="0"/>
-          </a:gradFill>
-          <a:ln>
-            <a:noFill/>
-          </a:ln>
-        </p:spPr>
-        <p:style>
-          <a:lnRef idx="2">
-            <a:schemeClr val="accent1">
-              <a:shade val="50000"/>
-            </a:schemeClr>
-          </a:lnRef>
-          <a:fillRef idx="1">
-            <a:schemeClr val="accent1"/>
-          </a:fillRef>
-          <a:effectRef idx="0">
-            <a:schemeClr val="accent1"/>
-          </a:effectRef>
-          <a:fontRef idx="minor">
-            <a:schemeClr val="lt1"/>
-          </a:fontRef>
-        </p:style>
-        <p:txBody>
-          <a:bodyPr rtlCol="0" anchor="ctr"/>
-          <a:lstStyle/>
-          <a:p>
-            <a:pPr algn="ctr"/>
-            <a:endParaRPr lang="en-US"/>
-          </a:p>
-        </p:txBody>
-      </p:sp>
-      <p:sp>
-        <p:nvSpPr>
-          <p:cNvPr id="11" name="Rectangle 10">
-            <a:extLst>
-              <a:ext uri="{FF2B5EF4-FFF2-40B4-BE49-F238E27FC236}">
-                <a16:creationId xmlns:a16="http://schemas.microsoft.com/office/drawing/2014/main" id="{FA33EEAE-15D5-4119-8C1E-89D943F911EF}"/>
-              </a:ext>
-              <a:ext uri="{C183D7F6-B498-43B3-948B-1728B52AA6E4}">
-                <adec:decorative xmlns:adec="http://schemas.microsoft.com/office/drawing/2017/decorative" val="1"/>
-              </a:ext>
-            </a:extLst>
-          </p:cNvPr>
-          <p:cNvSpPr>
-            <a:spLocks noGrp="1" noRot="1" noChangeAspect="1" noMove="1" noResize="1" noEditPoints="1" noAdjustHandles="1" noChangeArrowheads="1" noChangeShapeType="1" noTextEdit="1"/>
-          </p:cNvSpPr>
-          <p:nvPr>
-            <p:extLst>
-              <p:ext uri="{386F3935-93C4-4BCD-93E2-E3B085C9AB24}">
-                <p16:designElem xmlns:p16="http://schemas.microsoft.com/office/powerpoint/2015/main" val="1"/>
-              </p:ext>
-            </p:extLst>
-          </p:nvPr>
-        </p:nvSpPr>
-        <p:spPr>
-          <a:xfrm rot="10800000" flipH="1">
-            <a:off x="455521" y="-1720"/>
-            <a:ext cx="11750040" cy="6840685"/>
-          </a:xfrm>
-          <a:prstGeom prst="rect">
-            <a:avLst/>
-          </a:prstGeom>
-          <a:gradFill>
-            <a:gsLst>
-              <a:gs pos="21000">
-                <a:schemeClr val="accent1">
-                  <a:lumMod val="50000"/>
-                  <a:alpha val="61000"/>
-                </a:schemeClr>
-              </a:gs>
-              <a:gs pos="100000">
-                <a:schemeClr val="accent1">
-                  <a:alpha val="0"/>
-                </a:schemeClr>
-              </a:gs>
-            </a:gsLst>
-            <a:lin ang="21594000" scaled="0"/>
-          </a:gradFill>
-          <a:ln>
-            <a:noFill/>
-          </a:ln>
-        </p:spPr>
-        <p:style>
-          <a:lnRef idx="2">
-            <a:schemeClr val="accent1">
-              <a:shade val="50000"/>
-            </a:schemeClr>
-          </a:lnRef>
-          <a:fillRef idx="1">
-            <a:schemeClr val="accent1"/>
-          </a:fillRef>
-          <a:effectRef idx="0">
-            <a:schemeClr val="accent1"/>
-          </a:effectRef>
-          <a:fontRef idx="minor">
-            <a:schemeClr val="lt1"/>
-          </a:fontRef>
-        </p:style>
-        <p:txBody>
-          <a:bodyPr rtlCol="0" anchor="ctr"/>
-          <a:lstStyle/>
-          <a:p>
-            <a:pPr algn="ctr"/>
-            <a:endParaRPr lang="en-US"/>
-          </a:p>
-        </p:txBody>
-      </p:sp>
-      <p:sp>
-        <p:nvSpPr>
-          <p:cNvPr id="13" name="Rectangle 12">
-            <a:extLst>
-              <a:ext uri="{FF2B5EF4-FFF2-40B4-BE49-F238E27FC236}">
-                <a16:creationId xmlns:a16="http://schemas.microsoft.com/office/drawing/2014/main" id="{730D8B3B-9B80-4025-B934-26DC7D7CD231}"/>
-              </a:ext>
-              <a:ext uri="{C183D7F6-B498-43B3-948B-1728B52AA6E4}">
-                <adec:decorative xmlns:adec="http://schemas.microsoft.com/office/drawing/2017/decorative" val="1"/>
-              </a:ext>
-            </a:extLst>
-          </p:cNvPr>
-          <p:cNvSpPr>
-            <a:spLocks noGrp="1" noRot="1" noChangeAspect="1" noMove="1" noResize="1" noEditPoints="1" noAdjustHandles="1" noChangeArrowheads="1" noChangeShapeType="1" noTextEdit="1"/>
-          </p:cNvSpPr>
-          <p:nvPr>
-            <p:extLst>
-              <p:ext uri="{386F3935-93C4-4BCD-93E2-E3B085C9AB24}">
-                <p16:designElem xmlns:p16="http://schemas.microsoft.com/office/powerpoint/2015/main" val="1"/>
-              </p:ext>
-            </p:extLst>
-          </p:nvPr>
-        </p:nvSpPr>
-        <p:spPr>
-          <a:xfrm>
-            <a:off x="8606054" y="-1291"/>
-            <a:ext cx="3608179" cy="6858864"/>
-          </a:xfrm>
-          <a:prstGeom prst="rect">
-            <a:avLst/>
-          </a:prstGeom>
-          <a:gradFill>
-            <a:gsLst>
-              <a:gs pos="0">
-                <a:schemeClr val="accent1">
-                  <a:lumMod val="75000"/>
-                  <a:alpha val="0"/>
-                </a:schemeClr>
-              </a:gs>
-              <a:gs pos="99000">
-                <a:srgbClr val="000000">
-                  <a:alpha val="41000"/>
-                </a:srgbClr>
-              </a:gs>
-            </a:gsLst>
-            <a:lin ang="16200000" scaled="0"/>
-          </a:gradFill>
-          <a:ln>
-            <a:noFill/>
-          </a:ln>
-        </p:spPr>
-        <p:style>
-          <a:lnRef idx="2">
-            <a:schemeClr val="accent1">
-              <a:shade val="50000"/>
-            </a:schemeClr>
-          </a:lnRef>
-          <a:fillRef idx="1">
-            <a:schemeClr val="accent1"/>
-          </a:fillRef>
-          <a:effectRef idx="0">
-            <a:schemeClr val="accent1"/>
-          </a:effectRef>
-          <a:fontRef idx="minor">
-            <a:schemeClr val="lt1"/>
-          </a:fontRef>
-        </p:style>
-        <p:txBody>
-          <a:bodyPr rtlCol="0" anchor="ctr"/>
-          <a:lstStyle/>
-          <a:p>
-            <a:pPr algn="ctr"/>
-            <a:endParaRPr lang="en-US"/>
-          </a:p>
-        </p:txBody>
-      </p:sp>
-      <p:sp>
-        <p:nvSpPr>
-          <p:cNvPr id="15" name="Oval 14">
-            <a:extLst>
-              <a:ext uri="{FF2B5EF4-FFF2-40B4-BE49-F238E27FC236}">
-                <a16:creationId xmlns:a16="http://schemas.microsoft.com/office/drawing/2014/main" id="{B5A1B09C-1565-46F8-B70F-621C5EB48A09}"/>
-              </a:ext>
-              <a:ext uri="{C183D7F6-B498-43B3-948B-1728B52AA6E4}">
-                <adec:decorative xmlns:adec="http://schemas.microsoft.com/office/drawing/2017/decorative" val="1"/>
-              </a:ext>
-            </a:extLst>
-          </p:cNvPr>
-          <p:cNvSpPr>
-            <a:spLocks noGrp="1" noRot="1" noChangeAspect="1" noMove="1" noResize="1" noEditPoints="1" noAdjustHandles="1" noChangeArrowheads="1" noChangeShapeType="1" noTextEdit="1"/>
-          </p:cNvSpPr>
-          <p:nvPr>
-            <p:extLst>
-              <p:ext uri="{386F3935-93C4-4BCD-93E2-E3B085C9AB24}">
-                <p16:designElem xmlns:p16="http://schemas.microsoft.com/office/powerpoint/2015/main" val="1"/>
-              </p:ext>
-            </p:extLst>
-          </p:nvPr>
-        </p:nvSpPr>
-        <p:spPr>
-          <a:xfrm rot="15274173">
-            <a:off x="6059728" y="779270"/>
-            <a:ext cx="4967533" cy="4988390"/>
-          </a:xfrm>
-          <a:prstGeom prst="ellipse">
-            <a:avLst/>
-          </a:prstGeom>
-          <a:gradFill>
-            <a:gsLst>
-              <a:gs pos="0">
-                <a:schemeClr val="accent1">
-                  <a:alpha val="24000"/>
-                </a:schemeClr>
-              </a:gs>
-              <a:gs pos="79000">
-                <a:schemeClr val="accent1">
-                  <a:lumMod val="60000"/>
-                  <a:lumOff val="40000"/>
-                  <a:alpha val="0"/>
-                </a:schemeClr>
-              </a:gs>
-            </a:gsLst>
-            <a:lin ang="14400000" scaled="0"/>
-          </a:gradFill>
-          <a:ln>
-            <a:noFill/>
-          </a:ln>
-        </p:spPr>
-        <p:style>
-          <a:lnRef idx="2">
-            <a:schemeClr val="accent1">
-              <a:shade val="50000"/>
-            </a:schemeClr>
-          </a:lnRef>
-          <a:fillRef idx="1">
-            <a:schemeClr val="accent1"/>
-          </a:fillRef>
-          <a:effectRef idx="0">
-            <a:schemeClr val="accent1"/>
-          </a:effectRef>
-          <a:fontRef idx="minor">
-            <a:schemeClr val="lt1"/>
-          </a:fontRef>
-        </p:style>
-        <p:txBody>
-          <a:bodyPr rtlCol="0" anchor="ctr"/>
-          <a:lstStyle/>
-          <a:p>
-            <a:pPr algn="ctr"/>
-            <a:endParaRPr lang="en-US" dirty="0"/>
-          </a:p>
-        </p:txBody>
-      </p:sp>
-      <p:sp>
-        <p:nvSpPr>
-          <p:cNvPr id="17" name="Rectangle 16">
-            <a:extLst>
-              <a:ext uri="{FF2B5EF4-FFF2-40B4-BE49-F238E27FC236}">
-                <a16:creationId xmlns:a16="http://schemas.microsoft.com/office/drawing/2014/main" id="{8C516CC8-80AC-446C-A56E-9F54B7210402}"/>
-              </a:ext>
-              <a:ext uri="{C183D7F6-B498-43B3-948B-1728B52AA6E4}">
-                <adec:decorative xmlns:adec="http://schemas.microsoft.com/office/drawing/2017/decorative" val="1"/>
-              </a:ext>
-            </a:extLst>
-          </p:cNvPr>
-          <p:cNvSpPr>
-            <a:spLocks noGrp="1" noRot="1" noChangeAspect="1" noMove="1" noResize="1" noEditPoints="1" noAdjustHandles="1" noChangeArrowheads="1" noChangeShapeType="1" noTextEdit="1"/>
-          </p:cNvSpPr>
-          <p:nvPr>
-            <p:extLst>
-              <p:ext uri="{386F3935-93C4-4BCD-93E2-E3B085C9AB24}">
-                <p16:designElem xmlns:p16="http://schemas.microsoft.com/office/powerpoint/2015/main" val="1"/>
-              </p:ext>
-            </p:extLst>
-          </p:nvPr>
-        </p:nvSpPr>
-        <p:spPr>
-          <a:xfrm rot="10800000" flipH="1">
-            <a:off x="6314" y="4480038"/>
-            <a:ext cx="12179371" cy="2377962"/>
-          </a:xfrm>
-          <a:prstGeom prst="rect">
-            <a:avLst/>
-          </a:prstGeom>
-          <a:gradFill>
-            <a:gsLst>
-              <a:gs pos="0">
-                <a:schemeClr val="accent1">
-                  <a:lumMod val="75000"/>
-                  <a:alpha val="50000"/>
-                </a:schemeClr>
-              </a:gs>
-              <a:gs pos="99000">
-                <a:srgbClr val="000000">
-                  <a:alpha val="34000"/>
-                </a:srgbClr>
-              </a:gs>
-            </a:gsLst>
-            <a:lin ang="17400000" scaled="0"/>
-          </a:gradFill>
-          <a:ln>
-            <a:noFill/>
-          </a:ln>
-        </p:spPr>
-        <p:style>
-          <a:lnRef idx="2">
-            <a:schemeClr val="accent1">
-              <a:shade val="50000"/>
-            </a:schemeClr>
-          </a:lnRef>
-          <a:fillRef idx="1">
-            <a:schemeClr val="accent1"/>
-          </a:fillRef>
-          <a:effectRef idx="0">
-            <a:schemeClr val="accent1"/>
-          </a:effectRef>
-          <a:fontRef idx="minor">
-            <a:schemeClr val="lt1"/>
-          </a:fontRef>
-        </p:style>
-        <p:txBody>
-          <a:bodyPr rtlCol="0" anchor="ctr"/>
-          <a:lstStyle/>
-          <a:p>
-            <a:pPr algn="ctr"/>
-            <a:endParaRPr lang="en-US"/>
-          </a:p>
-        </p:txBody>
-      </p:sp>
-      <p:sp>
-        <p:nvSpPr>
-          <p:cNvPr id="19" name="Rectangle 18">
-            <a:extLst>
-              <a:ext uri="{FF2B5EF4-FFF2-40B4-BE49-F238E27FC236}">
-                <a16:creationId xmlns:a16="http://schemas.microsoft.com/office/drawing/2014/main" id="{53947E58-F088-49F1-A3D1-DEA690192E84}"/>
-              </a:ext>
-              <a:ext uri="{C183D7F6-B498-43B3-948B-1728B52AA6E4}">
-                <adec:decorative xmlns:adec="http://schemas.microsoft.com/office/drawing/2017/decorative" val="1"/>
-              </a:ext>
-            </a:extLst>
-          </p:cNvPr>
-          <p:cNvSpPr>
-            <a:spLocks noGrp="1" noRot="1" noChangeAspect="1" noMove="1" noResize="1" noEditPoints="1" noAdjustHandles="1" noChangeArrowheads="1" noChangeShapeType="1" noTextEdit="1"/>
-          </p:cNvSpPr>
-          <p:nvPr>
-            <p:extLst>
-              <p:ext uri="{386F3935-93C4-4BCD-93E2-E3B085C9AB24}">
-                <p16:designElem xmlns:p16="http://schemas.microsoft.com/office/powerpoint/2015/main" val="1"/>
-              </p:ext>
-            </p:extLst>
-          </p:nvPr>
-        </p:nvSpPr>
-        <p:spPr>
-          <a:xfrm rot="16200000" flipH="1">
-            <a:off x="6967085" y="1632660"/>
-            <a:ext cx="6857572" cy="3592258"/>
-          </a:xfrm>
-          <a:prstGeom prst="rect">
-            <a:avLst/>
-          </a:prstGeom>
-          <a:gradFill>
-            <a:gsLst>
-              <a:gs pos="0">
-                <a:schemeClr val="accent1">
-                  <a:lumMod val="75000"/>
-                  <a:alpha val="50000"/>
-                </a:schemeClr>
-              </a:gs>
-              <a:gs pos="99000">
-                <a:srgbClr val="000000">
-                  <a:alpha val="0"/>
-                </a:srgbClr>
-              </a:gs>
-            </a:gsLst>
-            <a:lin ang="15600000" scaled="0"/>
-          </a:gradFill>
-          <a:ln>
-            <a:noFill/>
-          </a:ln>
-        </p:spPr>
-        <p:style>
-          <a:lnRef idx="2">
-            <a:schemeClr val="accent1">
-              <a:shade val="50000"/>
-            </a:schemeClr>
-          </a:lnRef>
-          <a:fillRef idx="1">
-            <a:schemeClr val="accent1"/>
-          </a:fillRef>
-          <a:effectRef idx="0">
-            <a:schemeClr val="accent1"/>
-          </a:effectRef>
-          <a:fontRef idx="minor">
-            <a:schemeClr val="lt1"/>
-          </a:fontRef>
-        </p:style>
-        <p:txBody>
-          <a:bodyPr rtlCol="0" anchor="ctr"/>
-          <a:lstStyle/>
-          <a:p>
-            <a:pPr algn="ctr"/>
-            <a:endParaRPr lang="en-US"/>
-          </a:p>
-        </p:txBody>
-      </p:sp>
-      <p:sp>
-        <p:nvSpPr>
-          <p:cNvPr id="3" name="Title 1">
-            <a:extLst>
-              <a:ext uri="{FF2B5EF4-FFF2-40B4-BE49-F238E27FC236}">
-                <a16:creationId xmlns:a16="http://schemas.microsoft.com/office/drawing/2014/main" id="{0CAEB5BE-4F45-2E24-5AFD-C1BE17B7EE8F}"/>
-              </a:ext>
-            </a:extLst>
-          </p:cNvPr>
-          <p:cNvSpPr txBox="1">
-            <a:spLocks/>
-          </p:cNvSpPr>
-          <p:nvPr/>
-        </p:nvSpPr>
-        <p:spPr>
-          <a:xfrm>
-            <a:off x="1828800" y="2541945"/>
-            <a:ext cx="8195143" cy="1463039"/>
-          </a:xfrm>
-          <a:prstGeom prst="rect">
-            <a:avLst/>
-          </a:prstGeom>
-        </p:spPr>
-        <p:txBody>
-          <a:bodyPr vert="horz" lIns="91440" tIns="45720" rIns="91440" bIns="45720" rtlCol="0" anchor="b">
-            <a:normAutofit/>
-          </a:bodyPr>
-          <a:lstStyle>
-            <a:lvl1pPr algn="l" defTabSz="914400" rtl="0" eaLnBrk="1" latinLnBrk="0" hangingPunct="1">
-              <a:lnSpc>
-                <a:spcPct val="90000"/>
-              </a:lnSpc>
-              <a:spcBef>
-                <a:spcPct val="0"/>
-              </a:spcBef>
-              <a:buNone/>
-              <a:defRPr sz="4400" kern="1200">
-                <a:solidFill>
-                  <a:schemeClr val="tx1"/>
-                </a:solidFill>
-                <a:latin typeface="+mj-lt"/>
-                <a:ea typeface="+mj-ea"/>
-                <a:cs typeface="+mj-cs"/>
-              </a:defRPr>
-            </a:lvl1pPr>
-          </a:lstStyle>
-          <a:p>
-            <a:r>
-              <a:rPr lang="en-US" sz="4800" dirty="0">
-                <a:solidFill>
-                  <a:srgbClr val="FFFFFF"/>
-                </a:solidFill>
-              </a:rPr>
-              <a:t>Who worked with Abstract Syntax Trees ?</a:t>
-            </a:r>
-          </a:p>
-        </p:txBody>
-      </p:sp>
-    </p:spTree>
-    <p:extLst>
-      <p:ext uri="{BB962C8B-B14F-4D97-AF65-F5344CB8AC3E}">
-        <p14:creationId xmlns:p14="http://schemas.microsoft.com/office/powerpoint/2010/main" val="1196655054"/>
-      </p:ext>
-    </p:extLst>
-  </p:cSld>
-  <p:clrMapOvr>
-    <a:masterClrMapping/>
-  </p:clrMapOvr>
-  <p:timing>
-    <p:tnLst>
-      <p:par>
-        <p:cTn id="1" dur="indefinite" restart="never" nodeType="tmRoot">
-          <p:childTnLst>
-            <p:seq concurrent="1" nextAc="seek">
-              <p:cTn id="2" dur="indefinite" nodeType="mainSeq">
-                <p:childTnLst>
-                  <p:par>
-                    <p:cTn id="3" fill="hold">
-                      <p:stCondLst>
-                        <p:cond delay="indefinite"/>
-                        <p:cond evt="onBegin" delay="0">
-                          <p:tn val="2"/>
-                        </p:cond>
-                      </p:stCondLst>
-                      <p:childTnLst>
-                        <p:par>
-                          <p:cTn id="4" fill="hold">
-                            <p:stCondLst>
-                              <p:cond delay="0"/>
-                            </p:stCondLst>
-                            <p:childTnLst>
-                              <p:par>
-                                <p:cTn id="5" presetID="10" presetClass="entr" presetSubtype="0" fill="hold" grpId="0" nodeType="withEffect">
-                                  <p:stCondLst>
-                                    <p:cond delay="500"/>
-                                  </p:stCondLst>
-                                  <p:iterate type="lt">
-                                    <p:tmPct val="10000"/>
-                                  </p:iterate>
-                                  <p:childTnLst>
-                                    <p:set>
-                                      <p:cBhvr>
-                                        <p:cTn id="6" dur="1" fill="hold">
-                                          <p:stCondLst>
-                                            <p:cond delay="0"/>
-                                          </p:stCondLst>
-                                        </p:cTn>
-                                        <p:tgtEl>
-                                          <p:spTgt spid="3"/>
-                                        </p:tgtEl>
-                                        <p:attrNameLst>
-                                          <p:attrName>style.visibility</p:attrName>
-                                        </p:attrNameLst>
-                                      </p:cBhvr>
-                                      <p:to>
-                                        <p:strVal val="visible"/>
-                                      </p:to>
-                                    </p:set>
-                                    <p:animEffect transition="in" filter="fade">
-                                      <p:cBhvr>
-                                        <p:cTn id="7" dur="400"/>
-                                        <p:tgtEl>
-                                          <p:spTgt spid="3"/>
-                                        </p:tgtEl>
-                                      </p:cBhvr>
-                                    </p:animEffect>
-                                  </p:childTnLst>
-                                </p:cTn>
-                              </p:par>
-                            </p:childTnLst>
-                          </p:cTn>
-                        </p:par>
-                      </p:childTnLst>
-                    </p:cTn>
-                  </p:par>
-                </p:childTnLst>
-              </p:cTn>
-              <p:prevCondLst>
-                <p:cond evt="onPrev" delay="0">
-                  <p:tgtEl>
-                    <p:sldTgt/>
-                  </p:tgtEl>
-                </p:cond>
-              </p:prevCondLst>
-              <p:nextCondLst>
-                <p:cond evt="onNext" delay="0">
-                  <p:tgtEl>
-                    <p:sldTgt/>
-                  </p:tgtEl>
-                </p:cond>
-              </p:nextCondLst>
-            </p:seq>
-          </p:childTnLst>
-        </p:cTn>
-      </p:par>
-    </p:tnLst>
-    <p:bldLst>
-      <p:bldP spid="3" grpId="0"/>
-    </p:bldLst>
-  </p:timing>
-</p:sld>
-</file>
-
-<file path=ppt/slides/slide4.xml><?xml version="1.0" encoding="utf-8"?>
-<p:sld xmlns:a="http://schemas.openxmlformats.org/drawingml/2006/main" xmlns:r="http://schemas.openxmlformats.org/officeDocument/2006/relationships" xmlns:p="http://schemas.openxmlformats.org/presentationml/2006/main">
-  <p:cSld>
-    <p:bg>
-      <p:bgPr>
-        <a:solidFill>
-          <a:schemeClr val="bg1"/>
-        </a:solidFill>
-        <a:effectLst/>
-      </p:bgPr>
-    </p:bg>
-    <p:spTree>
-      <p:nvGrpSpPr>
         <p:cNvPr id="1" name="">
           <a:extLst>
             <a:ext uri="{FF2B5EF4-FFF2-40B4-BE49-F238E27FC236}">
@@ -9544,6 +8826,724 @@
     </p:tnLst>
     <p:bldLst>
       <p:bldP spid="2" grpId="0"/>
+    </p:bldLst>
+  </p:timing>
+</p:sld>
+</file>
+
+<file path=ppt/slides/slide4.xml><?xml version="1.0" encoding="utf-8"?>
+<p:sld xmlns:a="http://schemas.openxmlformats.org/drawingml/2006/main" xmlns:r="http://schemas.openxmlformats.org/officeDocument/2006/relationships" xmlns:p="http://schemas.openxmlformats.org/presentationml/2006/main">
+  <p:cSld>
+    <p:bg>
+      <p:bgPr>
+        <a:solidFill>
+          <a:schemeClr val="bg1"/>
+        </a:solidFill>
+        <a:effectLst/>
+      </p:bgPr>
+    </p:bg>
+    <p:spTree>
+      <p:nvGrpSpPr>
+        <p:cNvPr id="1" name=""/>
+        <p:cNvGrpSpPr/>
+        <p:nvPr/>
+      </p:nvGrpSpPr>
+      <p:grpSpPr>
+        <a:xfrm>
+          <a:off x="0" y="0"/>
+          <a:ext cx="0" cy="0"/>
+          <a:chOff x="0" y="0"/>
+          <a:chExt cx="0" cy="0"/>
+        </a:xfrm>
+      </p:grpSpPr>
+      <p:sp useBgFill="1">
+        <p:nvSpPr>
+          <p:cNvPr id="7" name="Rectangle 6">
+            <a:extLst>
+              <a:ext uri="{FF2B5EF4-FFF2-40B4-BE49-F238E27FC236}">
+                <a16:creationId xmlns:a16="http://schemas.microsoft.com/office/drawing/2014/main" id="{0E30439A-8A5B-46EC-8283-9B6B031D40D0}"/>
+              </a:ext>
+              <a:ext uri="{C183D7F6-B498-43B3-948B-1728B52AA6E4}">
+                <adec:decorative xmlns:adec="http://schemas.microsoft.com/office/drawing/2017/decorative" val="1"/>
+              </a:ext>
+            </a:extLst>
+          </p:cNvPr>
+          <p:cNvSpPr>
+            <a:spLocks noGrp="1" noRot="1" noChangeAspect="1" noMove="1" noResize="1" noEditPoints="1" noAdjustHandles="1" noChangeArrowheads="1" noChangeShapeType="1" noTextEdit="1"/>
+          </p:cNvSpPr>
+          <p:nvPr>
+            <p:extLst>
+              <p:ext uri="{386F3935-93C4-4BCD-93E2-E3B085C9AB24}">
+                <p16:designElem xmlns:p16="http://schemas.microsoft.com/office/powerpoint/2015/main" val="1"/>
+              </p:ext>
+            </p:extLst>
+          </p:nvPr>
+        </p:nvSpPr>
+        <p:spPr>
+          <a:xfrm>
+            <a:off x="0" y="0"/>
+            <a:ext cx="12192000" cy="6858000"/>
+          </a:xfrm>
+          <a:prstGeom prst="rect">
+            <a:avLst/>
+          </a:prstGeom>
+          <a:ln w="12700" cap="flat" cmpd="sng" algn="ctr">
+            <a:noFill/>
+            <a:prstDash val="solid"/>
+            <a:miter lim="800000"/>
+          </a:ln>
+          <a:effectLst/>
+          <a:extLst>
+            <a:ext uri="{91240B29-F687-4F45-9708-019B960494DF}">
+              <a14:hiddenLine xmlns:a14="http://schemas.microsoft.com/office/drawing/2010/main" w="12700" cap="flat" cmpd="sng" algn="ctr">
+                <a:solidFill>
+                  <a:schemeClr val="accent1">
+                    <a:shade val="50000"/>
+                  </a:schemeClr>
+                </a:solidFill>
+                <a:prstDash val="solid"/>
+                <a:miter lim="800000"/>
+              </a14:hiddenLine>
+            </a:ext>
+          </a:extLst>
+        </p:spPr>
+        <p:style>
+          <a:lnRef idx="2">
+            <a:schemeClr val="accent1">
+              <a:shade val="50000"/>
+            </a:schemeClr>
+          </a:lnRef>
+          <a:fillRef idx="1">
+            <a:schemeClr val="accent1"/>
+          </a:fillRef>
+          <a:effectRef idx="0">
+            <a:schemeClr val="accent1"/>
+          </a:effectRef>
+          <a:fontRef idx="minor">
+            <a:schemeClr val="lt1"/>
+          </a:fontRef>
+        </p:style>
+        <p:txBody>
+          <a:bodyPr rtlCol="0" anchor="ctr"/>
+          <a:lstStyle/>
+          <a:p>
+            <a:pPr algn="ctr"/>
+            <a:endParaRPr lang="en-US"/>
+          </a:p>
+        </p:txBody>
+      </p:sp>
+      <p:sp>
+        <p:nvSpPr>
+          <p:cNvPr id="9" name="Rectangle 8">
+            <a:extLst>
+              <a:ext uri="{FF2B5EF4-FFF2-40B4-BE49-F238E27FC236}">
+                <a16:creationId xmlns:a16="http://schemas.microsoft.com/office/drawing/2014/main" id="{5CEAD642-85CF-4750-8432-7C80C901F001}"/>
+              </a:ext>
+              <a:ext uri="{C183D7F6-B498-43B3-948B-1728B52AA6E4}">
+                <adec:decorative xmlns:adec="http://schemas.microsoft.com/office/drawing/2017/decorative" val="1"/>
+              </a:ext>
+            </a:extLst>
+          </p:cNvPr>
+          <p:cNvSpPr>
+            <a:spLocks noGrp="1" noRot="1" noChangeAspect="1" noMove="1" noResize="1" noEditPoints="1" noAdjustHandles="1" noChangeArrowheads="1" noChangeShapeType="1" noTextEdit="1"/>
+          </p:cNvSpPr>
+          <p:nvPr>
+            <p:extLst>
+              <p:ext uri="{386F3935-93C4-4BCD-93E2-E3B085C9AB24}">
+                <p16:designElem xmlns:p16="http://schemas.microsoft.com/office/powerpoint/2015/main" val="1"/>
+              </p:ext>
+            </p:extLst>
+          </p:nvPr>
+        </p:nvSpPr>
+        <p:spPr>
+          <a:xfrm>
+            <a:off x="0" y="-427"/>
+            <a:ext cx="12192001" cy="6858000"/>
+          </a:xfrm>
+          <a:prstGeom prst="rect">
+            <a:avLst/>
+          </a:prstGeom>
+          <a:gradFill>
+            <a:gsLst>
+              <a:gs pos="0">
+                <a:srgbClr val="000000"/>
+              </a:gs>
+              <a:gs pos="100000">
+                <a:schemeClr val="accent1">
+                  <a:lumMod val="75000"/>
+                </a:schemeClr>
+              </a:gs>
+            </a:gsLst>
+            <a:lin ang="15000000" scaled="0"/>
+          </a:gradFill>
+          <a:ln>
+            <a:noFill/>
+          </a:ln>
+        </p:spPr>
+        <p:style>
+          <a:lnRef idx="2">
+            <a:schemeClr val="accent1">
+              <a:shade val="50000"/>
+            </a:schemeClr>
+          </a:lnRef>
+          <a:fillRef idx="1">
+            <a:schemeClr val="accent1"/>
+          </a:fillRef>
+          <a:effectRef idx="0">
+            <a:schemeClr val="accent1"/>
+          </a:effectRef>
+          <a:fontRef idx="minor">
+            <a:schemeClr val="lt1"/>
+          </a:fontRef>
+        </p:style>
+        <p:txBody>
+          <a:bodyPr rtlCol="0" anchor="ctr"/>
+          <a:lstStyle/>
+          <a:p>
+            <a:pPr algn="ctr"/>
+            <a:endParaRPr lang="en-US"/>
+          </a:p>
+        </p:txBody>
+      </p:sp>
+      <p:sp>
+        <p:nvSpPr>
+          <p:cNvPr id="11" name="Rectangle 10">
+            <a:extLst>
+              <a:ext uri="{FF2B5EF4-FFF2-40B4-BE49-F238E27FC236}">
+                <a16:creationId xmlns:a16="http://schemas.microsoft.com/office/drawing/2014/main" id="{FA33EEAE-15D5-4119-8C1E-89D943F911EF}"/>
+              </a:ext>
+              <a:ext uri="{C183D7F6-B498-43B3-948B-1728B52AA6E4}">
+                <adec:decorative xmlns:adec="http://schemas.microsoft.com/office/drawing/2017/decorative" val="1"/>
+              </a:ext>
+            </a:extLst>
+          </p:cNvPr>
+          <p:cNvSpPr>
+            <a:spLocks noGrp="1" noRot="1" noChangeAspect="1" noMove="1" noResize="1" noEditPoints="1" noAdjustHandles="1" noChangeArrowheads="1" noChangeShapeType="1" noTextEdit="1"/>
+          </p:cNvSpPr>
+          <p:nvPr>
+            <p:extLst>
+              <p:ext uri="{386F3935-93C4-4BCD-93E2-E3B085C9AB24}">
+                <p16:designElem xmlns:p16="http://schemas.microsoft.com/office/powerpoint/2015/main" val="1"/>
+              </p:ext>
+            </p:extLst>
+          </p:nvPr>
+        </p:nvSpPr>
+        <p:spPr>
+          <a:xfrm rot="10800000" flipH="1">
+            <a:off x="455521" y="-1720"/>
+            <a:ext cx="11750040" cy="6840685"/>
+          </a:xfrm>
+          <a:prstGeom prst="rect">
+            <a:avLst/>
+          </a:prstGeom>
+          <a:gradFill>
+            <a:gsLst>
+              <a:gs pos="21000">
+                <a:schemeClr val="accent1">
+                  <a:lumMod val="50000"/>
+                  <a:alpha val="61000"/>
+                </a:schemeClr>
+              </a:gs>
+              <a:gs pos="100000">
+                <a:schemeClr val="accent1">
+                  <a:alpha val="0"/>
+                </a:schemeClr>
+              </a:gs>
+            </a:gsLst>
+            <a:lin ang="21594000" scaled="0"/>
+          </a:gradFill>
+          <a:ln>
+            <a:noFill/>
+          </a:ln>
+        </p:spPr>
+        <p:style>
+          <a:lnRef idx="2">
+            <a:schemeClr val="accent1">
+              <a:shade val="50000"/>
+            </a:schemeClr>
+          </a:lnRef>
+          <a:fillRef idx="1">
+            <a:schemeClr val="accent1"/>
+          </a:fillRef>
+          <a:effectRef idx="0">
+            <a:schemeClr val="accent1"/>
+          </a:effectRef>
+          <a:fontRef idx="minor">
+            <a:schemeClr val="lt1"/>
+          </a:fontRef>
+        </p:style>
+        <p:txBody>
+          <a:bodyPr rtlCol="0" anchor="ctr"/>
+          <a:lstStyle/>
+          <a:p>
+            <a:pPr algn="ctr"/>
+            <a:endParaRPr lang="en-US"/>
+          </a:p>
+        </p:txBody>
+      </p:sp>
+      <p:sp>
+        <p:nvSpPr>
+          <p:cNvPr id="13" name="Rectangle 12">
+            <a:extLst>
+              <a:ext uri="{FF2B5EF4-FFF2-40B4-BE49-F238E27FC236}">
+                <a16:creationId xmlns:a16="http://schemas.microsoft.com/office/drawing/2014/main" id="{730D8B3B-9B80-4025-B934-26DC7D7CD231}"/>
+              </a:ext>
+              <a:ext uri="{C183D7F6-B498-43B3-948B-1728B52AA6E4}">
+                <adec:decorative xmlns:adec="http://schemas.microsoft.com/office/drawing/2017/decorative" val="1"/>
+              </a:ext>
+            </a:extLst>
+          </p:cNvPr>
+          <p:cNvSpPr>
+            <a:spLocks noGrp="1" noRot="1" noChangeAspect="1" noMove="1" noResize="1" noEditPoints="1" noAdjustHandles="1" noChangeArrowheads="1" noChangeShapeType="1" noTextEdit="1"/>
+          </p:cNvSpPr>
+          <p:nvPr>
+            <p:extLst>
+              <p:ext uri="{386F3935-93C4-4BCD-93E2-E3B085C9AB24}">
+                <p16:designElem xmlns:p16="http://schemas.microsoft.com/office/powerpoint/2015/main" val="1"/>
+              </p:ext>
+            </p:extLst>
+          </p:nvPr>
+        </p:nvSpPr>
+        <p:spPr>
+          <a:xfrm>
+            <a:off x="8606054" y="-1291"/>
+            <a:ext cx="3608179" cy="6858864"/>
+          </a:xfrm>
+          <a:prstGeom prst="rect">
+            <a:avLst/>
+          </a:prstGeom>
+          <a:gradFill>
+            <a:gsLst>
+              <a:gs pos="0">
+                <a:schemeClr val="accent1">
+                  <a:lumMod val="75000"/>
+                  <a:alpha val="0"/>
+                </a:schemeClr>
+              </a:gs>
+              <a:gs pos="99000">
+                <a:srgbClr val="000000">
+                  <a:alpha val="41000"/>
+                </a:srgbClr>
+              </a:gs>
+            </a:gsLst>
+            <a:lin ang="16200000" scaled="0"/>
+          </a:gradFill>
+          <a:ln>
+            <a:noFill/>
+          </a:ln>
+        </p:spPr>
+        <p:style>
+          <a:lnRef idx="2">
+            <a:schemeClr val="accent1">
+              <a:shade val="50000"/>
+            </a:schemeClr>
+          </a:lnRef>
+          <a:fillRef idx="1">
+            <a:schemeClr val="accent1"/>
+          </a:fillRef>
+          <a:effectRef idx="0">
+            <a:schemeClr val="accent1"/>
+          </a:effectRef>
+          <a:fontRef idx="minor">
+            <a:schemeClr val="lt1"/>
+          </a:fontRef>
+        </p:style>
+        <p:txBody>
+          <a:bodyPr rtlCol="0" anchor="ctr"/>
+          <a:lstStyle/>
+          <a:p>
+            <a:pPr algn="ctr"/>
+            <a:endParaRPr lang="en-US"/>
+          </a:p>
+        </p:txBody>
+      </p:sp>
+      <p:sp>
+        <p:nvSpPr>
+          <p:cNvPr id="15" name="Oval 14">
+            <a:extLst>
+              <a:ext uri="{FF2B5EF4-FFF2-40B4-BE49-F238E27FC236}">
+                <a16:creationId xmlns:a16="http://schemas.microsoft.com/office/drawing/2014/main" id="{B5A1B09C-1565-46F8-B70F-621C5EB48A09}"/>
+              </a:ext>
+              <a:ext uri="{C183D7F6-B498-43B3-948B-1728B52AA6E4}">
+                <adec:decorative xmlns:adec="http://schemas.microsoft.com/office/drawing/2017/decorative" val="1"/>
+              </a:ext>
+            </a:extLst>
+          </p:cNvPr>
+          <p:cNvSpPr>
+            <a:spLocks noGrp="1" noRot="1" noChangeAspect="1" noMove="1" noResize="1" noEditPoints="1" noAdjustHandles="1" noChangeArrowheads="1" noChangeShapeType="1" noTextEdit="1"/>
+          </p:cNvSpPr>
+          <p:nvPr>
+            <p:extLst>
+              <p:ext uri="{386F3935-93C4-4BCD-93E2-E3B085C9AB24}">
+                <p16:designElem xmlns:p16="http://schemas.microsoft.com/office/powerpoint/2015/main" val="1"/>
+              </p:ext>
+            </p:extLst>
+          </p:nvPr>
+        </p:nvSpPr>
+        <p:spPr>
+          <a:xfrm rot="15274173">
+            <a:off x="6059728" y="779270"/>
+            <a:ext cx="4967533" cy="4988390"/>
+          </a:xfrm>
+          <a:prstGeom prst="ellipse">
+            <a:avLst/>
+          </a:prstGeom>
+          <a:gradFill>
+            <a:gsLst>
+              <a:gs pos="0">
+                <a:schemeClr val="accent1">
+                  <a:alpha val="24000"/>
+                </a:schemeClr>
+              </a:gs>
+              <a:gs pos="79000">
+                <a:schemeClr val="accent1">
+                  <a:lumMod val="60000"/>
+                  <a:lumOff val="40000"/>
+                  <a:alpha val="0"/>
+                </a:schemeClr>
+              </a:gs>
+            </a:gsLst>
+            <a:lin ang="14400000" scaled="0"/>
+          </a:gradFill>
+          <a:ln>
+            <a:noFill/>
+          </a:ln>
+        </p:spPr>
+        <p:style>
+          <a:lnRef idx="2">
+            <a:schemeClr val="accent1">
+              <a:shade val="50000"/>
+            </a:schemeClr>
+          </a:lnRef>
+          <a:fillRef idx="1">
+            <a:schemeClr val="accent1"/>
+          </a:fillRef>
+          <a:effectRef idx="0">
+            <a:schemeClr val="accent1"/>
+          </a:effectRef>
+          <a:fontRef idx="minor">
+            <a:schemeClr val="lt1"/>
+          </a:fontRef>
+        </p:style>
+        <p:txBody>
+          <a:bodyPr rtlCol="0" anchor="ctr"/>
+          <a:lstStyle/>
+          <a:p>
+            <a:pPr algn="ctr"/>
+            <a:endParaRPr lang="en-US" dirty="0"/>
+          </a:p>
+        </p:txBody>
+      </p:sp>
+      <p:sp>
+        <p:nvSpPr>
+          <p:cNvPr id="17" name="Rectangle 16">
+            <a:extLst>
+              <a:ext uri="{FF2B5EF4-FFF2-40B4-BE49-F238E27FC236}">
+                <a16:creationId xmlns:a16="http://schemas.microsoft.com/office/drawing/2014/main" id="{8C516CC8-80AC-446C-A56E-9F54B7210402}"/>
+              </a:ext>
+              <a:ext uri="{C183D7F6-B498-43B3-948B-1728B52AA6E4}">
+                <adec:decorative xmlns:adec="http://schemas.microsoft.com/office/drawing/2017/decorative" val="1"/>
+              </a:ext>
+            </a:extLst>
+          </p:cNvPr>
+          <p:cNvSpPr>
+            <a:spLocks noGrp="1" noRot="1" noChangeAspect="1" noMove="1" noResize="1" noEditPoints="1" noAdjustHandles="1" noChangeArrowheads="1" noChangeShapeType="1" noTextEdit="1"/>
+          </p:cNvSpPr>
+          <p:nvPr>
+            <p:extLst>
+              <p:ext uri="{386F3935-93C4-4BCD-93E2-E3B085C9AB24}">
+                <p16:designElem xmlns:p16="http://schemas.microsoft.com/office/powerpoint/2015/main" val="1"/>
+              </p:ext>
+            </p:extLst>
+          </p:nvPr>
+        </p:nvSpPr>
+        <p:spPr>
+          <a:xfrm rot="10800000" flipH="1">
+            <a:off x="6314" y="4480038"/>
+            <a:ext cx="12179371" cy="2377962"/>
+          </a:xfrm>
+          <a:prstGeom prst="rect">
+            <a:avLst/>
+          </a:prstGeom>
+          <a:gradFill>
+            <a:gsLst>
+              <a:gs pos="0">
+                <a:schemeClr val="accent1">
+                  <a:lumMod val="75000"/>
+                  <a:alpha val="50000"/>
+                </a:schemeClr>
+              </a:gs>
+              <a:gs pos="99000">
+                <a:srgbClr val="000000">
+                  <a:alpha val="34000"/>
+                </a:srgbClr>
+              </a:gs>
+            </a:gsLst>
+            <a:lin ang="17400000" scaled="0"/>
+          </a:gradFill>
+          <a:ln>
+            <a:noFill/>
+          </a:ln>
+        </p:spPr>
+        <p:style>
+          <a:lnRef idx="2">
+            <a:schemeClr val="accent1">
+              <a:shade val="50000"/>
+            </a:schemeClr>
+          </a:lnRef>
+          <a:fillRef idx="1">
+            <a:schemeClr val="accent1"/>
+          </a:fillRef>
+          <a:effectRef idx="0">
+            <a:schemeClr val="accent1"/>
+          </a:effectRef>
+          <a:fontRef idx="minor">
+            <a:schemeClr val="lt1"/>
+          </a:fontRef>
+        </p:style>
+        <p:txBody>
+          <a:bodyPr rtlCol="0" anchor="ctr"/>
+          <a:lstStyle/>
+          <a:p>
+            <a:pPr algn="ctr"/>
+            <a:endParaRPr lang="en-US"/>
+          </a:p>
+        </p:txBody>
+      </p:sp>
+      <p:sp>
+        <p:nvSpPr>
+          <p:cNvPr id="19" name="Rectangle 18">
+            <a:extLst>
+              <a:ext uri="{FF2B5EF4-FFF2-40B4-BE49-F238E27FC236}">
+                <a16:creationId xmlns:a16="http://schemas.microsoft.com/office/drawing/2014/main" id="{53947E58-F088-49F1-A3D1-DEA690192E84}"/>
+              </a:ext>
+              <a:ext uri="{C183D7F6-B498-43B3-948B-1728B52AA6E4}">
+                <adec:decorative xmlns:adec="http://schemas.microsoft.com/office/drawing/2017/decorative" val="1"/>
+              </a:ext>
+            </a:extLst>
+          </p:cNvPr>
+          <p:cNvSpPr>
+            <a:spLocks noGrp="1" noRot="1" noChangeAspect="1" noMove="1" noResize="1" noEditPoints="1" noAdjustHandles="1" noChangeArrowheads="1" noChangeShapeType="1" noTextEdit="1"/>
+          </p:cNvSpPr>
+          <p:nvPr>
+            <p:extLst>
+              <p:ext uri="{386F3935-93C4-4BCD-93E2-E3B085C9AB24}">
+                <p16:designElem xmlns:p16="http://schemas.microsoft.com/office/powerpoint/2015/main" val="1"/>
+              </p:ext>
+            </p:extLst>
+          </p:nvPr>
+        </p:nvSpPr>
+        <p:spPr>
+          <a:xfrm rot="16200000" flipH="1">
+            <a:off x="6967085" y="1632660"/>
+            <a:ext cx="6857572" cy="3592258"/>
+          </a:xfrm>
+          <a:prstGeom prst="rect">
+            <a:avLst/>
+          </a:prstGeom>
+          <a:gradFill>
+            <a:gsLst>
+              <a:gs pos="0">
+                <a:schemeClr val="accent1">
+                  <a:lumMod val="75000"/>
+                  <a:alpha val="50000"/>
+                </a:schemeClr>
+              </a:gs>
+              <a:gs pos="99000">
+                <a:srgbClr val="000000">
+                  <a:alpha val="0"/>
+                </a:srgbClr>
+              </a:gs>
+            </a:gsLst>
+            <a:lin ang="15600000" scaled="0"/>
+          </a:gradFill>
+          <a:ln>
+            <a:noFill/>
+          </a:ln>
+        </p:spPr>
+        <p:style>
+          <a:lnRef idx="2">
+            <a:schemeClr val="accent1">
+              <a:shade val="50000"/>
+            </a:schemeClr>
+          </a:lnRef>
+          <a:fillRef idx="1">
+            <a:schemeClr val="accent1"/>
+          </a:fillRef>
+          <a:effectRef idx="0">
+            <a:schemeClr val="accent1"/>
+          </a:effectRef>
+          <a:fontRef idx="minor">
+            <a:schemeClr val="lt1"/>
+          </a:fontRef>
+        </p:style>
+        <p:txBody>
+          <a:bodyPr rtlCol="0" anchor="ctr"/>
+          <a:lstStyle/>
+          <a:p>
+            <a:pPr algn="ctr"/>
+            <a:endParaRPr lang="en-US"/>
+          </a:p>
+        </p:txBody>
+      </p:sp>
+      <p:sp>
+        <p:nvSpPr>
+          <p:cNvPr id="3" name="Title 1">
+            <a:extLst>
+              <a:ext uri="{FF2B5EF4-FFF2-40B4-BE49-F238E27FC236}">
+                <a16:creationId xmlns:a16="http://schemas.microsoft.com/office/drawing/2014/main" id="{0CAEB5BE-4F45-2E24-5AFD-C1BE17B7EE8F}"/>
+              </a:ext>
+            </a:extLst>
+          </p:cNvPr>
+          <p:cNvSpPr txBox="1">
+            <a:spLocks/>
+          </p:cNvSpPr>
+          <p:nvPr/>
+        </p:nvSpPr>
+        <p:spPr>
+          <a:xfrm>
+            <a:off x="1828800" y="2541945"/>
+            <a:ext cx="8195143" cy="1463039"/>
+          </a:xfrm>
+          <a:prstGeom prst="rect">
+            <a:avLst/>
+          </a:prstGeom>
+        </p:spPr>
+        <p:txBody>
+          <a:bodyPr vert="horz" lIns="91440" tIns="45720" rIns="91440" bIns="45720" rtlCol="0" anchor="b">
+            <a:normAutofit/>
+          </a:bodyPr>
+          <a:lstStyle>
+            <a:lvl1pPr algn="l" defTabSz="914400" rtl="0" eaLnBrk="1" latinLnBrk="0" hangingPunct="1">
+              <a:lnSpc>
+                <a:spcPct val="90000"/>
+              </a:lnSpc>
+              <a:spcBef>
+                <a:spcPct val="0"/>
+              </a:spcBef>
+              <a:buNone/>
+              <a:defRPr sz="4400" kern="1200">
+                <a:solidFill>
+                  <a:schemeClr val="tx1"/>
+                </a:solidFill>
+                <a:latin typeface="+mj-lt"/>
+                <a:ea typeface="+mj-ea"/>
+                <a:cs typeface="+mj-cs"/>
+              </a:defRPr>
+            </a:lvl1pPr>
+          </a:lstStyle>
+          <a:p>
+            <a:r>
+              <a:rPr lang="en-US" sz="4800" dirty="0">
+                <a:solidFill>
+                  <a:srgbClr val="FFFFFF"/>
+                </a:solidFill>
+              </a:rPr>
+              <a:t>Who worked with Abstract Syntax Trees ?</a:t>
+            </a:r>
+          </a:p>
+        </p:txBody>
+      </p:sp>
+    </p:spTree>
+    <p:extLst>
+      <p:ext uri="{BB962C8B-B14F-4D97-AF65-F5344CB8AC3E}">
+        <p14:creationId xmlns:p14="http://schemas.microsoft.com/office/powerpoint/2010/main" val="1196655054"/>
+      </p:ext>
+    </p:extLst>
+  </p:cSld>
+  <p:clrMapOvr>
+    <a:masterClrMapping/>
+  </p:clrMapOvr>
+  <p:timing>
+    <p:tnLst>
+      <p:par>
+        <p:cTn id="1" dur="indefinite" restart="never" nodeType="tmRoot">
+          <p:childTnLst>
+            <p:seq concurrent="1" nextAc="seek">
+              <p:cTn id="2" dur="indefinite" nodeType="mainSeq">
+                <p:childTnLst>
+                  <p:par>
+                    <p:cTn id="3" fill="hold">
+                      <p:stCondLst>
+                        <p:cond delay="indefinite"/>
+                        <p:cond evt="onBegin" delay="0">
+                          <p:tn val="2"/>
+                        </p:cond>
+                      </p:stCondLst>
+                      <p:childTnLst>
+                        <p:par>
+                          <p:cTn id="4" fill="hold">
+                            <p:stCondLst>
+                              <p:cond delay="0"/>
+                            </p:stCondLst>
+                            <p:childTnLst>
+                              <p:par>
+                                <p:cTn id="5" presetID="10" presetClass="entr" presetSubtype="0" fill="hold" grpId="0" nodeType="withEffect">
+                                  <p:stCondLst>
+                                    <p:cond delay="500"/>
+                                  </p:stCondLst>
+                                  <p:iterate type="lt">
+                                    <p:tmPct val="10000"/>
+                                  </p:iterate>
+                                  <p:childTnLst>
+                                    <p:set>
+                                      <p:cBhvr>
+                                        <p:cTn id="6" dur="1" fill="hold">
+                                          <p:stCondLst>
+                                            <p:cond delay="0"/>
+                                          </p:stCondLst>
+                                        </p:cTn>
+                                        <p:tgtEl>
+                                          <p:spTgt spid="3"/>
+                                        </p:tgtEl>
+                                        <p:attrNameLst>
+                                          <p:attrName>style.visibility</p:attrName>
+                                        </p:attrNameLst>
+                                      </p:cBhvr>
+                                      <p:to>
+                                        <p:strVal val="visible"/>
+                                      </p:to>
+                                    </p:set>
+                                    <p:animEffect transition="in" filter="fade">
+                                      <p:cBhvr>
+                                        <p:cTn id="7" dur="400"/>
+                                        <p:tgtEl>
+                                          <p:spTgt spid="3"/>
+                                        </p:tgtEl>
+                                      </p:cBhvr>
+                                    </p:animEffect>
+                                  </p:childTnLst>
+                                </p:cTn>
+                              </p:par>
+                            </p:childTnLst>
+                          </p:cTn>
+                        </p:par>
+                      </p:childTnLst>
+                    </p:cTn>
+                  </p:par>
+                </p:childTnLst>
+              </p:cTn>
+              <p:prevCondLst>
+                <p:cond evt="onPrev" delay="0">
+                  <p:tgtEl>
+                    <p:sldTgt/>
+                  </p:tgtEl>
+                </p:cond>
+              </p:prevCondLst>
+              <p:nextCondLst>
+                <p:cond evt="onNext" delay="0">
+                  <p:tgtEl>
+                    <p:sldTgt/>
+                  </p:tgtEl>
+                </p:cond>
+              </p:nextCondLst>
+            </p:seq>
+          </p:childTnLst>
+        </p:cTn>
+      </p:par>
+    </p:tnLst>
+    <p:bldLst>
+      <p:bldP spid="3" grpId="0"/>
     </p:bldLst>
   </p:timing>
 </p:sld>

--- a/presentation.pptx
+++ b/presentation.pptx
@@ -11,13 +11,12 @@
     <p:sldId id="266" r:id="rId5"/>
     <p:sldId id="277" r:id="rId6"/>
     <p:sldId id="272" r:id="rId7"/>
-    <p:sldId id="280" r:id="rId8"/>
-    <p:sldId id="275" r:id="rId9"/>
-    <p:sldId id="274" r:id="rId10"/>
-    <p:sldId id="279" r:id="rId11"/>
-    <p:sldId id="267" r:id="rId12"/>
-    <p:sldId id="273" r:id="rId13"/>
-    <p:sldId id="269" r:id="rId14"/>
+    <p:sldId id="275" r:id="rId8"/>
+    <p:sldId id="274" r:id="rId9"/>
+    <p:sldId id="279" r:id="rId10"/>
+    <p:sldId id="267" r:id="rId11"/>
+    <p:sldId id="273" r:id="rId12"/>
+    <p:sldId id="269" r:id="rId13"/>
   </p:sldIdLst>
   <p:sldSz cx="12192000" cy="6858000"/>
   <p:notesSz cx="6858000" cy="9144000"/>
@@ -4148,13 +4147,7 @@
     </p:bg>
     <p:spTree>
       <p:nvGrpSpPr>
-        <p:cNvPr id="1" name="">
-          <a:extLst>
-            <a:ext uri="{FF2B5EF4-FFF2-40B4-BE49-F238E27FC236}">
-              <a16:creationId xmlns:a16="http://schemas.microsoft.com/office/drawing/2014/main" id="{1E84B2A9-BA29-1DF4-CB97-82FA8BEF9B39}"/>
-            </a:ext>
-          </a:extLst>
-        </p:cNvPr>
+        <p:cNvPr id="1" name=""/>
         <p:cNvGrpSpPr/>
         <p:nvPr/>
       </p:nvGrpSpPr>
@@ -4171,7 +4164,7 @@
           <p:cNvPr id="7" name="Rectangle 6">
             <a:extLst>
               <a:ext uri="{FF2B5EF4-FFF2-40B4-BE49-F238E27FC236}">
-                <a16:creationId xmlns:a16="http://schemas.microsoft.com/office/drawing/2014/main" id="{A44E2546-8D6E-5DD7-5527-7E7669880DA6}"/>
+                <a16:creationId xmlns:a16="http://schemas.microsoft.com/office/drawing/2014/main" id="{0E30439A-8A5B-46EC-8283-9B6B031D40D0}"/>
               </a:ext>
               <a:ext uri="{C183D7F6-B498-43B3-948B-1728B52AA6E4}">
                 <adec:decorative xmlns:adec="http://schemas.microsoft.com/office/drawing/2017/decorative" val="1"/>
@@ -4247,7 +4240,7 @@
           <p:cNvPr id="9" name="Rectangle 8">
             <a:extLst>
               <a:ext uri="{FF2B5EF4-FFF2-40B4-BE49-F238E27FC236}">
-                <a16:creationId xmlns:a16="http://schemas.microsoft.com/office/drawing/2014/main" id="{0BCBF65B-CA9C-C136-20B0-530BA19F5C0F}"/>
+                <a16:creationId xmlns:a16="http://schemas.microsoft.com/office/drawing/2014/main" id="{5CEAD642-85CF-4750-8432-7C80C901F001}"/>
               </a:ext>
               <a:ext uri="{C183D7F6-B498-43B3-948B-1728B52AA6E4}">
                 <adec:decorative xmlns:adec="http://schemas.microsoft.com/office/drawing/2017/decorative" val="1"/>
@@ -4320,7 +4313,7 @@
           <p:cNvPr id="11" name="Rectangle 10">
             <a:extLst>
               <a:ext uri="{FF2B5EF4-FFF2-40B4-BE49-F238E27FC236}">
-                <a16:creationId xmlns:a16="http://schemas.microsoft.com/office/drawing/2014/main" id="{19EE8D86-167E-9F76-6A82-60943524E4E8}"/>
+                <a16:creationId xmlns:a16="http://schemas.microsoft.com/office/drawing/2014/main" id="{FA33EEAE-15D5-4119-8C1E-89D943F911EF}"/>
               </a:ext>
               <a:ext uri="{C183D7F6-B498-43B3-948B-1728B52AA6E4}">
                 <adec:decorative xmlns:adec="http://schemas.microsoft.com/office/drawing/2017/decorative" val="1"/>
@@ -4396,7 +4389,7 @@
           <p:cNvPr id="13" name="Rectangle 12">
             <a:extLst>
               <a:ext uri="{FF2B5EF4-FFF2-40B4-BE49-F238E27FC236}">
-                <a16:creationId xmlns:a16="http://schemas.microsoft.com/office/drawing/2014/main" id="{DBD35A7F-B25E-C3BD-2E78-1F73D198149F}"/>
+                <a16:creationId xmlns:a16="http://schemas.microsoft.com/office/drawing/2014/main" id="{730D8B3B-9B80-4025-B934-26DC7D7CD231}"/>
               </a:ext>
               <a:ext uri="{C183D7F6-B498-43B3-948B-1728B52AA6E4}">
                 <adec:decorative xmlns:adec="http://schemas.microsoft.com/office/drawing/2017/decorative" val="1"/>
@@ -4472,7 +4465,7 @@
           <p:cNvPr id="15" name="Oval 14">
             <a:extLst>
               <a:ext uri="{FF2B5EF4-FFF2-40B4-BE49-F238E27FC236}">
-                <a16:creationId xmlns:a16="http://schemas.microsoft.com/office/drawing/2014/main" id="{D48DA874-052C-26A4-C2CD-B151D662DD71}"/>
+                <a16:creationId xmlns:a16="http://schemas.microsoft.com/office/drawing/2014/main" id="{B5A1B09C-1565-46F8-B70F-621C5EB48A09}"/>
               </a:ext>
               <a:ext uri="{C183D7F6-B498-43B3-948B-1728B52AA6E4}">
                 <adec:decorative xmlns:adec="http://schemas.microsoft.com/office/drawing/2017/decorative" val="1"/>
@@ -4549,7 +4542,7 @@
           <p:cNvPr id="2" name="Title 1">
             <a:extLst>
               <a:ext uri="{FF2B5EF4-FFF2-40B4-BE49-F238E27FC236}">
-                <a16:creationId xmlns:a16="http://schemas.microsoft.com/office/drawing/2014/main" id="{BEF353AE-84ED-2837-A668-6B72478C8A83}"/>
+                <a16:creationId xmlns:a16="http://schemas.microsoft.com/office/drawing/2014/main" id="{0E321459-5AB9-32EF-0A56-EB174D9AC464}"/>
               </a:ext>
             </a:extLst>
           </p:cNvPr>
@@ -4574,7 +4567,7 @@
           <a:p>
             <a:pPr algn="r"/>
             <a:r>
-              <a:rPr lang="en-US" sz="4800" kern="1200">
+              <a:rPr lang="en-US" sz="4800" kern="1200" dirty="0">
                 <a:solidFill>
                   <a:srgbClr val="FFFFFF"/>
                 </a:solidFill>
@@ -4582,10 +4575,10 @@
                 <a:ea typeface="+mj-ea"/>
                 <a:cs typeface="+mj-cs"/>
               </a:rPr>
-              <a:t>Linter rules/checks</a:t>
+              <a:t>Code generation</a:t>
             </a:r>
             <a:br>
-              <a:rPr lang="en-US" sz="4800" kern="1200">
+              <a:rPr lang="en-US" sz="4800" kern="1200" dirty="0">
                 <a:solidFill>
                   <a:srgbClr val="FFFFFF"/>
                 </a:solidFill>
@@ -4594,7 +4587,7 @@
                 <a:cs typeface="+mj-cs"/>
               </a:rPr>
             </a:br>
-            <a:endParaRPr lang="en-US" sz="4800" kern="1200">
+            <a:endParaRPr lang="en-US" sz="4800" kern="1200" dirty="0">
               <a:solidFill>
                 <a:srgbClr val="FFFFFF"/>
               </a:solidFill>
@@ -4610,7 +4603,7 @@
           <p:cNvPr id="17" name="Rectangle 16">
             <a:extLst>
               <a:ext uri="{FF2B5EF4-FFF2-40B4-BE49-F238E27FC236}">
-                <a16:creationId xmlns:a16="http://schemas.microsoft.com/office/drawing/2014/main" id="{0961005A-5ED5-3294-783D-EBBF3F56C5EC}"/>
+                <a16:creationId xmlns:a16="http://schemas.microsoft.com/office/drawing/2014/main" id="{8C516CC8-80AC-446C-A56E-9F54B7210402}"/>
               </a:ext>
               <a:ext uri="{C183D7F6-B498-43B3-948B-1728B52AA6E4}">
                 <adec:decorative xmlns:adec="http://schemas.microsoft.com/office/drawing/2017/decorative" val="1"/>
@@ -4686,7 +4679,7 @@
           <p:cNvPr id="19" name="Rectangle 18">
             <a:extLst>
               <a:ext uri="{FF2B5EF4-FFF2-40B4-BE49-F238E27FC236}">
-                <a16:creationId xmlns:a16="http://schemas.microsoft.com/office/drawing/2014/main" id="{DDEE3DB3-0CEA-9E80-C512-C19D8DB8EDC9}"/>
+                <a16:creationId xmlns:a16="http://schemas.microsoft.com/office/drawing/2014/main" id="{53947E58-F088-49F1-A3D1-DEA690192E84}"/>
               </a:ext>
               <a:ext uri="{C183D7F6-B498-43B3-948B-1728B52AA6E4}">
                 <adec:decorative xmlns:adec="http://schemas.microsoft.com/office/drawing/2017/decorative" val="1"/>
@@ -4760,105 +4753,13 @@
     </p:spTree>
     <p:extLst>
       <p:ext uri="{BB962C8B-B14F-4D97-AF65-F5344CB8AC3E}">
-        <p14:creationId xmlns:p14="http://schemas.microsoft.com/office/powerpoint/2010/main" val="1931127616"/>
+        <p14:creationId xmlns:p14="http://schemas.microsoft.com/office/powerpoint/2010/main" val="2002248482"/>
       </p:ext>
     </p:extLst>
   </p:cSld>
   <p:clrMapOvr>
     <a:masterClrMapping/>
   </p:clrMapOvr>
-  <p:timing>
-    <p:tnLst>
-      <p:par>
-        <p:cTn id="1" dur="indefinite" restart="never" nodeType="tmRoot">
-          <p:childTnLst>
-            <p:seq concurrent="1" nextAc="seek">
-              <p:cTn id="2" dur="indefinite" nodeType="mainSeq">
-                <p:childTnLst>
-                  <p:par>
-                    <p:cTn id="3" fill="hold">
-                      <p:stCondLst>
-                        <p:cond delay="indefinite"/>
-                        <p:cond evt="onBegin" delay="0">
-                          <p:tn val="2"/>
-                        </p:cond>
-                      </p:stCondLst>
-                      <p:childTnLst>
-                        <p:par>
-                          <p:cTn id="4" fill="hold">
-                            <p:stCondLst>
-                              <p:cond delay="0"/>
-                            </p:stCondLst>
-                            <p:childTnLst>
-                              <p:par>
-                                <p:cTn id="5" presetID="10" presetClass="entr" presetSubtype="0" fill="hold" grpId="0" nodeType="withEffect">
-                                  <p:stCondLst>
-                                    <p:cond delay="500"/>
-                                  </p:stCondLst>
-                                  <p:iterate type="lt">
-                                    <p:tmPct val="10000"/>
-                                  </p:iterate>
-                                  <p:childTnLst>
-                                    <p:set>
-                                      <p:cBhvr>
-                                        <p:cTn id="6" dur="1" fill="hold">
-                                          <p:stCondLst>
-                                            <p:cond delay="0"/>
-                                          </p:stCondLst>
-                                        </p:cTn>
-                                        <p:tgtEl>
-                                          <p:spTgt spid="2"/>
-                                        </p:tgtEl>
-                                        <p:attrNameLst>
-                                          <p:attrName>style.visibility</p:attrName>
-                                        </p:attrNameLst>
-                                      </p:cBhvr>
-                                      <p:to>
-                                        <p:strVal val="visible"/>
-                                      </p:to>
-                                    </p:set>
-                                    <p:animEffect transition="in" filter="fade">
-                                      <p:cBhvr>
-                                        <p:cTn id="7" dur="400"/>
-                                        <p:tgtEl>
-                                          <p:spTgt spid="2"/>
-                                        </p:tgtEl>
-                                      </p:cBhvr>
-                                    </p:animEffect>
-                                  </p:childTnLst>
-                                </p:cTn>
-                              </p:par>
-                            </p:childTnLst>
-                          </p:cTn>
-                        </p:par>
-                      </p:childTnLst>
-                    </p:cTn>
-                  </p:par>
-                </p:childTnLst>
-              </p:cTn>
-              <p:prevCondLst>
-                <p:cond evt="onPrev" delay="0">
-                  <p:tgtEl>
-                    <p:sldTgt/>
-                  </p:tgtEl>
-                </p:cond>
-              </p:prevCondLst>
-              <p:nextCondLst>
-                <p:cond evt="onNext" delay="0">
-                  <p:tgtEl>
-                    <p:sldTgt/>
-                  </p:tgtEl>
-                </p:cond>
-              </p:nextCondLst>
-            </p:seq>
-          </p:childTnLst>
-        </p:cTn>
-      </p:par>
-    </p:tnLst>
-    <p:bldLst>
-      <p:bldP spid="2" grpId="0"/>
-    </p:bldLst>
-  </p:timing>
 </p:sld>
 </file>
 
@@ -4875,7 +4776,13 @@
     </p:bg>
     <p:spTree>
       <p:nvGrpSpPr>
-        <p:cNvPr id="1" name=""/>
+        <p:cNvPr id="1" name="">
+          <a:extLst>
+            <a:ext uri="{FF2B5EF4-FFF2-40B4-BE49-F238E27FC236}">
+              <a16:creationId xmlns:a16="http://schemas.microsoft.com/office/drawing/2014/main" id="{9501605E-8093-AA3A-D8AA-B5B1A5EF400D}"/>
+            </a:ext>
+          </a:extLst>
+        </p:cNvPr>
         <p:cNvGrpSpPr/>
         <p:nvPr/>
       </p:nvGrpSpPr>
@@ -4892,7 +4799,7 @@
           <p:cNvPr id="7" name="Rectangle 6">
             <a:extLst>
               <a:ext uri="{FF2B5EF4-FFF2-40B4-BE49-F238E27FC236}">
-                <a16:creationId xmlns:a16="http://schemas.microsoft.com/office/drawing/2014/main" id="{0E30439A-8A5B-46EC-8283-9B6B031D40D0}"/>
+                <a16:creationId xmlns:a16="http://schemas.microsoft.com/office/drawing/2014/main" id="{9E33E313-45F9-1568-732D-6383A351A13B}"/>
               </a:ext>
               <a:ext uri="{C183D7F6-B498-43B3-948B-1728B52AA6E4}">
                 <adec:decorative xmlns:adec="http://schemas.microsoft.com/office/drawing/2017/decorative" val="1"/>
@@ -4968,7 +4875,7 @@
           <p:cNvPr id="9" name="Rectangle 8">
             <a:extLst>
               <a:ext uri="{FF2B5EF4-FFF2-40B4-BE49-F238E27FC236}">
-                <a16:creationId xmlns:a16="http://schemas.microsoft.com/office/drawing/2014/main" id="{5CEAD642-85CF-4750-8432-7C80C901F001}"/>
+                <a16:creationId xmlns:a16="http://schemas.microsoft.com/office/drawing/2014/main" id="{38CF65A7-61BD-934F-A394-FD73D8EE9CFC}"/>
               </a:ext>
               <a:ext uri="{C183D7F6-B498-43B3-948B-1728B52AA6E4}">
                 <adec:decorative xmlns:adec="http://schemas.microsoft.com/office/drawing/2017/decorative" val="1"/>
@@ -5041,7 +4948,7 @@
           <p:cNvPr id="11" name="Rectangle 10">
             <a:extLst>
               <a:ext uri="{FF2B5EF4-FFF2-40B4-BE49-F238E27FC236}">
-                <a16:creationId xmlns:a16="http://schemas.microsoft.com/office/drawing/2014/main" id="{FA33EEAE-15D5-4119-8C1E-89D943F911EF}"/>
+                <a16:creationId xmlns:a16="http://schemas.microsoft.com/office/drawing/2014/main" id="{0B648729-3530-6640-A7E9-1CCAB9EDF7D0}"/>
               </a:ext>
               <a:ext uri="{C183D7F6-B498-43B3-948B-1728B52AA6E4}">
                 <adec:decorative xmlns:adec="http://schemas.microsoft.com/office/drawing/2017/decorative" val="1"/>
@@ -5117,7 +5024,7 @@
           <p:cNvPr id="13" name="Rectangle 12">
             <a:extLst>
               <a:ext uri="{FF2B5EF4-FFF2-40B4-BE49-F238E27FC236}">
-                <a16:creationId xmlns:a16="http://schemas.microsoft.com/office/drawing/2014/main" id="{730D8B3B-9B80-4025-B934-26DC7D7CD231}"/>
+                <a16:creationId xmlns:a16="http://schemas.microsoft.com/office/drawing/2014/main" id="{93107781-8F11-0563-F38C-DFFBD77FB823}"/>
               </a:ext>
               <a:ext uri="{C183D7F6-B498-43B3-948B-1728B52AA6E4}">
                 <adec:decorative xmlns:adec="http://schemas.microsoft.com/office/drawing/2017/decorative" val="1"/>
@@ -5193,7 +5100,7 @@
           <p:cNvPr id="15" name="Oval 14">
             <a:extLst>
               <a:ext uri="{FF2B5EF4-FFF2-40B4-BE49-F238E27FC236}">
-                <a16:creationId xmlns:a16="http://schemas.microsoft.com/office/drawing/2014/main" id="{B5A1B09C-1565-46F8-B70F-621C5EB48A09}"/>
+                <a16:creationId xmlns:a16="http://schemas.microsoft.com/office/drawing/2014/main" id="{2F6507F2-E70A-8B2D-DB06-C0A1BE5274D8}"/>
               </a:ext>
               <a:ext uri="{C183D7F6-B498-43B3-948B-1728B52AA6E4}">
                 <adec:decorative xmlns:adec="http://schemas.microsoft.com/office/drawing/2017/decorative" val="1"/>
@@ -5270,7 +5177,7 @@
           <p:cNvPr id="2" name="Title 1">
             <a:extLst>
               <a:ext uri="{FF2B5EF4-FFF2-40B4-BE49-F238E27FC236}">
-                <a16:creationId xmlns:a16="http://schemas.microsoft.com/office/drawing/2014/main" id="{0E321459-5AB9-32EF-0A56-EB174D9AC464}"/>
+                <a16:creationId xmlns:a16="http://schemas.microsoft.com/office/drawing/2014/main" id="{449E023B-0653-F756-A8F8-B03D71745B6C}"/>
               </a:ext>
             </a:extLst>
           </p:cNvPr>
@@ -5283,8 +5190,8 @@
         </p:nvSpPr>
         <p:spPr>
           <a:xfrm>
-            <a:off x="1386865" y="818984"/>
-            <a:ext cx="6596245" cy="3268520"/>
+            <a:off x="4598724" y="1531836"/>
+            <a:ext cx="2994550" cy="815984"/>
           </a:xfrm>
         </p:spPr>
         <p:txBody>
@@ -5295,29 +5202,16 @@
           <a:p>
             <a:pPr algn="r"/>
             <a:r>
-              <a:rPr lang="en-US" sz="4800" kern="1200" dirty="0">
+              <a:rPr lang="en-US" sz="4800" dirty="0" err="1">
                 <a:solidFill>
-                  <a:srgbClr val="FFFFFF"/>
+                  <a:schemeClr val="bg1"/>
                 </a:solidFill>
-                <a:latin typeface="+mj-lt"/>
-                <a:ea typeface="+mj-ea"/>
-                <a:cs typeface="+mj-cs"/>
               </a:rPr>
-              <a:t>Code generation</a:t>
-            </a:r>
-            <a:br>
-              <a:rPr lang="en-US" sz="4800" kern="1200" dirty="0">
-                <a:solidFill>
-                  <a:srgbClr val="FFFFFF"/>
-                </a:solidFill>
-                <a:latin typeface="+mj-lt"/>
-                <a:ea typeface="+mj-ea"/>
-                <a:cs typeface="+mj-cs"/>
-              </a:rPr>
-            </a:br>
+              <a:t>Transpilers</a:t>
+            </a:r>
             <a:endParaRPr lang="en-US" sz="4800" kern="1200" dirty="0">
               <a:solidFill>
-                <a:srgbClr val="FFFFFF"/>
+                <a:schemeClr val="bg1"/>
               </a:solidFill>
               <a:latin typeface="+mj-lt"/>
               <a:ea typeface="+mj-ea"/>
@@ -5331,7 +5225,7 @@
           <p:cNvPr id="17" name="Rectangle 16">
             <a:extLst>
               <a:ext uri="{FF2B5EF4-FFF2-40B4-BE49-F238E27FC236}">
-                <a16:creationId xmlns:a16="http://schemas.microsoft.com/office/drawing/2014/main" id="{8C516CC8-80AC-446C-A56E-9F54B7210402}"/>
+                <a16:creationId xmlns:a16="http://schemas.microsoft.com/office/drawing/2014/main" id="{950A8331-1423-F3B0-0838-655EA3E1FD80}"/>
               </a:ext>
               <a:ext uri="{C183D7F6-B498-43B3-948B-1728B52AA6E4}">
                 <adec:decorative xmlns:adec="http://schemas.microsoft.com/office/drawing/2017/decorative" val="1"/>
@@ -5407,7 +5301,7 @@
           <p:cNvPr id="19" name="Rectangle 18">
             <a:extLst>
               <a:ext uri="{FF2B5EF4-FFF2-40B4-BE49-F238E27FC236}">
-                <a16:creationId xmlns:a16="http://schemas.microsoft.com/office/drawing/2014/main" id="{53947E58-F088-49F1-A3D1-DEA690192E84}"/>
+                <a16:creationId xmlns:a16="http://schemas.microsoft.com/office/drawing/2014/main" id="{1E4E5A3E-7EA8-B314-F7B3-7636BE25577F}"/>
               </a:ext>
               <a:ext uri="{C183D7F6-B498-43B3-948B-1728B52AA6E4}">
                 <adec:decorative xmlns:adec="http://schemas.microsoft.com/office/drawing/2017/decorative" val="1"/>
@@ -5478,628 +5372,6 @@
           </a:p>
         </p:txBody>
       </p:sp>
-    </p:spTree>
-    <p:extLst>
-      <p:ext uri="{BB962C8B-B14F-4D97-AF65-F5344CB8AC3E}">
-        <p14:creationId xmlns:p14="http://schemas.microsoft.com/office/powerpoint/2010/main" val="2002248482"/>
-      </p:ext>
-    </p:extLst>
-  </p:cSld>
-  <p:clrMapOvr>
-    <a:masterClrMapping/>
-  </p:clrMapOvr>
-</p:sld>
-</file>
-
-<file path=ppt/slides/slide12.xml><?xml version="1.0" encoding="utf-8"?>
-<p:sld xmlns:a="http://schemas.openxmlformats.org/drawingml/2006/main" xmlns:r="http://schemas.openxmlformats.org/officeDocument/2006/relationships" xmlns:p="http://schemas.openxmlformats.org/presentationml/2006/main">
-  <p:cSld>
-    <p:bg>
-      <p:bgPr>
-        <a:solidFill>
-          <a:schemeClr val="bg1"/>
-        </a:solidFill>
-        <a:effectLst/>
-      </p:bgPr>
-    </p:bg>
-    <p:spTree>
-      <p:nvGrpSpPr>
-        <p:cNvPr id="1" name="">
-          <a:extLst>
-            <a:ext uri="{FF2B5EF4-FFF2-40B4-BE49-F238E27FC236}">
-              <a16:creationId xmlns:a16="http://schemas.microsoft.com/office/drawing/2014/main" id="{9501605E-8093-AA3A-D8AA-B5B1A5EF400D}"/>
-            </a:ext>
-          </a:extLst>
-        </p:cNvPr>
-        <p:cNvGrpSpPr/>
-        <p:nvPr/>
-      </p:nvGrpSpPr>
-      <p:grpSpPr>
-        <a:xfrm>
-          <a:off x="0" y="0"/>
-          <a:ext cx="0" cy="0"/>
-          <a:chOff x="0" y="0"/>
-          <a:chExt cx="0" cy="0"/>
-        </a:xfrm>
-      </p:grpSpPr>
-      <p:sp useBgFill="1">
-        <p:nvSpPr>
-          <p:cNvPr id="7" name="Rectangle 6">
-            <a:extLst>
-              <a:ext uri="{FF2B5EF4-FFF2-40B4-BE49-F238E27FC236}">
-                <a16:creationId xmlns:a16="http://schemas.microsoft.com/office/drawing/2014/main" id="{9E33E313-45F9-1568-732D-6383A351A13B}"/>
-              </a:ext>
-              <a:ext uri="{C183D7F6-B498-43B3-948B-1728B52AA6E4}">
-                <adec:decorative xmlns:adec="http://schemas.microsoft.com/office/drawing/2017/decorative" val="1"/>
-              </a:ext>
-            </a:extLst>
-          </p:cNvPr>
-          <p:cNvSpPr>
-            <a:spLocks noGrp="1" noRot="1" noChangeAspect="1" noMove="1" noResize="1" noEditPoints="1" noAdjustHandles="1" noChangeArrowheads="1" noChangeShapeType="1" noTextEdit="1"/>
-          </p:cNvSpPr>
-          <p:nvPr>
-            <p:extLst>
-              <p:ext uri="{386F3935-93C4-4BCD-93E2-E3B085C9AB24}">
-                <p16:designElem xmlns:p16="http://schemas.microsoft.com/office/powerpoint/2015/main" val="1"/>
-              </p:ext>
-            </p:extLst>
-          </p:nvPr>
-        </p:nvSpPr>
-        <p:spPr>
-          <a:xfrm>
-            <a:off x="0" y="0"/>
-            <a:ext cx="12192000" cy="6858000"/>
-          </a:xfrm>
-          <a:prstGeom prst="rect">
-            <a:avLst/>
-          </a:prstGeom>
-          <a:ln w="12700" cap="flat" cmpd="sng" algn="ctr">
-            <a:noFill/>
-            <a:prstDash val="solid"/>
-            <a:miter lim="800000"/>
-          </a:ln>
-          <a:effectLst/>
-          <a:extLst>
-            <a:ext uri="{91240B29-F687-4F45-9708-019B960494DF}">
-              <a14:hiddenLine xmlns:a14="http://schemas.microsoft.com/office/drawing/2010/main" w="12700" cap="flat" cmpd="sng" algn="ctr">
-                <a:solidFill>
-                  <a:schemeClr val="accent1">
-                    <a:shade val="50000"/>
-                  </a:schemeClr>
-                </a:solidFill>
-                <a:prstDash val="solid"/>
-                <a:miter lim="800000"/>
-              </a14:hiddenLine>
-            </a:ext>
-          </a:extLst>
-        </p:spPr>
-        <p:style>
-          <a:lnRef idx="2">
-            <a:schemeClr val="accent1">
-              <a:shade val="50000"/>
-            </a:schemeClr>
-          </a:lnRef>
-          <a:fillRef idx="1">
-            <a:schemeClr val="accent1"/>
-          </a:fillRef>
-          <a:effectRef idx="0">
-            <a:schemeClr val="accent1"/>
-          </a:effectRef>
-          <a:fontRef idx="minor">
-            <a:schemeClr val="lt1"/>
-          </a:fontRef>
-        </p:style>
-        <p:txBody>
-          <a:bodyPr rtlCol="0" anchor="ctr"/>
-          <a:lstStyle/>
-          <a:p>
-            <a:pPr algn="ctr"/>
-            <a:endParaRPr lang="en-US"/>
-          </a:p>
-        </p:txBody>
-      </p:sp>
-      <p:sp>
-        <p:nvSpPr>
-          <p:cNvPr id="9" name="Rectangle 8">
-            <a:extLst>
-              <a:ext uri="{FF2B5EF4-FFF2-40B4-BE49-F238E27FC236}">
-                <a16:creationId xmlns:a16="http://schemas.microsoft.com/office/drawing/2014/main" id="{38CF65A7-61BD-934F-A394-FD73D8EE9CFC}"/>
-              </a:ext>
-              <a:ext uri="{C183D7F6-B498-43B3-948B-1728B52AA6E4}">
-                <adec:decorative xmlns:adec="http://schemas.microsoft.com/office/drawing/2017/decorative" val="1"/>
-              </a:ext>
-            </a:extLst>
-          </p:cNvPr>
-          <p:cNvSpPr>
-            <a:spLocks noGrp="1" noRot="1" noChangeAspect="1" noMove="1" noResize="1" noEditPoints="1" noAdjustHandles="1" noChangeArrowheads="1" noChangeShapeType="1" noTextEdit="1"/>
-          </p:cNvSpPr>
-          <p:nvPr>
-            <p:extLst>
-              <p:ext uri="{386F3935-93C4-4BCD-93E2-E3B085C9AB24}">
-                <p16:designElem xmlns:p16="http://schemas.microsoft.com/office/powerpoint/2015/main" val="1"/>
-              </p:ext>
-            </p:extLst>
-          </p:nvPr>
-        </p:nvSpPr>
-        <p:spPr>
-          <a:xfrm>
-            <a:off x="0" y="-427"/>
-            <a:ext cx="12192001" cy="6858000"/>
-          </a:xfrm>
-          <a:prstGeom prst="rect">
-            <a:avLst/>
-          </a:prstGeom>
-          <a:gradFill>
-            <a:gsLst>
-              <a:gs pos="0">
-                <a:srgbClr val="000000"/>
-              </a:gs>
-              <a:gs pos="100000">
-                <a:schemeClr val="accent1">
-                  <a:lumMod val="75000"/>
-                </a:schemeClr>
-              </a:gs>
-            </a:gsLst>
-            <a:lin ang="15000000" scaled="0"/>
-          </a:gradFill>
-          <a:ln>
-            <a:noFill/>
-          </a:ln>
-        </p:spPr>
-        <p:style>
-          <a:lnRef idx="2">
-            <a:schemeClr val="accent1">
-              <a:shade val="50000"/>
-            </a:schemeClr>
-          </a:lnRef>
-          <a:fillRef idx="1">
-            <a:schemeClr val="accent1"/>
-          </a:fillRef>
-          <a:effectRef idx="0">
-            <a:schemeClr val="accent1"/>
-          </a:effectRef>
-          <a:fontRef idx="minor">
-            <a:schemeClr val="lt1"/>
-          </a:fontRef>
-        </p:style>
-        <p:txBody>
-          <a:bodyPr rtlCol="0" anchor="ctr"/>
-          <a:lstStyle/>
-          <a:p>
-            <a:pPr algn="ctr"/>
-            <a:endParaRPr lang="en-US"/>
-          </a:p>
-        </p:txBody>
-      </p:sp>
-      <p:sp>
-        <p:nvSpPr>
-          <p:cNvPr id="11" name="Rectangle 10">
-            <a:extLst>
-              <a:ext uri="{FF2B5EF4-FFF2-40B4-BE49-F238E27FC236}">
-                <a16:creationId xmlns:a16="http://schemas.microsoft.com/office/drawing/2014/main" id="{0B648729-3530-6640-A7E9-1CCAB9EDF7D0}"/>
-              </a:ext>
-              <a:ext uri="{C183D7F6-B498-43B3-948B-1728B52AA6E4}">
-                <adec:decorative xmlns:adec="http://schemas.microsoft.com/office/drawing/2017/decorative" val="1"/>
-              </a:ext>
-            </a:extLst>
-          </p:cNvPr>
-          <p:cNvSpPr>
-            <a:spLocks noGrp="1" noRot="1" noChangeAspect="1" noMove="1" noResize="1" noEditPoints="1" noAdjustHandles="1" noChangeArrowheads="1" noChangeShapeType="1" noTextEdit="1"/>
-          </p:cNvSpPr>
-          <p:nvPr>
-            <p:extLst>
-              <p:ext uri="{386F3935-93C4-4BCD-93E2-E3B085C9AB24}">
-                <p16:designElem xmlns:p16="http://schemas.microsoft.com/office/powerpoint/2015/main" val="1"/>
-              </p:ext>
-            </p:extLst>
-          </p:nvPr>
-        </p:nvSpPr>
-        <p:spPr>
-          <a:xfrm rot="10800000" flipH="1">
-            <a:off x="455521" y="-1720"/>
-            <a:ext cx="11750040" cy="6840685"/>
-          </a:xfrm>
-          <a:prstGeom prst="rect">
-            <a:avLst/>
-          </a:prstGeom>
-          <a:gradFill>
-            <a:gsLst>
-              <a:gs pos="21000">
-                <a:schemeClr val="accent1">
-                  <a:lumMod val="50000"/>
-                  <a:alpha val="61000"/>
-                </a:schemeClr>
-              </a:gs>
-              <a:gs pos="100000">
-                <a:schemeClr val="accent1">
-                  <a:alpha val="0"/>
-                </a:schemeClr>
-              </a:gs>
-            </a:gsLst>
-            <a:lin ang="21594000" scaled="0"/>
-          </a:gradFill>
-          <a:ln>
-            <a:noFill/>
-          </a:ln>
-        </p:spPr>
-        <p:style>
-          <a:lnRef idx="2">
-            <a:schemeClr val="accent1">
-              <a:shade val="50000"/>
-            </a:schemeClr>
-          </a:lnRef>
-          <a:fillRef idx="1">
-            <a:schemeClr val="accent1"/>
-          </a:fillRef>
-          <a:effectRef idx="0">
-            <a:schemeClr val="accent1"/>
-          </a:effectRef>
-          <a:fontRef idx="minor">
-            <a:schemeClr val="lt1"/>
-          </a:fontRef>
-        </p:style>
-        <p:txBody>
-          <a:bodyPr rtlCol="0" anchor="ctr"/>
-          <a:lstStyle/>
-          <a:p>
-            <a:pPr algn="ctr"/>
-            <a:endParaRPr lang="en-US"/>
-          </a:p>
-        </p:txBody>
-      </p:sp>
-      <p:sp>
-        <p:nvSpPr>
-          <p:cNvPr id="13" name="Rectangle 12">
-            <a:extLst>
-              <a:ext uri="{FF2B5EF4-FFF2-40B4-BE49-F238E27FC236}">
-                <a16:creationId xmlns:a16="http://schemas.microsoft.com/office/drawing/2014/main" id="{93107781-8F11-0563-F38C-DFFBD77FB823}"/>
-              </a:ext>
-              <a:ext uri="{C183D7F6-B498-43B3-948B-1728B52AA6E4}">
-                <adec:decorative xmlns:adec="http://schemas.microsoft.com/office/drawing/2017/decorative" val="1"/>
-              </a:ext>
-            </a:extLst>
-          </p:cNvPr>
-          <p:cNvSpPr>
-            <a:spLocks noGrp="1" noRot="1" noChangeAspect="1" noMove="1" noResize="1" noEditPoints="1" noAdjustHandles="1" noChangeArrowheads="1" noChangeShapeType="1" noTextEdit="1"/>
-          </p:cNvSpPr>
-          <p:nvPr>
-            <p:extLst>
-              <p:ext uri="{386F3935-93C4-4BCD-93E2-E3B085C9AB24}">
-                <p16:designElem xmlns:p16="http://schemas.microsoft.com/office/powerpoint/2015/main" val="1"/>
-              </p:ext>
-            </p:extLst>
-          </p:nvPr>
-        </p:nvSpPr>
-        <p:spPr>
-          <a:xfrm>
-            <a:off x="8606054" y="-1291"/>
-            <a:ext cx="3608179" cy="6858864"/>
-          </a:xfrm>
-          <a:prstGeom prst="rect">
-            <a:avLst/>
-          </a:prstGeom>
-          <a:gradFill>
-            <a:gsLst>
-              <a:gs pos="0">
-                <a:schemeClr val="accent1">
-                  <a:lumMod val="75000"/>
-                  <a:alpha val="0"/>
-                </a:schemeClr>
-              </a:gs>
-              <a:gs pos="99000">
-                <a:srgbClr val="000000">
-                  <a:alpha val="41000"/>
-                </a:srgbClr>
-              </a:gs>
-            </a:gsLst>
-            <a:lin ang="16200000" scaled="0"/>
-          </a:gradFill>
-          <a:ln>
-            <a:noFill/>
-          </a:ln>
-        </p:spPr>
-        <p:style>
-          <a:lnRef idx="2">
-            <a:schemeClr val="accent1">
-              <a:shade val="50000"/>
-            </a:schemeClr>
-          </a:lnRef>
-          <a:fillRef idx="1">
-            <a:schemeClr val="accent1"/>
-          </a:fillRef>
-          <a:effectRef idx="0">
-            <a:schemeClr val="accent1"/>
-          </a:effectRef>
-          <a:fontRef idx="minor">
-            <a:schemeClr val="lt1"/>
-          </a:fontRef>
-        </p:style>
-        <p:txBody>
-          <a:bodyPr rtlCol="0" anchor="ctr"/>
-          <a:lstStyle/>
-          <a:p>
-            <a:pPr algn="ctr"/>
-            <a:endParaRPr lang="en-US"/>
-          </a:p>
-        </p:txBody>
-      </p:sp>
-      <p:sp>
-        <p:nvSpPr>
-          <p:cNvPr id="15" name="Oval 14">
-            <a:extLst>
-              <a:ext uri="{FF2B5EF4-FFF2-40B4-BE49-F238E27FC236}">
-                <a16:creationId xmlns:a16="http://schemas.microsoft.com/office/drawing/2014/main" id="{2F6507F2-E70A-8B2D-DB06-C0A1BE5274D8}"/>
-              </a:ext>
-              <a:ext uri="{C183D7F6-B498-43B3-948B-1728B52AA6E4}">
-                <adec:decorative xmlns:adec="http://schemas.microsoft.com/office/drawing/2017/decorative" val="1"/>
-              </a:ext>
-            </a:extLst>
-          </p:cNvPr>
-          <p:cNvSpPr>
-            <a:spLocks noGrp="1" noRot="1" noChangeAspect="1" noMove="1" noResize="1" noEditPoints="1" noAdjustHandles="1" noChangeArrowheads="1" noChangeShapeType="1" noTextEdit="1"/>
-          </p:cNvSpPr>
-          <p:nvPr>
-            <p:extLst>
-              <p:ext uri="{386F3935-93C4-4BCD-93E2-E3B085C9AB24}">
-                <p16:designElem xmlns:p16="http://schemas.microsoft.com/office/powerpoint/2015/main" val="1"/>
-              </p:ext>
-            </p:extLst>
-          </p:nvPr>
-        </p:nvSpPr>
-        <p:spPr>
-          <a:xfrm rot="15274173">
-            <a:off x="6059728" y="779270"/>
-            <a:ext cx="4967533" cy="4988390"/>
-          </a:xfrm>
-          <a:prstGeom prst="ellipse">
-            <a:avLst/>
-          </a:prstGeom>
-          <a:gradFill>
-            <a:gsLst>
-              <a:gs pos="0">
-                <a:schemeClr val="accent1">
-                  <a:alpha val="24000"/>
-                </a:schemeClr>
-              </a:gs>
-              <a:gs pos="79000">
-                <a:schemeClr val="accent1">
-                  <a:lumMod val="60000"/>
-                  <a:lumOff val="40000"/>
-                  <a:alpha val="0"/>
-                </a:schemeClr>
-              </a:gs>
-            </a:gsLst>
-            <a:lin ang="14400000" scaled="0"/>
-          </a:gradFill>
-          <a:ln>
-            <a:noFill/>
-          </a:ln>
-        </p:spPr>
-        <p:style>
-          <a:lnRef idx="2">
-            <a:schemeClr val="accent1">
-              <a:shade val="50000"/>
-            </a:schemeClr>
-          </a:lnRef>
-          <a:fillRef idx="1">
-            <a:schemeClr val="accent1"/>
-          </a:fillRef>
-          <a:effectRef idx="0">
-            <a:schemeClr val="accent1"/>
-          </a:effectRef>
-          <a:fontRef idx="minor">
-            <a:schemeClr val="lt1"/>
-          </a:fontRef>
-        </p:style>
-        <p:txBody>
-          <a:bodyPr rtlCol="0" anchor="ctr"/>
-          <a:lstStyle/>
-          <a:p>
-            <a:pPr algn="ctr"/>
-            <a:endParaRPr lang="en-US" dirty="0"/>
-          </a:p>
-        </p:txBody>
-      </p:sp>
-      <p:sp>
-        <p:nvSpPr>
-          <p:cNvPr id="2" name="Title 1">
-            <a:extLst>
-              <a:ext uri="{FF2B5EF4-FFF2-40B4-BE49-F238E27FC236}">
-                <a16:creationId xmlns:a16="http://schemas.microsoft.com/office/drawing/2014/main" id="{449E023B-0653-F756-A8F8-B03D71745B6C}"/>
-              </a:ext>
-            </a:extLst>
-          </p:cNvPr>
-          <p:cNvSpPr>
-            <a:spLocks noGrp="1"/>
-          </p:cNvSpPr>
-          <p:nvPr>
-            <p:ph type="title"/>
-          </p:nvPr>
-        </p:nvSpPr>
-        <p:spPr>
-          <a:xfrm>
-            <a:off x="4598724" y="1531836"/>
-            <a:ext cx="2994550" cy="815984"/>
-          </a:xfrm>
-        </p:spPr>
-        <p:txBody>
-          <a:bodyPr vert="horz" lIns="91440" tIns="45720" rIns="91440" bIns="45720" rtlCol="0" anchor="b">
-            <a:normAutofit/>
-          </a:bodyPr>
-          <a:lstStyle/>
-          <a:p>
-            <a:pPr algn="r"/>
-            <a:r>
-              <a:rPr lang="en-US" sz="4800" dirty="0" err="1">
-                <a:solidFill>
-                  <a:schemeClr val="bg1"/>
-                </a:solidFill>
-              </a:rPr>
-              <a:t>Transpilers</a:t>
-            </a:r>
-            <a:endParaRPr lang="en-US" sz="4800" kern="1200" dirty="0">
-              <a:solidFill>
-                <a:schemeClr val="bg1"/>
-              </a:solidFill>
-              <a:latin typeface="+mj-lt"/>
-              <a:ea typeface="+mj-ea"/>
-              <a:cs typeface="+mj-cs"/>
-            </a:endParaRPr>
-          </a:p>
-        </p:txBody>
-      </p:sp>
-      <p:sp>
-        <p:nvSpPr>
-          <p:cNvPr id="17" name="Rectangle 16">
-            <a:extLst>
-              <a:ext uri="{FF2B5EF4-FFF2-40B4-BE49-F238E27FC236}">
-                <a16:creationId xmlns:a16="http://schemas.microsoft.com/office/drawing/2014/main" id="{950A8331-1423-F3B0-0838-655EA3E1FD80}"/>
-              </a:ext>
-              <a:ext uri="{C183D7F6-B498-43B3-948B-1728B52AA6E4}">
-                <adec:decorative xmlns:adec="http://schemas.microsoft.com/office/drawing/2017/decorative" val="1"/>
-              </a:ext>
-            </a:extLst>
-          </p:cNvPr>
-          <p:cNvSpPr>
-            <a:spLocks noGrp="1" noRot="1" noChangeAspect="1" noMove="1" noResize="1" noEditPoints="1" noAdjustHandles="1" noChangeArrowheads="1" noChangeShapeType="1" noTextEdit="1"/>
-          </p:cNvSpPr>
-          <p:nvPr>
-            <p:extLst>
-              <p:ext uri="{386F3935-93C4-4BCD-93E2-E3B085C9AB24}">
-                <p16:designElem xmlns:p16="http://schemas.microsoft.com/office/powerpoint/2015/main" val="1"/>
-              </p:ext>
-            </p:extLst>
-          </p:nvPr>
-        </p:nvSpPr>
-        <p:spPr>
-          <a:xfrm rot="10800000" flipH="1">
-            <a:off x="6314" y="4480038"/>
-            <a:ext cx="12179371" cy="2377962"/>
-          </a:xfrm>
-          <a:prstGeom prst="rect">
-            <a:avLst/>
-          </a:prstGeom>
-          <a:gradFill>
-            <a:gsLst>
-              <a:gs pos="0">
-                <a:schemeClr val="accent1">
-                  <a:lumMod val="75000"/>
-                  <a:alpha val="50000"/>
-                </a:schemeClr>
-              </a:gs>
-              <a:gs pos="99000">
-                <a:srgbClr val="000000">
-                  <a:alpha val="34000"/>
-                </a:srgbClr>
-              </a:gs>
-            </a:gsLst>
-            <a:lin ang="17400000" scaled="0"/>
-          </a:gradFill>
-          <a:ln>
-            <a:noFill/>
-          </a:ln>
-        </p:spPr>
-        <p:style>
-          <a:lnRef idx="2">
-            <a:schemeClr val="accent1">
-              <a:shade val="50000"/>
-            </a:schemeClr>
-          </a:lnRef>
-          <a:fillRef idx="1">
-            <a:schemeClr val="accent1"/>
-          </a:fillRef>
-          <a:effectRef idx="0">
-            <a:schemeClr val="accent1"/>
-          </a:effectRef>
-          <a:fontRef idx="minor">
-            <a:schemeClr val="lt1"/>
-          </a:fontRef>
-        </p:style>
-        <p:txBody>
-          <a:bodyPr rtlCol="0" anchor="ctr"/>
-          <a:lstStyle/>
-          <a:p>
-            <a:pPr algn="ctr"/>
-            <a:endParaRPr lang="en-US"/>
-          </a:p>
-        </p:txBody>
-      </p:sp>
-      <p:sp>
-        <p:nvSpPr>
-          <p:cNvPr id="19" name="Rectangle 18">
-            <a:extLst>
-              <a:ext uri="{FF2B5EF4-FFF2-40B4-BE49-F238E27FC236}">
-                <a16:creationId xmlns:a16="http://schemas.microsoft.com/office/drawing/2014/main" id="{1E4E5A3E-7EA8-B314-F7B3-7636BE25577F}"/>
-              </a:ext>
-              <a:ext uri="{C183D7F6-B498-43B3-948B-1728B52AA6E4}">
-                <adec:decorative xmlns:adec="http://schemas.microsoft.com/office/drawing/2017/decorative" val="1"/>
-              </a:ext>
-            </a:extLst>
-          </p:cNvPr>
-          <p:cNvSpPr>
-            <a:spLocks noGrp="1" noRot="1" noChangeAspect="1" noMove="1" noResize="1" noEditPoints="1" noAdjustHandles="1" noChangeArrowheads="1" noChangeShapeType="1" noTextEdit="1"/>
-          </p:cNvSpPr>
-          <p:nvPr>
-            <p:extLst>
-              <p:ext uri="{386F3935-93C4-4BCD-93E2-E3B085C9AB24}">
-                <p16:designElem xmlns:p16="http://schemas.microsoft.com/office/powerpoint/2015/main" val="1"/>
-              </p:ext>
-            </p:extLst>
-          </p:nvPr>
-        </p:nvSpPr>
-        <p:spPr>
-          <a:xfrm rot="16200000" flipH="1">
-            <a:off x="6967085" y="1632660"/>
-            <a:ext cx="6857572" cy="3592258"/>
-          </a:xfrm>
-          <a:prstGeom prst="rect">
-            <a:avLst/>
-          </a:prstGeom>
-          <a:gradFill>
-            <a:gsLst>
-              <a:gs pos="0">
-                <a:schemeClr val="accent1">
-                  <a:lumMod val="75000"/>
-                  <a:alpha val="50000"/>
-                </a:schemeClr>
-              </a:gs>
-              <a:gs pos="99000">
-                <a:srgbClr val="000000">
-                  <a:alpha val="0"/>
-                </a:srgbClr>
-              </a:gs>
-            </a:gsLst>
-            <a:lin ang="15600000" scaled="0"/>
-          </a:gradFill>
-          <a:ln>
-            <a:noFill/>
-          </a:ln>
-        </p:spPr>
-        <p:style>
-          <a:lnRef idx="2">
-            <a:schemeClr val="accent1">
-              <a:shade val="50000"/>
-            </a:schemeClr>
-          </a:lnRef>
-          <a:fillRef idx="1">
-            <a:schemeClr val="accent1"/>
-          </a:fillRef>
-          <a:effectRef idx="0">
-            <a:schemeClr val="accent1"/>
-          </a:effectRef>
-          <a:fontRef idx="minor">
-            <a:schemeClr val="lt1"/>
-          </a:fontRef>
-        </p:style>
-        <p:txBody>
-          <a:bodyPr rtlCol="0" anchor="ctr"/>
-          <a:lstStyle/>
-          <a:p>
-            <a:pPr algn="ctr"/>
-            <a:endParaRPr lang="en-US"/>
-          </a:p>
-        </p:txBody>
-      </p:sp>
       <p:sp>
         <p:nvSpPr>
           <p:cNvPr id="4" name="Rectangle 3">
@@ -6284,7 +5556,7 @@
 </p:sld>
 </file>
 
-<file path=ppt/slides/slide13.xml><?xml version="1.0" encoding="utf-8"?>
+<file path=ppt/slides/slide12.xml><?xml version="1.0" encoding="utf-8"?>
 <p:sld xmlns:a="http://schemas.openxmlformats.org/drawingml/2006/main" xmlns:r="http://schemas.openxmlformats.org/officeDocument/2006/relationships" xmlns:p="http://schemas.openxmlformats.org/presentationml/2006/main">
   <p:cSld>
     <p:bg>
@@ -11372,1033 +10644,6 @@
         <p:cNvPr id="1" name="">
           <a:extLst>
             <a:ext uri="{FF2B5EF4-FFF2-40B4-BE49-F238E27FC236}">
-              <a16:creationId xmlns:a16="http://schemas.microsoft.com/office/drawing/2014/main" id="{E77855AB-95FF-7181-FAA0-98BC6AF3D454}"/>
-            </a:ext>
-          </a:extLst>
-        </p:cNvPr>
-        <p:cNvGrpSpPr/>
-        <p:nvPr/>
-      </p:nvGrpSpPr>
-      <p:grpSpPr>
-        <a:xfrm>
-          <a:off x="0" y="0"/>
-          <a:ext cx="0" cy="0"/>
-          <a:chOff x="0" y="0"/>
-          <a:chExt cx="0" cy="0"/>
-        </a:xfrm>
-      </p:grpSpPr>
-      <p:sp useBgFill="1">
-        <p:nvSpPr>
-          <p:cNvPr id="7" name="Rectangle 6">
-            <a:extLst>
-              <a:ext uri="{FF2B5EF4-FFF2-40B4-BE49-F238E27FC236}">
-                <a16:creationId xmlns:a16="http://schemas.microsoft.com/office/drawing/2014/main" id="{8CF6A9CA-6765-091A-0317-8C69980BC249}"/>
-              </a:ext>
-              <a:ext uri="{C183D7F6-B498-43B3-948B-1728B52AA6E4}">
-                <adec:decorative xmlns:adec="http://schemas.microsoft.com/office/drawing/2017/decorative" val="1"/>
-              </a:ext>
-            </a:extLst>
-          </p:cNvPr>
-          <p:cNvSpPr>
-            <a:spLocks noGrp="1" noRot="1" noChangeAspect="1" noMove="1" noResize="1" noEditPoints="1" noAdjustHandles="1" noChangeArrowheads="1" noChangeShapeType="1" noTextEdit="1"/>
-          </p:cNvSpPr>
-          <p:nvPr>
-            <p:extLst>
-              <p:ext uri="{386F3935-93C4-4BCD-93E2-E3B085C9AB24}">
-                <p16:designElem xmlns:p16="http://schemas.microsoft.com/office/powerpoint/2015/main" val="1"/>
-              </p:ext>
-            </p:extLst>
-          </p:nvPr>
-        </p:nvSpPr>
-        <p:spPr>
-          <a:xfrm>
-            <a:off x="0" y="0"/>
-            <a:ext cx="12192000" cy="6858000"/>
-          </a:xfrm>
-          <a:prstGeom prst="rect">
-            <a:avLst/>
-          </a:prstGeom>
-          <a:ln w="12700" cap="flat" cmpd="sng" algn="ctr">
-            <a:noFill/>
-            <a:prstDash val="solid"/>
-            <a:miter lim="800000"/>
-          </a:ln>
-          <a:effectLst/>
-          <a:extLst>
-            <a:ext uri="{91240B29-F687-4F45-9708-019B960494DF}">
-              <a14:hiddenLine xmlns:a14="http://schemas.microsoft.com/office/drawing/2010/main" w="12700" cap="flat" cmpd="sng" algn="ctr">
-                <a:solidFill>
-                  <a:schemeClr val="accent1">
-                    <a:shade val="50000"/>
-                  </a:schemeClr>
-                </a:solidFill>
-                <a:prstDash val="solid"/>
-                <a:miter lim="800000"/>
-              </a14:hiddenLine>
-            </a:ext>
-          </a:extLst>
-        </p:spPr>
-        <p:style>
-          <a:lnRef idx="2">
-            <a:schemeClr val="accent1">
-              <a:shade val="50000"/>
-            </a:schemeClr>
-          </a:lnRef>
-          <a:fillRef idx="1">
-            <a:schemeClr val="accent1"/>
-          </a:fillRef>
-          <a:effectRef idx="0">
-            <a:schemeClr val="accent1"/>
-          </a:effectRef>
-          <a:fontRef idx="minor">
-            <a:schemeClr val="lt1"/>
-          </a:fontRef>
-        </p:style>
-        <p:txBody>
-          <a:bodyPr rtlCol="0" anchor="ctr"/>
-          <a:lstStyle/>
-          <a:p>
-            <a:pPr algn="ctr"/>
-            <a:endParaRPr lang="en-US"/>
-          </a:p>
-        </p:txBody>
-      </p:sp>
-      <p:sp>
-        <p:nvSpPr>
-          <p:cNvPr id="9" name="Rectangle 8">
-            <a:extLst>
-              <a:ext uri="{FF2B5EF4-FFF2-40B4-BE49-F238E27FC236}">
-                <a16:creationId xmlns:a16="http://schemas.microsoft.com/office/drawing/2014/main" id="{CB610D7C-9795-449A-AC8F-25D5289AFE3F}"/>
-              </a:ext>
-              <a:ext uri="{C183D7F6-B498-43B3-948B-1728B52AA6E4}">
-                <adec:decorative xmlns:adec="http://schemas.microsoft.com/office/drawing/2017/decorative" val="1"/>
-              </a:ext>
-            </a:extLst>
-          </p:cNvPr>
-          <p:cNvSpPr>
-            <a:spLocks noGrp="1" noRot="1" noChangeAspect="1" noMove="1" noResize="1" noEditPoints="1" noAdjustHandles="1" noChangeArrowheads="1" noChangeShapeType="1" noTextEdit="1"/>
-          </p:cNvSpPr>
-          <p:nvPr>
-            <p:extLst>
-              <p:ext uri="{386F3935-93C4-4BCD-93E2-E3B085C9AB24}">
-                <p16:designElem xmlns:p16="http://schemas.microsoft.com/office/powerpoint/2015/main" val="1"/>
-              </p:ext>
-            </p:extLst>
-          </p:nvPr>
-        </p:nvSpPr>
-        <p:spPr>
-          <a:xfrm>
-            <a:off x="0" y="-427"/>
-            <a:ext cx="12192001" cy="6858000"/>
-          </a:xfrm>
-          <a:prstGeom prst="rect">
-            <a:avLst/>
-          </a:prstGeom>
-          <a:gradFill>
-            <a:gsLst>
-              <a:gs pos="0">
-                <a:srgbClr val="000000"/>
-              </a:gs>
-              <a:gs pos="100000">
-                <a:schemeClr val="accent1">
-                  <a:lumMod val="75000"/>
-                </a:schemeClr>
-              </a:gs>
-            </a:gsLst>
-            <a:lin ang="15000000" scaled="0"/>
-          </a:gradFill>
-          <a:ln>
-            <a:noFill/>
-          </a:ln>
-        </p:spPr>
-        <p:style>
-          <a:lnRef idx="2">
-            <a:schemeClr val="accent1">
-              <a:shade val="50000"/>
-            </a:schemeClr>
-          </a:lnRef>
-          <a:fillRef idx="1">
-            <a:schemeClr val="accent1"/>
-          </a:fillRef>
-          <a:effectRef idx="0">
-            <a:schemeClr val="accent1"/>
-          </a:effectRef>
-          <a:fontRef idx="minor">
-            <a:schemeClr val="lt1"/>
-          </a:fontRef>
-        </p:style>
-        <p:txBody>
-          <a:bodyPr rtlCol="0" anchor="ctr"/>
-          <a:lstStyle/>
-          <a:p>
-            <a:pPr algn="ctr"/>
-            <a:endParaRPr lang="en-US"/>
-          </a:p>
-        </p:txBody>
-      </p:sp>
-      <p:sp>
-        <p:nvSpPr>
-          <p:cNvPr id="11" name="Rectangle 10">
-            <a:extLst>
-              <a:ext uri="{FF2B5EF4-FFF2-40B4-BE49-F238E27FC236}">
-                <a16:creationId xmlns:a16="http://schemas.microsoft.com/office/drawing/2014/main" id="{F56621DC-E204-1530-267C-737E291B6746}"/>
-              </a:ext>
-              <a:ext uri="{C183D7F6-B498-43B3-948B-1728B52AA6E4}">
-                <adec:decorative xmlns:adec="http://schemas.microsoft.com/office/drawing/2017/decorative" val="1"/>
-              </a:ext>
-            </a:extLst>
-          </p:cNvPr>
-          <p:cNvSpPr>
-            <a:spLocks noGrp="1" noRot="1" noChangeAspect="1" noMove="1" noResize="1" noEditPoints="1" noAdjustHandles="1" noChangeArrowheads="1" noChangeShapeType="1" noTextEdit="1"/>
-          </p:cNvSpPr>
-          <p:nvPr>
-            <p:extLst>
-              <p:ext uri="{386F3935-93C4-4BCD-93E2-E3B085C9AB24}">
-                <p16:designElem xmlns:p16="http://schemas.microsoft.com/office/powerpoint/2015/main" val="1"/>
-              </p:ext>
-            </p:extLst>
-          </p:nvPr>
-        </p:nvSpPr>
-        <p:spPr>
-          <a:xfrm rot="10800000" flipH="1">
-            <a:off x="455521" y="-1720"/>
-            <a:ext cx="11750040" cy="6840685"/>
-          </a:xfrm>
-          <a:prstGeom prst="rect">
-            <a:avLst/>
-          </a:prstGeom>
-          <a:gradFill>
-            <a:gsLst>
-              <a:gs pos="21000">
-                <a:schemeClr val="accent1">
-                  <a:lumMod val="50000"/>
-                  <a:alpha val="61000"/>
-                </a:schemeClr>
-              </a:gs>
-              <a:gs pos="100000">
-                <a:schemeClr val="accent1">
-                  <a:alpha val="0"/>
-                </a:schemeClr>
-              </a:gs>
-            </a:gsLst>
-            <a:lin ang="21594000" scaled="0"/>
-          </a:gradFill>
-          <a:ln>
-            <a:noFill/>
-          </a:ln>
-        </p:spPr>
-        <p:style>
-          <a:lnRef idx="2">
-            <a:schemeClr val="accent1">
-              <a:shade val="50000"/>
-            </a:schemeClr>
-          </a:lnRef>
-          <a:fillRef idx="1">
-            <a:schemeClr val="accent1"/>
-          </a:fillRef>
-          <a:effectRef idx="0">
-            <a:schemeClr val="accent1"/>
-          </a:effectRef>
-          <a:fontRef idx="minor">
-            <a:schemeClr val="lt1"/>
-          </a:fontRef>
-        </p:style>
-        <p:txBody>
-          <a:bodyPr rtlCol="0" anchor="ctr"/>
-          <a:lstStyle/>
-          <a:p>
-            <a:pPr algn="ctr"/>
-            <a:endParaRPr lang="en-US"/>
-          </a:p>
-        </p:txBody>
-      </p:sp>
-      <p:sp>
-        <p:nvSpPr>
-          <p:cNvPr id="13" name="Rectangle 12">
-            <a:extLst>
-              <a:ext uri="{FF2B5EF4-FFF2-40B4-BE49-F238E27FC236}">
-                <a16:creationId xmlns:a16="http://schemas.microsoft.com/office/drawing/2014/main" id="{884AAE1E-171E-E31C-8831-EF98B89D5BA3}"/>
-              </a:ext>
-              <a:ext uri="{C183D7F6-B498-43B3-948B-1728B52AA6E4}">
-                <adec:decorative xmlns:adec="http://schemas.microsoft.com/office/drawing/2017/decorative" val="1"/>
-              </a:ext>
-            </a:extLst>
-          </p:cNvPr>
-          <p:cNvSpPr>
-            <a:spLocks noGrp="1" noRot="1" noChangeAspect="1" noMove="1" noResize="1" noEditPoints="1" noAdjustHandles="1" noChangeArrowheads="1" noChangeShapeType="1" noTextEdit="1"/>
-          </p:cNvSpPr>
-          <p:nvPr>
-            <p:extLst>
-              <p:ext uri="{386F3935-93C4-4BCD-93E2-E3B085C9AB24}">
-                <p16:designElem xmlns:p16="http://schemas.microsoft.com/office/powerpoint/2015/main" val="1"/>
-              </p:ext>
-            </p:extLst>
-          </p:nvPr>
-        </p:nvSpPr>
-        <p:spPr>
-          <a:xfrm>
-            <a:off x="8606054" y="-1291"/>
-            <a:ext cx="3608179" cy="6858864"/>
-          </a:xfrm>
-          <a:prstGeom prst="rect">
-            <a:avLst/>
-          </a:prstGeom>
-          <a:gradFill>
-            <a:gsLst>
-              <a:gs pos="0">
-                <a:schemeClr val="accent1">
-                  <a:lumMod val="75000"/>
-                  <a:alpha val="0"/>
-                </a:schemeClr>
-              </a:gs>
-              <a:gs pos="99000">
-                <a:srgbClr val="000000">
-                  <a:alpha val="41000"/>
-                </a:srgbClr>
-              </a:gs>
-            </a:gsLst>
-            <a:lin ang="16200000" scaled="0"/>
-          </a:gradFill>
-          <a:ln>
-            <a:noFill/>
-          </a:ln>
-        </p:spPr>
-        <p:style>
-          <a:lnRef idx="2">
-            <a:schemeClr val="accent1">
-              <a:shade val="50000"/>
-            </a:schemeClr>
-          </a:lnRef>
-          <a:fillRef idx="1">
-            <a:schemeClr val="accent1"/>
-          </a:fillRef>
-          <a:effectRef idx="0">
-            <a:schemeClr val="accent1"/>
-          </a:effectRef>
-          <a:fontRef idx="minor">
-            <a:schemeClr val="lt1"/>
-          </a:fontRef>
-        </p:style>
-        <p:txBody>
-          <a:bodyPr rtlCol="0" anchor="ctr"/>
-          <a:lstStyle/>
-          <a:p>
-            <a:pPr algn="ctr"/>
-            <a:endParaRPr lang="en-US"/>
-          </a:p>
-        </p:txBody>
-      </p:sp>
-      <p:sp>
-        <p:nvSpPr>
-          <p:cNvPr id="15" name="Oval 14">
-            <a:extLst>
-              <a:ext uri="{FF2B5EF4-FFF2-40B4-BE49-F238E27FC236}">
-                <a16:creationId xmlns:a16="http://schemas.microsoft.com/office/drawing/2014/main" id="{044E2A82-9BA1-8720-8211-3100733C603F}"/>
-              </a:ext>
-              <a:ext uri="{C183D7F6-B498-43B3-948B-1728B52AA6E4}">
-                <adec:decorative xmlns:adec="http://schemas.microsoft.com/office/drawing/2017/decorative" val="1"/>
-              </a:ext>
-            </a:extLst>
-          </p:cNvPr>
-          <p:cNvSpPr>
-            <a:spLocks noGrp="1" noRot="1" noChangeAspect="1" noMove="1" noResize="1" noEditPoints="1" noAdjustHandles="1" noChangeArrowheads="1" noChangeShapeType="1" noTextEdit="1"/>
-          </p:cNvSpPr>
-          <p:nvPr>
-            <p:extLst>
-              <p:ext uri="{386F3935-93C4-4BCD-93E2-E3B085C9AB24}">
-                <p16:designElem xmlns:p16="http://schemas.microsoft.com/office/powerpoint/2015/main" val="1"/>
-              </p:ext>
-            </p:extLst>
-          </p:nvPr>
-        </p:nvSpPr>
-        <p:spPr>
-          <a:xfrm rot="15274173">
-            <a:off x="6059728" y="779270"/>
-            <a:ext cx="4967533" cy="4988390"/>
-          </a:xfrm>
-          <a:prstGeom prst="ellipse">
-            <a:avLst/>
-          </a:prstGeom>
-          <a:gradFill>
-            <a:gsLst>
-              <a:gs pos="0">
-                <a:schemeClr val="accent1">
-                  <a:alpha val="24000"/>
-                </a:schemeClr>
-              </a:gs>
-              <a:gs pos="79000">
-                <a:schemeClr val="accent1">
-                  <a:lumMod val="60000"/>
-                  <a:lumOff val="40000"/>
-                  <a:alpha val="0"/>
-                </a:schemeClr>
-              </a:gs>
-            </a:gsLst>
-            <a:lin ang="14400000" scaled="0"/>
-          </a:gradFill>
-          <a:ln>
-            <a:noFill/>
-          </a:ln>
-        </p:spPr>
-        <p:style>
-          <a:lnRef idx="2">
-            <a:schemeClr val="accent1">
-              <a:shade val="50000"/>
-            </a:schemeClr>
-          </a:lnRef>
-          <a:fillRef idx="1">
-            <a:schemeClr val="accent1"/>
-          </a:fillRef>
-          <a:effectRef idx="0">
-            <a:schemeClr val="accent1"/>
-          </a:effectRef>
-          <a:fontRef idx="minor">
-            <a:schemeClr val="lt1"/>
-          </a:fontRef>
-        </p:style>
-        <p:txBody>
-          <a:bodyPr rtlCol="0" anchor="ctr"/>
-          <a:lstStyle/>
-          <a:p>
-            <a:pPr algn="ctr"/>
-            <a:endParaRPr lang="en-US" dirty="0"/>
-          </a:p>
-        </p:txBody>
-      </p:sp>
-      <p:sp>
-        <p:nvSpPr>
-          <p:cNvPr id="2" name="Title 1">
-            <a:extLst>
-              <a:ext uri="{FF2B5EF4-FFF2-40B4-BE49-F238E27FC236}">
-                <a16:creationId xmlns:a16="http://schemas.microsoft.com/office/drawing/2014/main" id="{8932FC31-089E-7930-7634-1D118E7426B2}"/>
-              </a:ext>
-            </a:extLst>
-          </p:cNvPr>
-          <p:cNvSpPr>
-            <a:spLocks noGrp="1"/>
-          </p:cNvSpPr>
-          <p:nvPr>
-            <p:ph type="title"/>
-          </p:nvPr>
-        </p:nvSpPr>
-        <p:spPr>
-          <a:xfrm>
-            <a:off x="2539983" y="1205976"/>
-            <a:ext cx="7855888" cy="889339"/>
-          </a:xfrm>
-        </p:spPr>
-        <p:txBody>
-          <a:bodyPr vert="horz" lIns="91440" tIns="45720" rIns="91440" bIns="45720" rtlCol="0" anchor="b">
-            <a:normAutofit/>
-          </a:bodyPr>
-          <a:lstStyle/>
-          <a:p>
-            <a:r>
-              <a:rPr lang="en-US" sz="4800" kern="1200" dirty="0">
-                <a:solidFill>
-                  <a:srgbClr val="FFFFFF"/>
-                </a:solidFill>
-                <a:latin typeface="+mj-lt"/>
-                <a:ea typeface="+mj-ea"/>
-                <a:cs typeface="+mj-cs"/>
-              </a:rPr>
-              <a:t>How many are fake ?</a:t>
-            </a:r>
-          </a:p>
-        </p:txBody>
-      </p:sp>
-      <p:sp>
-        <p:nvSpPr>
-          <p:cNvPr id="17" name="Rectangle 16">
-            <a:extLst>
-              <a:ext uri="{FF2B5EF4-FFF2-40B4-BE49-F238E27FC236}">
-                <a16:creationId xmlns:a16="http://schemas.microsoft.com/office/drawing/2014/main" id="{0C22D1E7-5A3D-E8BA-3A5F-9B89E58A2CB3}"/>
-              </a:ext>
-              <a:ext uri="{C183D7F6-B498-43B3-948B-1728B52AA6E4}">
-                <adec:decorative xmlns:adec="http://schemas.microsoft.com/office/drawing/2017/decorative" val="1"/>
-              </a:ext>
-            </a:extLst>
-          </p:cNvPr>
-          <p:cNvSpPr>
-            <a:spLocks noGrp="1" noRot="1" noChangeAspect="1" noMove="1" noResize="1" noEditPoints="1" noAdjustHandles="1" noChangeArrowheads="1" noChangeShapeType="1" noTextEdit="1"/>
-          </p:cNvSpPr>
-          <p:nvPr>
-            <p:extLst>
-              <p:ext uri="{386F3935-93C4-4BCD-93E2-E3B085C9AB24}">
-                <p16:designElem xmlns:p16="http://schemas.microsoft.com/office/powerpoint/2015/main" val="1"/>
-              </p:ext>
-            </p:extLst>
-          </p:nvPr>
-        </p:nvSpPr>
-        <p:spPr>
-          <a:xfrm rot="10800000" flipH="1">
-            <a:off x="6314" y="4480038"/>
-            <a:ext cx="12179371" cy="2377962"/>
-          </a:xfrm>
-          <a:prstGeom prst="rect">
-            <a:avLst/>
-          </a:prstGeom>
-          <a:gradFill>
-            <a:gsLst>
-              <a:gs pos="0">
-                <a:schemeClr val="accent1">
-                  <a:lumMod val="75000"/>
-                  <a:alpha val="50000"/>
-                </a:schemeClr>
-              </a:gs>
-              <a:gs pos="99000">
-                <a:srgbClr val="000000">
-                  <a:alpha val="34000"/>
-                </a:srgbClr>
-              </a:gs>
-            </a:gsLst>
-            <a:lin ang="17400000" scaled="0"/>
-          </a:gradFill>
-          <a:ln>
-            <a:noFill/>
-          </a:ln>
-        </p:spPr>
-        <p:style>
-          <a:lnRef idx="2">
-            <a:schemeClr val="accent1">
-              <a:shade val="50000"/>
-            </a:schemeClr>
-          </a:lnRef>
-          <a:fillRef idx="1">
-            <a:schemeClr val="accent1"/>
-          </a:fillRef>
-          <a:effectRef idx="0">
-            <a:schemeClr val="accent1"/>
-          </a:effectRef>
-          <a:fontRef idx="minor">
-            <a:schemeClr val="lt1"/>
-          </a:fontRef>
-        </p:style>
-        <p:txBody>
-          <a:bodyPr rtlCol="0" anchor="ctr"/>
-          <a:lstStyle/>
-          <a:p>
-            <a:pPr algn="ctr"/>
-            <a:endParaRPr lang="en-US"/>
-          </a:p>
-        </p:txBody>
-      </p:sp>
-      <p:sp>
-        <p:nvSpPr>
-          <p:cNvPr id="19" name="Rectangle 18">
-            <a:extLst>
-              <a:ext uri="{FF2B5EF4-FFF2-40B4-BE49-F238E27FC236}">
-                <a16:creationId xmlns:a16="http://schemas.microsoft.com/office/drawing/2014/main" id="{1AF46A3A-74A7-D84B-6A8F-24EB3FB9261B}"/>
-              </a:ext>
-              <a:ext uri="{C183D7F6-B498-43B3-948B-1728B52AA6E4}">
-                <adec:decorative xmlns:adec="http://schemas.microsoft.com/office/drawing/2017/decorative" val="1"/>
-              </a:ext>
-            </a:extLst>
-          </p:cNvPr>
-          <p:cNvSpPr>
-            <a:spLocks noGrp="1" noRot="1" noChangeAspect="1" noMove="1" noResize="1" noEditPoints="1" noAdjustHandles="1" noChangeArrowheads="1" noChangeShapeType="1" noTextEdit="1"/>
-          </p:cNvSpPr>
-          <p:nvPr>
-            <p:extLst>
-              <p:ext uri="{386F3935-93C4-4BCD-93E2-E3B085C9AB24}">
-                <p16:designElem xmlns:p16="http://schemas.microsoft.com/office/powerpoint/2015/main" val="1"/>
-              </p:ext>
-            </p:extLst>
-          </p:nvPr>
-        </p:nvSpPr>
-        <p:spPr>
-          <a:xfrm rot="16200000" flipH="1">
-            <a:off x="6967085" y="1632660"/>
-            <a:ext cx="6857572" cy="3592258"/>
-          </a:xfrm>
-          <a:prstGeom prst="rect">
-            <a:avLst/>
-          </a:prstGeom>
-          <a:gradFill>
-            <a:gsLst>
-              <a:gs pos="0">
-                <a:schemeClr val="accent1">
-                  <a:lumMod val="75000"/>
-                  <a:alpha val="50000"/>
-                </a:schemeClr>
-              </a:gs>
-              <a:gs pos="99000">
-                <a:srgbClr val="000000">
-                  <a:alpha val="0"/>
-                </a:srgbClr>
-              </a:gs>
-            </a:gsLst>
-            <a:lin ang="15600000" scaled="0"/>
-          </a:gradFill>
-          <a:ln>
-            <a:noFill/>
-          </a:ln>
-        </p:spPr>
-        <p:style>
-          <a:lnRef idx="2">
-            <a:schemeClr val="accent1">
-              <a:shade val="50000"/>
-            </a:schemeClr>
-          </a:lnRef>
-          <a:fillRef idx="1">
-            <a:schemeClr val="accent1"/>
-          </a:fillRef>
-          <a:effectRef idx="0">
-            <a:schemeClr val="accent1"/>
-          </a:effectRef>
-          <a:fontRef idx="minor">
-            <a:schemeClr val="lt1"/>
-          </a:fontRef>
-        </p:style>
-        <p:txBody>
-          <a:bodyPr rtlCol="0" anchor="ctr"/>
-          <a:lstStyle/>
-          <a:p>
-            <a:pPr algn="ctr"/>
-            <a:endParaRPr lang="en-US"/>
-          </a:p>
-        </p:txBody>
-      </p:sp>
-      <p:sp>
-        <p:nvSpPr>
-          <p:cNvPr id="3" name="Title 1">
-            <a:extLst>
-              <a:ext uri="{FF2B5EF4-FFF2-40B4-BE49-F238E27FC236}">
-                <a16:creationId xmlns:a16="http://schemas.microsoft.com/office/drawing/2014/main" id="{A232872B-A95B-3AED-67BF-682FFC8665F6}"/>
-              </a:ext>
-            </a:extLst>
-          </p:cNvPr>
-          <p:cNvSpPr txBox="1">
-            <a:spLocks/>
-          </p:cNvSpPr>
-          <p:nvPr/>
-        </p:nvSpPr>
-        <p:spPr>
-          <a:xfrm>
-            <a:off x="2573674" y="2310914"/>
-            <a:ext cx="7855888" cy="2539783"/>
-          </a:xfrm>
-          <a:prstGeom prst="rect">
-            <a:avLst/>
-          </a:prstGeom>
-        </p:spPr>
-        <p:txBody>
-          <a:bodyPr vert="horz" lIns="91440" tIns="45720" rIns="91440" bIns="45720" numCol="2" rtlCol="0" anchor="b">
-            <a:noAutofit/>
-          </a:bodyPr>
-          <a:lstStyle>
-            <a:lvl1pPr algn="l" defTabSz="914400" rtl="0" eaLnBrk="1" latinLnBrk="0" hangingPunct="1">
-              <a:lnSpc>
-                <a:spcPct val="90000"/>
-              </a:lnSpc>
-              <a:spcBef>
-                <a:spcPct val="0"/>
-              </a:spcBef>
-              <a:buNone/>
-              <a:defRPr sz="4400" kern="1200">
-                <a:solidFill>
-                  <a:schemeClr val="tx1"/>
-                </a:solidFill>
-                <a:latin typeface="+mj-lt"/>
-                <a:ea typeface="+mj-ea"/>
-                <a:cs typeface="+mj-cs"/>
-              </a:defRPr>
-            </a:lvl1pPr>
-          </a:lstStyle>
-          <a:p>
-            <a:pPr marL="285750" indent="-285750">
-              <a:lnSpc>
-                <a:spcPct val="150000"/>
-              </a:lnSpc>
-              <a:buFont typeface="Arial" panose="020B0604020202020204" pitchFamily="34" charset="0"/>
-              <a:buChar char="•"/>
-            </a:pPr>
-            <a:r>
-              <a:rPr lang="en-US" sz="2000" dirty="0">
-                <a:solidFill>
-                  <a:schemeClr val="bg1"/>
-                </a:solidFill>
-              </a:rPr>
-              <a:t>a</a:t>
-            </a:r>
-            <a:r>
-              <a:rPr lang="pl-PL" sz="2000" dirty="0">
-                <a:solidFill>
-                  <a:schemeClr val="bg1"/>
-                </a:solidFill>
-              </a:rPr>
-              <a:t>s</a:t>
-            </a:r>
-            <a:r>
-              <a:rPr lang="en-US" sz="2000" dirty="0">
-                <a:solidFill>
-                  <a:schemeClr val="bg1"/>
-                </a:solidFill>
-              </a:rPr>
-              <a:t>t_</a:t>
-            </a:r>
-            <a:r>
-              <a:rPr lang="pl-PL" sz="2000" dirty="0">
-                <a:solidFill>
-                  <a:schemeClr val="bg1"/>
-                </a:solidFill>
-              </a:rPr>
-              <a:t>lite </a:t>
-            </a:r>
-            <a:endParaRPr lang="en-US" sz="2000" dirty="0">
-              <a:solidFill>
-                <a:schemeClr val="bg1"/>
-              </a:solidFill>
-            </a:endParaRPr>
-          </a:p>
-          <a:p>
-            <a:pPr marL="285750" indent="-285750">
-              <a:lnSpc>
-                <a:spcPct val="150000"/>
-              </a:lnSpc>
-              <a:buFont typeface="Arial" panose="020B0604020202020204" pitchFamily="34" charset="0"/>
-              <a:buChar char="•"/>
-            </a:pPr>
-            <a:r>
-              <a:rPr lang="en-US" sz="2000" dirty="0" err="1">
-                <a:solidFill>
-                  <a:schemeClr val="bg1"/>
-                </a:solidFill>
-              </a:rPr>
-              <a:t>astor</a:t>
-            </a:r>
-            <a:endParaRPr lang="en-US" sz="2000" dirty="0">
-              <a:solidFill>
-                <a:schemeClr val="bg1"/>
-              </a:solidFill>
-            </a:endParaRPr>
-          </a:p>
-          <a:p>
-            <a:pPr marL="285750" indent="-285750">
-              <a:lnSpc>
-                <a:spcPct val="150000"/>
-              </a:lnSpc>
-              <a:buFont typeface="Arial" panose="020B0604020202020204" pitchFamily="34" charset="0"/>
-              <a:buChar char="•"/>
-            </a:pPr>
-            <a:r>
-              <a:rPr lang="en-US" sz="2000" dirty="0" err="1">
-                <a:solidFill>
-                  <a:schemeClr val="bg1"/>
-                </a:solidFill>
-              </a:rPr>
-              <a:t>astroid</a:t>
-            </a:r>
-            <a:endParaRPr lang="en-US" sz="2000" dirty="0">
-              <a:solidFill>
-                <a:schemeClr val="bg1"/>
-              </a:solidFill>
-            </a:endParaRPr>
-          </a:p>
-          <a:p>
-            <a:pPr marL="285750" indent="-285750">
-              <a:lnSpc>
-                <a:spcPct val="150000"/>
-              </a:lnSpc>
-              <a:buFont typeface="Arial" panose="020B0604020202020204" pitchFamily="34" charset="0"/>
-              <a:buChar char="•"/>
-            </a:pPr>
-            <a:r>
-              <a:rPr lang="en-US" sz="2000" dirty="0">
-                <a:solidFill>
-                  <a:schemeClr val="bg1"/>
-                </a:solidFill>
-              </a:rPr>
-              <a:t>baron</a:t>
-            </a:r>
-          </a:p>
-          <a:p>
-            <a:pPr marL="285750" indent="-285750">
-              <a:lnSpc>
-                <a:spcPct val="150000"/>
-              </a:lnSpc>
-              <a:buFont typeface="Arial" panose="020B0604020202020204" pitchFamily="34" charset="0"/>
-              <a:buChar char="•"/>
-            </a:pPr>
-            <a:r>
-              <a:rPr lang="en-US" sz="2000" dirty="0" err="1">
-                <a:solidFill>
-                  <a:schemeClr val="bg1"/>
-                </a:solidFill>
-              </a:rPr>
-              <a:t>gast</a:t>
-            </a:r>
-            <a:endParaRPr lang="en-US" sz="2000" dirty="0">
-              <a:solidFill>
-                <a:schemeClr val="bg1"/>
-              </a:solidFill>
-            </a:endParaRPr>
-          </a:p>
-          <a:p>
-            <a:pPr marL="285750" indent="-285750">
-              <a:lnSpc>
-                <a:spcPct val="150000"/>
-              </a:lnSpc>
-              <a:buFont typeface="Arial" panose="020B0604020202020204" pitchFamily="34" charset="0"/>
-              <a:buChar char="•"/>
-            </a:pPr>
-            <a:r>
-              <a:rPr lang="en-US" sz="2000" dirty="0" err="1">
-                <a:solidFill>
-                  <a:schemeClr val="bg1"/>
-                </a:solidFill>
-              </a:rPr>
-              <a:t>libCST</a:t>
-            </a:r>
-            <a:endParaRPr lang="en-US" sz="2000" dirty="0">
-              <a:solidFill>
-                <a:schemeClr val="bg1"/>
-              </a:solidFill>
-            </a:endParaRPr>
-          </a:p>
-          <a:p>
-            <a:pPr marL="285750" indent="-285750">
-              <a:lnSpc>
-                <a:spcPct val="150000"/>
-              </a:lnSpc>
-              <a:buFont typeface="Arial" panose="020B0604020202020204" pitchFamily="34" charset="0"/>
-              <a:buChar char="•"/>
-            </a:pPr>
-            <a:r>
-              <a:rPr lang="en-US" sz="2000" dirty="0" err="1">
-                <a:solidFill>
-                  <a:schemeClr val="bg1"/>
-                </a:solidFill>
-              </a:rPr>
-              <a:t>parso</a:t>
-            </a:r>
-            <a:endParaRPr lang="en-US" sz="2000" dirty="0">
-              <a:solidFill>
-                <a:schemeClr val="bg1"/>
-              </a:solidFill>
-            </a:endParaRPr>
-          </a:p>
-          <a:p>
-            <a:pPr marL="285750" indent="-285750">
-              <a:lnSpc>
-                <a:spcPct val="150000"/>
-              </a:lnSpc>
-              <a:buFont typeface="Arial" panose="020B0604020202020204" pitchFamily="34" charset="0"/>
-              <a:buChar char="•"/>
-            </a:pPr>
-            <a:r>
-              <a:rPr lang="pl-PL" sz="2000" dirty="0" err="1">
-                <a:solidFill>
-                  <a:schemeClr val="bg1"/>
-                </a:solidFill>
-              </a:rPr>
-              <a:t>pytrunk</a:t>
-            </a:r>
-            <a:r>
-              <a:rPr lang="pl-PL" sz="2000" dirty="0">
-                <a:solidFill>
-                  <a:schemeClr val="bg1"/>
-                </a:solidFill>
-              </a:rPr>
-              <a:t> </a:t>
-            </a:r>
-            <a:endParaRPr lang="en-US" sz="2000" dirty="0">
-              <a:solidFill>
-                <a:schemeClr val="bg1"/>
-              </a:solidFill>
-            </a:endParaRPr>
-          </a:p>
-          <a:p>
-            <a:pPr marL="285750" indent="-285750">
-              <a:lnSpc>
-                <a:spcPct val="150000"/>
-              </a:lnSpc>
-              <a:buFont typeface="Arial" panose="020B0604020202020204" pitchFamily="34" charset="0"/>
-              <a:buChar char="•"/>
-            </a:pPr>
-            <a:r>
-              <a:rPr lang="en-US" sz="2000" dirty="0" err="1">
-                <a:solidFill>
-                  <a:schemeClr val="bg1"/>
-                </a:solidFill>
-              </a:rPr>
-              <a:t>typed_ast</a:t>
-            </a:r>
-            <a:br>
-              <a:rPr lang="en-US" sz="2000" dirty="0">
-                <a:solidFill>
-                  <a:schemeClr val="bg1"/>
-                </a:solidFill>
-              </a:rPr>
-            </a:br>
-            <a:endParaRPr lang="en-US" sz="2000" dirty="0">
-              <a:solidFill>
-                <a:schemeClr val="bg1"/>
-              </a:solidFill>
-            </a:endParaRPr>
-          </a:p>
-        </p:txBody>
-      </p:sp>
-    </p:spTree>
-    <p:extLst>
-      <p:ext uri="{BB962C8B-B14F-4D97-AF65-F5344CB8AC3E}">
-        <p14:creationId xmlns:p14="http://schemas.microsoft.com/office/powerpoint/2010/main" val="1659634085"/>
-      </p:ext>
-    </p:extLst>
-  </p:cSld>
-  <p:clrMapOvr>
-    <a:masterClrMapping/>
-  </p:clrMapOvr>
-  <p:timing>
-    <p:tnLst>
-      <p:par>
-        <p:cTn id="1" dur="indefinite" restart="never" nodeType="tmRoot">
-          <p:childTnLst>
-            <p:seq concurrent="1" nextAc="seek">
-              <p:cTn id="2" dur="indefinite" nodeType="mainSeq">
-                <p:childTnLst>
-                  <p:par>
-                    <p:cTn id="3" fill="hold">
-                      <p:stCondLst>
-                        <p:cond delay="indefinite"/>
-                        <p:cond evt="onBegin" delay="0">
-                          <p:tn val="2"/>
-                        </p:cond>
-                      </p:stCondLst>
-                      <p:childTnLst>
-                        <p:par>
-                          <p:cTn id="4" fill="hold">
-                            <p:stCondLst>
-                              <p:cond delay="0"/>
-                            </p:stCondLst>
-                            <p:childTnLst>
-                              <p:par>
-                                <p:cTn id="5" presetID="10" presetClass="entr" presetSubtype="0" fill="hold" grpId="0" nodeType="withEffect">
-                                  <p:stCondLst>
-                                    <p:cond delay="500"/>
-                                  </p:stCondLst>
-                                  <p:iterate type="lt">
-                                    <p:tmPct val="10000"/>
-                                  </p:iterate>
-                                  <p:childTnLst>
-                                    <p:set>
-                                      <p:cBhvr>
-                                        <p:cTn id="6" dur="1" fill="hold">
-                                          <p:stCondLst>
-                                            <p:cond delay="0"/>
-                                          </p:stCondLst>
-                                        </p:cTn>
-                                        <p:tgtEl>
-                                          <p:spTgt spid="2"/>
-                                        </p:tgtEl>
-                                        <p:attrNameLst>
-                                          <p:attrName>style.visibility</p:attrName>
-                                        </p:attrNameLst>
-                                      </p:cBhvr>
-                                      <p:to>
-                                        <p:strVal val="visible"/>
-                                      </p:to>
-                                    </p:set>
-                                    <p:animEffect transition="in" filter="fade">
-                                      <p:cBhvr>
-                                        <p:cTn id="7" dur="400"/>
-                                        <p:tgtEl>
-                                          <p:spTgt spid="2"/>
-                                        </p:tgtEl>
-                                      </p:cBhvr>
-                                    </p:animEffect>
-                                  </p:childTnLst>
-                                </p:cTn>
-                              </p:par>
-                              <p:par>
-                                <p:cTn id="8" presetID="10" presetClass="entr" presetSubtype="0" fill="hold" grpId="0" nodeType="withEffect">
-                                  <p:stCondLst>
-                                    <p:cond delay="500"/>
-                                  </p:stCondLst>
-                                  <p:iterate type="lt">
-                                    <p:tmPct val="10000"/>
-                                  </p:iterate>
-                                  <p:childTnLst>
-                                    <p:set>
-                                      <p:cBhvr>
-                                        <p:cTn id="9" dur="1" fill="hold">
-                                          <p:stCondLst>
-                                            <p:cond delay="0"/>
-                                          </p:stCondLst>
-                                        </p:cTn>
-                                        <p:tgtEl>
-                                          <p:spTgt spid="3"/>
-                                        </p:tgtEl>
-                                        <p:attrNameLst>
-                                          <p:attrName>style.visibility</p:attrName>
-                                        </p:attrNameLst>
-                                      </p:cBhvr>
-                                      <p:to>
-                                        <p:strVal val="visible"/>
-                                      </p:to>
-                                    </p:set>
-                                    <p:animEffect transition="in" filter="fade">
-                                      <p:cBhvr>
-                                        <p:cTn id="10" dur="400"/>
-                                        <p:tgtEl>
-                                          <p:spTgt spid="3"/>
-                                        </p:tgtEl>
-                                      </p:cBhvr>
-                                    </p:animEffect>
-                                  </p:childTnLst>
-                                </p:cTn>
-                              </p:par>
-                            </p:childTnLst>
-                          </p:cTn>
-                        </p:par>
-                      </p:childTnLst>
-                    </p:cTn>
-                  </p:par>
-                </p:childTnLst>
-              </p:cTn>
-              <p:prevCondLst>
-                <p:cond evt="onPrev" delay="0">
-                  <p:tgtEl>
-                    <p:sldTgt/>
-                  </p:tgtEl>
-                </p:cond>
-              </p:prevCondLst>
-              <p:nextCondLst>
-                <p:cond evt="onNext" delay="0">
-                  <p:tgtEl>
-                    <p:sldTgt/>
-                  </p:tgtEl>
-                </p:cond>
-              </p:nextCondLst>
-            </p:seq>
-          </p:childTnLst>
-        </p:cTn>
-      </p:par>
-    </p:tnLst>
-    <p:bldLst>
-      <p:bldP spid="2" grpId="0"/>
-      <p:bldP spid="3" grpId="0"/>
-    </p:bldLst>
-  </p:timing>
-</p:sld>
-</file>
-
-<file path=ppt/slides/slide8.xml><?xml version="1.0" encoding="utf-8"?>
-<p:sld xmlns:a="http://schemas.openxmlformats.org/drawingml/2006/main" xmlns:r="http://schemas.openxmlformats.org/officeDocument/2006/relationships" xmlns:p="http://schemas.openxmlformats.org/presentationml/2006/main">
-  <p:cSld>
-    <p:bg>
-      <p:bgPr>
-        <a:solidFill>
-          <a:schemeClr val="bg1"/>
-        </a:solidFill>
-        <a:effectLst/>
-      </p:bgPr>
-    </p:bg>
-    <p:spTree>
-      <p:nvGrpSpPr>
-        <p:cNvPr id="1" name="">
-          <a:extLst>
-            <a:ext uri="{FF2B5EF4-FFF2-40B4-BE49-F238E27FC236}">
               <a16:creationId xmlns:a16="http://schemas.microsoft.com/office/drawing/2014/main" id="{3CAA143D-5D4D-8C42-C00E-C535AC469A74}"/>
             </a:ext>
           </a:extLst>
@@ -13360,7 +11605,7 @@
 </p:sld>
 </file>
 
-<file path=ppt/slides/slide9.xml><?xml version="1.0" encoding="utf-8"?>
+<file path=ppt/slides/slide8.xml><?xml version="1.0" encoding="utf-8"?>
 <p:sld xmlns:a="http://schemas.openxmlformats.org/drawingml/2006/main" xmlns:r="http://schemas.openxmlformats.org/officeDocument/2006/relationships" xmlns:p="http://schemas.openxmlformats.org/presentationml/2006/main">
   <p:cSld>
     <p:bg>
@@ -14017,6 +12262,733 @@
     <p:extLst>
       <p:ext uri="{BB962C8B-B14F-4D97-AF65-F5344CB8AC3E}">
         <p14:creationId xmlns:p14="http://schemas.microsoft.com/office/powerpoint/2010/main" val="3519061778"/>
+      </p:ext>
+    </p:extLst>
+  </p:cSld>
+  <p:clrMapOvr>
+    <a:masterClrMapping/>
+  </p:clrMapOvr>
+  <p:timing>
+    <p:tnLst>
+      <p:par>
+        <p:cTn id="1" dur="indefinite" restart="never" nodeType="tmRoot">
+          <p:childTnLst>
+            <p:seq concurrent="1" nextAc="seek">
+              <p:cTn id="2" dur="indefinite" nodeType="mainSeq">
+                <p:childTnLst>
+                  <p:par>
+                    <p:cTn id="3" fill="hold">
+                      <p:stCondLst>
+                        <p:cond delay="indefinite"/>
+                        <p:cond evt="onBegin" delay="0">
+                          <p:tn val="2"/>
+                        </p:cond>
+                      </p:stCondLst>
+                      <p:childTnLst>
+                        <p:par>
+                          <p:cTn id="4" fill="hold">
+                            <p:stCondLst>
+                              <p:cond delay="0"/>
+                            </p:stCondLst>
+                            <p:childTnLst>
+                              <p:par>
+                                <p:cTn id="5" presetID="10" presetClass="entr" presetSubtype="0" fill="hold" grpId="0" nodeType="withEffect">
+                                  <p:stCondLst>
+                                    <p:cond delay="500"/>
+                                  </p:stCondLst>
+                                  <p:iterate type="lt">
+                                    <p:tmPct val="10000"/>
+                                  </p:iterate>
+                                  <p:childTnLst>
+                                    <p:set>
+                                      <p:cBhvr>
+                                        <p:cTn id="6" dur="1" fill="hold">
+                                          <p:stCondLst>
+                                            <p:cond delay="0"/>
+                                          </p:stCondLst>
+                                        </p:cTn>
+                                        <p:tgtEl>
+                                          <p:spTgt spid="2"/>
+                                        </p:tgtEl>
+                                        <p:attrNameLst>
+                                          <p:attrName>style.visibility</p:attrName>
+                                        </p:attrNameLst>
+                                      </p:cBhvr>
+                                      <p:to>
+                                        <p:strVal val="visible"/>
+                                      </p:to>
+                                    </p:set>
+                                    <p:animEffect transition="in" filter="fade">
+                                      <p:cBhvr>
+                                        <p:cTn id="7" dur="400"/>
+                                        <p:tgtEl>
+                                          <p:spTgt spid="2"/>
+                                        </p:tgtEl>
+                                      </p:cBhvr>
+                                    </p:animEffect>
+                                  </p:childTnLst>
+                                </p:cTn>
+                              </p:par>
+                            </p:childTnLst>
+                          </p:cTn>
+                        </p:par>
+                      </p:childTnLst>
+                    </p:cTn>
+                  </p:par>
+                </p:childTnLst>
+              </p:cTn>
+              <p:prevCondLst>
+                <p:cond evt="onPrev" delay="0">
+                  <p:tgtEl>
+                    <p:sldTgt/>
+                  </p:tgtEl>
+                </p:cond>
+              </p:prevCondLst>
+              <p:nextCondLst>
+                <p:cond evt="onNext" delay="0">
+                  <p:tgtEl>
+                    <p:sldTgt/>
+                  </p:tgtEl>
+                </p:cond>
+              </p:nextCondLst>
+            </p:seq>
+          </p:childTnLst>
+        </p:cTn>
+      </p:par>
+    </p:tnLst>
+    <p:bldLst>
+      <p:bldP spid="2" grpId="0"/>
+    </p:bldLst>
+  </p:timing>
+</p:sld>
+</file>
+
+<file path=ppt/slides/slide9.xml><?xml version="1.0" encoding="utf-8"?>
+<p:sld xmlns:a="http://schemas.openxmlformats.org/drawingml/2006/main" xmlns:r="http://schemas.openxmlformats.org/officeDocument/2006/relationships" xmlns:p="http://schemas.openxmlformats.org/presentationml/2006/main">
+  <p:cSld>
+    <p:bg>
+      <p:bgPr>
+        <a:solidFill>
+          <a:schemeClr val="bg1"/>
+        </a:solidFill>
+        <a:effectLst/>
+      </p:bgPr>
+    </p:bg>
+    <p:spTree>
+      <p:nvGrpSpPr>
+        <p:cNvPr id="1" name="">
+          <a:extLst>
+            <a:ext uri="{FF2B5EF4-FFF2-40B4-BE49-F238E27FC236}">
+              <a16:creationId xmlns:a16="http://schemas.microsoft.com/office/drawing/2014/main" id="{1E84B2A9-BA29-1DF4-CB97-82FA8BEF9B39}"/>
+            </a:ext>
+          </a:extLst>
+        </p:cNvPr>
+        <p:cNvGrpSpPr/>
+        <p:nvPr/>
+      </p:nvGrpSpPr>
+      <p:grpSpPr>
+        <a:xfrm>
+          <a:off x="0" y="0"/>
+          <a:ext cx="0" cy="0"/>
+          <a:chOff x="0" y="0"/>
+          <a:chExt cx="0" cy="0"/>
+        </a:xfrm>
+      </p:grpSpPr>
+      <p:sp useBgFill="1">
+        <p:nvSpPr>
+          <p:cNvPr id="7" name="Rectangle 6">
+            <a:extLst>
+              <a:ext uri="{FF2B5EF4-FFF2-40B4-BE49-F238E27FC236}">
+                <a16:creationId xmlns:a16="http://schemas.microsoft.com/office/drawing/2014/main" id="{A44E2546-8D6E-5DD7-5527-7E7669880DA6}"/>
+              </a:ext>
+              <a:ext uri="{C183D7F6-B498-43B3-948B-1728B52AA6E4}">
+                <adec:decorative xmlns:adec="http://schemas.microsoft.com/office/drawing/2017/decorative" val="1"/>
+              </a:ext>
+            </a:extLst>
+          </p:cNvPr>
+          <p:cNvSpPr>
+            <a:spLocks noGrp="1" noRot="1" noChangeAspect="1" noMove="1" noResize="1" noEditPoints="1" noAdjustHandles="1" noChangeArrowheads="1" noChangeShapeType="1" noTextEdit="1"/>
+          </p:cNvSpPr>
+          <p:nvPr>
+            <p:extLst>
+              <p:ext uri="{386F3935-93C4-4BCD-93E2-E3B085C9AB24}">
+                <p16:designElem xmlns:p16="http://schemas.microsoft.com/office/powerpoint/2015/main" val="1"/>
+              </p:ext>
+            </p:extLst>
+          </p:nvPr>
+        </p:nvSpPr>
+        <p:spPr>
+          <a:xfrm>
+            <a:off x="0" y="0"/>
+            <a:ext cx="12192000" cy="6858000"/>
+          </a:xfrm>
+          <a:prstGeom prst="rect">
+            <a:avLst/>
+          </a:prstGeom>
+          <a:ln w="12700" cap="flat" cmpd="sng" algn="ctr">
+            <a:noFill/>
+            <a:prstDash val="solid"/>
+            <a:miter lim="800000"/>
+          </a:ln>
+          <a:effectLst/>
+          <a:extLst>
+            <a:ext uri="{91240B29-F687-4F45-9708-019B960494DF}">
+              <a14:hiddenLine xmlns:a14="http://schemas.microsoft.com/office/drawing/2010/main" w="12700" cap="flat" cmpd="sng" algn="ctr">
+                <a:solidFill>
+                  <a:schemeClr val="accent1">
+                    <a:shade val="50000"/>
+                  </a:schemeClr>
+                </a:solidFill>
+                <a:prstDash val="solid"/>
+                <a:miter lim="800000"/>
+              </a14:hiddenLine>
+            </a:ext>
+          </a:extLst>
+        </p:spPr>
+        <p:style>
+          <a:lnRef idx="2">
+            <a:schemeClr val="accent1">
+              <a:shade val="50000"/>
+            </a:schemeClr>
+          </a:lnRef>
+          <a:fillRef idx="1">
+            <a:schemeClr val="accent1"/>
+          </a:fillRef>
+          <a:effectRef idx="0">
+            <a:schemeClr val="accent1"/>
+          </a:effectRef>
+          <a:fontRef idx="minor">
+            <a:schemeClr val="lt1"/>
+          </a:fontRef>
+        </p:style>
+        <p:txBody>
+          <a:bodyPr rtlCol="0" anchor="ctr"/>
+          <a:lstStyle/>
+          <a:p>
+            <a:pPr algn="ctr"/>
+            <a:endParaRPr lang="en-US"/>
+          </a:p>
+        </p:txBody>
+      </p:sp>
+      <p:sp>
+        <p:nvSpPr>
+          <p:cNvPr id="9" name="Rectangle 8">
+            <a:extLst>
+              <a:ext uri="{FF2B5EF4-FFF2-40B4-BE49-F238E27FC236}">
+                <a16:creationId xmlns:a16="http://schemas.microsoft.com/office/drawing/2014/main" id="{0BCBF65B-CA9C-C136-20B0-530BA19F5C0F}"/>
+              </a:ext>
+              <a:ext uri="{C183D7F6-B498-43B3-948B-1728B52AA6E4}">
+                <adec:decorative xmlns:adec="http://schemas.microsoft.com/office/drawing/2017/decorative" val="1"/>
+              </a:ext>
+            </a:extLst>
+          </p:cNvPr>
+          <p:cNvSpPr>
+            <a:spLocks noGrp="1" noRot="1" noChangeAspect="1" noMove="1" noResize="1" noEditPoints="1" noAdjustHandles="1" noChangeArrowheads="1" noChangeShapeType="1" noTextEdit="1"/>
+          </p:cNvSpPr>
+          <p:nvPr>
+            <p:extLst>
+              <p:ext uri="{386F3935-93C4-4BCD-93E2-E3B085C9AB24}">
+                <p16:designElem xmlns:p16="http://schemas.microsoft.com/office/powerpoint/2015/main" val="1"/>
+              </p:ext>
+            </p:extLst>
+          </p:nvPr>
+        </p:nvSpPr>
+        <p:spPr>
+          <a:xfrm>
+            <a:off x="0" y="-427"/>
+            <a:ext cx="12192001" cy="6858000"/>
+          </a:xfrm>
+          <a:prstGeom prst="rect">
+            <a:avLst/>
+          </a:prstGeom>
+          <a:gradFill>
+            <a:gsLst>
+              <a:gs pos="0">
+                <a:srgbClr val="000000"/>
+              </a:gs>
+              <a:gs pos="100000">
+                <a:schemeClr val="accent1">
+                  <a:lumMod val="75000"/>
+                </a:schemeClr>
+              </a:gs>
+            </a:gsLst>
+            <a:lin ang="15000000" scaled="0"/>
+          </a:gradFill>
+          <a:ln>
+            <a:noFill/>
+          </a:ln>
+        </p:spPr>
+        <p:style>
+          <a:lnRef idx="2">
+            <a:schemeClr val="accent1">
+              <a:shade val="50000"/>
+            </a:schemeClr>
+          </a:lnRef>
+          <a:fillRef idx="1">
+            <a:schemeClr val="accent1"/>
+          </a:fillRef>
+          <a:effectRef idx="0">
+            <a:schemeClr val="accent1"/>
+          </a:effectRef>
+          <a:fontRef idx="minor">
+            <a:schemeClr val="lt1"/>
+          </a:fontRef>
+        </p:style>
+        <p:txBody>
+          <a:bodyPr rtlCol="0" anchor="ctr"/>
+          <a:lstStyle/>
+          <a:p>
+            <a:pPr algn="ctr"/>
+            <a:endParaRPr lang="en-US"/>
+          </a:p>
+        </p:txBody>
+      </p:sp>
+      <p:sp>
+        <p:nvSpPr>
+          <p:cNvPr id="11" name="Rectangle 10">
+            <a:extLst>
+              <a:ext uri="{FF2B5EF4-FFF2-40B4-BE49-F238E27FC236}">
+                <a16:creationId xmlns:a16="http://schemas.microsoft.com/office/drawing/2014/main" id="{19EE8D86-167E-9F76-6A82-60943524E4E8}"/>
+              </a:ext>
+              <a:ext uri="{C183D7F6-B498-43B3-948B-1728B52AA6E4}">
+                <adec:decorative xmlns:adec="http://schemas.microsoft.com/office/drawing/2017/decorative" val="1"/>
+              </a:ext>
+            </a:extLst>
+          </p:cNvPr>
+          <p:cNvSpPr>
+            <a:spLocks noGrp="1" noRot="1" noChangeAspect="1" noMove="1" noResize="1" noEditPoints="1" noAdjustHandles="1" noChangeArrowheads="1" noChangeShapeType="1" noTextEdit="1"/>
+          </p:cNvSpPr>
+          <p:nvPr>
+            <p:extLst>
+              <p:ext uri="{386F3935-93C4-4BCD-93E2-E3B085C9AB24}">
+                <p16:designElem xmlns:p16="http://schemas.microsoft.com/office/powerpoint/2015/main" val="1"/>
+              </p:ext>
+            </p:extLst>
+          </p:nvPr>
+        </p:nvSpPr>
+        <p:spPr>
+          <a:xfrm rot="10800000" flipH="1">
+            <a:off x="455521" y="-1720"/>
+            <a:ext cx="11750040" cy="6840685"/>
+          </a:xfrm>
+          <a:prstGeom prst="rect">
+            <a:avLst/>
+          </a:prstGeom>
+          <a:gradFill>
+            <a:gsLst>
+              <a:gs pos="21000">
+                <a:schemeClr val="accent1">
+                  <a:lumMod val="50000"/>
+                  <a:alpha val="61000"/>
+                </a:schemeClr>
+              </a:gs>
+              <a:gs pos="100000">
+                <a:schemeClr val="accent1">
+                  <a:alpha val="0"/>
+                </a:schemeClr>
+              </a:gs>
+            </a:gsLst>
+            <a:lin ang="21594000" scaled="0"/>
+          </a:gradFill>
+          <a:ln>
+            <a:noFill/>
+          </a:ln>
+        </p:spPr>
+        <p:style>
+          <a:lnRef idx="2">
+            <a:schemeClr val="accent1">
+              <a:shade val="50000"/>
+            </a:schemeClr>
+          </a:lnRef>
+          <a:fillRef idx="1">
+            <a:schemeClr val="accent1"/>
+          </a:fillRef>
+          <a:effectRef idx="0">
+            <a:schemeClr val="accent1"/>
+          </a:effectRef>
+          <a:fontRef idx="minor">
+            <a:schemeClr val="lt1"/>
+          </a:fontRef>
+        </p:style>
+        <p:txBody>
+          <a:bodyPr rtlCol="0" anchor="ctr"/>
+          <a:lstStyle/>
+          <a:p>
+            <a:pPr algn="ctr"/>
+            <a:endParaRPr lang="en-US"/>
+          </a:p>
+        </p:txBody>
+      </p:sp>
+      <p:sp>
+        <p:nvSpPr>
+          <p:cNvPr id="13" name="Rectangle 12">
+            <a:extLst>
+              <a:ext uri="{FF2B5EF4-FFF2-40B4-BE49-F238E27FC236}">
+                <a16:creationId xmlns:a16="http://schemas.microsoft.com/office/drawing/2014/main" id="{DBD35A7F-B25E-C3BD-2E78-1F73D198149F}"/>
+              </a:ext>
+              <a:ext uri="{C183D7F6-B498-43B3-948B-1728B52AA6E4}">
+                <adec:decorative xmlns:adec="http://schemas.microsoft.com/office/drawing/2017/decorative" val="1"/>
+              </a:ext>
+            </a:extLst>
+          </p:cNvPr>
+          <p:cNvSpPr>
+            <a:spLocks noGrp="1" noRot="1" noChangeAspect="1" noMove="1" noResize="1" noEditPoints="1" noAdjustHandles="1" noChangeArrowheads="1" noChangeShapeType="1" noTextEdit="1"/>
+          </p:cNvSpPr>
+          <p:nvPr>
+            <p:extLst>
+              <p:ext uri="{386F3935-93C4-4BCD-93E2-E3B085C9AB24}">
+                <p16:designElem xmlns:p16="http://schemas.microsoft.com/office/powerpoint/2015/main" val="1"/>
+              </p:ext>
+            </p:extLst>
+          </p:nvPr>
+        </p:nvSpPr>
+        <p:spPr>
+          <a:xfrm>
+            <a:off x="8606054" y="-1291"/>
+            <a:ext cx="3608179" cy="6858864"/>
+          </a:xfrm>
+          <a:prstGeom prst="rect">
+            <a:avLst/>
+          </a:prstGeom>
+          <a:gradFill>
+            <a:gsLst>
+              <a:gs pos="0">
+                <a:schemeClr val="accent1">
+                  <a:lumMod val="75000"/>
+                  <a:alpha val="0"/>
+                </a:schemeClr>
+              </a:gs>
+              <a:gs pos="99000">
+                <a:srgbClr val="000000">
+                  <a:alpha val="41000"/>
+                </a:srgbClr>
+              </a:gs>
+            </a:gsLst>
+            <a:lin ang="16200000" scaled="0"/>
+          </a:gradFill>
+          <a:ln>
+            <a:noFill/>
+          </a:ln>
+        </p:spPr>
+        <p:style>
+          <a:lnRef idx="2">
+            <a:schemeClr val="accent1">
+              <a:shade val="50000"/>
+            </a:schemeClr>
+          </a:lnRef>
+          <a:fillRef idx="1">
+            <a:schemeClr val="accent1"/>
+          </a:fillRef>
+          <a:effectRef idx="0">
+            <a:schemeClr val="accent1"/>
+          </a:effectRef>
+          <a:fontRef idx="minor">
+            <a:schemeClr val="lt1"/>
+          </a:fontRef>
+        </p:style>
+        <p:txBody>
+          <a:bodyPr rtlCol="0" anchor="ctr"/>
+          <a:lstStyle/>
+          <a:p>
+            <a:pPr algn="ctr"/>
+            <a:endParaRPr lang="en-US"/>
+          </a:p>
+        </p:txBody>
+      </p:sp>
+      <p:sp>
+        <p:nvSpPr>
+          <p:cNvPr id="15" name="Oval 14">
+            <a:extLst>
+              <a:ext uri="{FF2B5EF4-FFF2-40B4-BE49-F238E27FC236}">
+                <a16:creationId xmlns:a16="http://schemas.microsoft.com/office/drawing/2014/main" id="{D48DA874-052C-26A4-C2CD-B151D662DD71}"/>
+              </a:ext>
+              <a:ext uri="{C183D7F6-B498-43B3-948B-1728B52AA6E4}">
+                <adec:decorative xmlns:adec="http://schemas.microsoft.com/office/drawing/2017/decorative" val="1"/>
+              </a:ext>
+            </a:extLst>
+          </p:cNvPr>
+          <p:cNvSpPr>
+            <a:spLocks noGrp="1" noRot="1" noChangeAspect="1" noMove="1" noResize="1" noEditPoints="1" noAdjustHandles="1" noChangeArrowheads="1" noChangeShapeType="1" noTextEdit="1"/>
+          </p:cNvSpPr>
+          <p:nvPr>
+            <p:extLst>
+              <p:ext uri="{386F3935-93C4-4BCD-93E2-E3B085C9AB24}">
+                <p16:designElem xmlns:p16="http://schemas.microsoft.com/office/powerpoint/2015/main" val="1"/>
+              </p:ext>
+            </p:extLst>
+          </p:nvPr>
+        </p:nvSpPr>
+        <p:spPr>
+          <a:xfrm rot="15274173">
+            <a:off x="6059728" y="779270"/>
+            <a:ext cx="4967533" cy="4988390"/>
+          </a:xfrm>
+          <a:prstGeom prst="ellipse">
+            <a:avLst/>
+          </a:prstGeom>
+          <a:gradFill>
+            <a:gsLst>
+              <a:gs pos="0">
+                <a:schemeClr val="accent1">
+                  <a:alpha val="24000"/>
+                </a:schemeClr>
+              </a:gs>
+              <a:gs pos="79000">
+                <a:schemeClr val="accent1">
+                  <a:lumMod val="60000"/>
+                  <a:lumOff val="40000"/>
+                  <a:alpha val="0"/>
+                </a:schemeClr>
+              </a:gs>
+            </a:gsLst>
+            <a:lin ang="14400000" scaled="0"/>
+          </a:gradFill>
+          <a:ln>
+            <a:noFill/>
+          </a:ln>
+        </p:spPr>
+        <p:style>
+          <a:lnRef idx="2">
+            <a:schemeClr val="accent1">
+              <a:shade val="50000"/>
+            </a:schemeClr>
+          </a:lnRef>
+          <a:fillRef idx="1">
+            <a:schemeClr val="accent1"/>
+          </a:fillRef>
+          <a:effectRef idx="0">
+            <a:schemeClr val="accent1"/>
+          </a:effectRef>
+          <a:fontRef idx="minor">
+            <a:schemeClr val="lt1"/>
+          </a:fontRef>
+        </p:style>
+        <p:txBody>
+          <a:bodyPr rtlCol="0" anchor="ctr"/>
+          <a:lstStyle/>
+          <a:p>
+            <a:pPr algn="ctr"/>
+            <a:endParaRPr lang="en-US" dirty="0"/>
+          </a:p>
+        </p:txBody>
+      </p:sp>
+      <p:sp>
+        <p:nvSpPr>
+          <p:cNvPr id="2" name="Title 1">
+            <a:extLst>
+              <a:ext uri="{FF2B5EF4-FFF2-40B4-BE49-F238E27FC236}">
+                <a16:creationId xmlns:a16="http://schemas.microsoft.com/office/drawing/2014/main" id="{BEF353AE-84ED-2837-A668-6B72478C8A83}"/>
+              </a:ext>
+            </a:extLst>
+          </p:cNvPr>
+          <p:cNvSpPr>
+            <a:spLocks noGrp="1"/>
+          </p:cNvSpPr>
+          <p:nvPr>
+            <p:ph type="title"/>
+          </p:nvPr>
+        </p:nvSpPr>
+        <p:spPr>
+          <a:xfrm>
+            <a:off x="1386865" y="818984"/>
+            <a:ext cx="6596245" cy="3268520"/>
+          </a:xfrm>
+        </p:spPr>
+        <p:txBody>
+          <a:bodyPr vert="horz" lIns="91440" tIns="45720" rIns="91440" bIns="45720" rtlCol="0" anchor="b">
+            <a:normAutofit/>
+          </a:bodyPr>
+          <a:lstStyle/>
+          <a:p>
+            <a:pPr algn="r"/>
+            <a:r>
+              <a:rPr lang="en-US" sz="4800" kern="1200">
+                <a:solidFill>
+                  <a:srgbClr val="FFFFFF"/>
+                </a:solidFill>
+                <a:latin typeface="+mj-lt"/>
+                <a:ea typeface="+mj-ea"/>
+                <a:cs typeface="+mj-cs"/>
+              </a:rPr>
+              <a:t>Linter rules/checks</a:t>
+            </a:r>
+            <a:br>
+              <a:rPr lang="en-US" sz="4800" kern="1200">
+                <a:solidFill>
+                  <a:srgbClr val="FFFFFF"/>
+                </a:solidFill>
+                <a:latin typeface="+mj-lt"/>
+                <a:ea typeface="+mj-ea"/>
+                <a:cs typeface="+mj-cs"/>
+              </a:rPr>
+            </a:br>
+            <a:endParaRPr lang="en-US" sz="4800" kern="1200">
+              <a:solidFill>
+                <a:srgbClr val="FFFFFF"/>
+              </a:solidFill>
+              <a:latin typeface="+mj-lt"/>
+              <a:ea typeface="+mj-ea"/>
+              <a:cs typeface="+mj-cs"/>
+            </a:endParaRPr>
+          </a:p>
+        </p:txBody>
+      </p:sp>
+      <p:sp>
+        <p:nvSpPr>
+          <p:cNvPr id="17" name="Rectangle 16">
+            <a:extLst>
+              <a:ext uri="{FF2B5EF4-FFF2-40B4-BE49-F238E27FC236}">
+                <a16:creationId xmlns:a16="http://schemas.microsoft.com/office/drawing/2014/main" id="{0961005A-5ED5-3294-783D-EBBF3F56C5EC}"/>
+              </a:ext>
+              <a:ext uri="{C183D7F6-B498-43B3-948B-1728B52AA6E4}">
+                <adec:decorative xmlns:adec="http://schemas.microsoft.com/office/drawing/2017/decorative" val="1"/>
+              </a:ext>
+            </a:extLst>
+          </p:cNvPr>
+          <p:cNvSpPr>
+            <a:spLocks noGrp="1" noRot="1" noChangeAspect="1" noMove="1" noResize="1" noEditPoints="1" noAdjustHandles="1" noChangeArrowheads="1" noChangeShapeType="1" noTextEdit="1"/>
+          </p:cNvSpPr>
+          <p:nvPr>
+            <p:extLst>
+              <p:ext uri="{386F3935-93C4-4BCD-93E2-E3B085C9AB24}">
+                <p16:designElem xmlns:p16="http://schemas.microsoft.com/office/powerpoint/2015/main" val="1"/>
+              </p:ext>
+            </p:extLst>
+          </p:nvPr>
+        </p:nvSpPr>
+        <p:spPr>
+          <a:xfrm rot="10800000" flipH="1">
+            <a:off x="6314" y="4480038"/>
+            <a:ext cx="12179371" cy="2377962"/>
+          </a:xfrm>
+          <a:prstGeom prst="rect">
+            <a:avLst/>
+          </a:prstGeom>
+          <a:gradFill>
+            <a:gsLst>
+              <a:gs pos="0">
+                <a:schemeClr val="accent1">
+                  <a:lumMod val="75000"/>
+                  <a:alpha val="50000"/>
+                </a:schemeClr>
+              </a:gs>
+              <a:gs pos="99000">
+                <a:srgbClr val="000000">
+                  <a:alpha val="34000"/>
+                </a:srgbClr>
+              </a:gs>
+            </a:gsLst>
+            <a:lin ang="17400000" scaled="0"/>
+          </a:gradFill>
+          <a:ln>
+            <a:noFill/>
+          </a:ln>
+        </p:spPr>
+        <p:style>
+          <a:lnRef idx="2">
+            <a:schemeClr val="accent1">
+              <a:shade val="50000"/>
+            </a:schemeClr>
+          </a:lnRef>
+          <a:fillRef idx="1">
+            <a:schemeClr val="accent1"/>
+          </a:fillRef>
+          <a:effectRef idx="0">
+            <a:schemeClr val="accent1"/>
+          </a:effectRef>
+          <a:fontRef idx="minor">
+            <a:schemeClr val="lt1"/>
+          </a:fontRef>
+        </p:style>
+        <p:txBody>
+          <a:bodyPr rtlCol="0" anchor="ctr"/>
+          <a:lstStyle/>
+          <a:p>
+            <a:pPr algn="ctr"/>
+            <a:endParaRPr lang="en-US"/>
+          </a:p>
+        </p:txBody>
+      </p:sp>
+      <p:sp>
+        <p:nvSpPr>
+          <p:cNvPr id="19" name="Rectangle 18">
+            <a:extLst>
+              <a:ext uri="{FF2B5EF4-FFF2-40B4-BE49-F238E27FC236}">
+                <a16:creationId xmlns:a16="http://schemas.microsoft.com/office/drawing/2014/main" id="{DDEE3DB3-0CEA-9E80-C512-C19D8DB8EDC9}"/>
+              </a:ext>
+              <a:ext uri="{C183D7F6-B498-43B3-948B-1728B52AA6E4}">
+                <adec:decorative xmlns:adec="http://schemas.microsoft.com/office/drawing/2017/decorative" val="1"/>
+              </a:ext>
+            </a:extLst>
+          </p:cNvPr>
+          <p:cNvSpPr>
+            <a:spLocks noGrp="1" noRot="1" noChangeAspect="1" noMove="1" noResize="1" noEditPoints="1" noAdjustHandles="1" noChangeArrowheads="1" noChangeShapeType="1" noTextEdit="1"/>
+          </p:cNvSpPr>
+          <p:nvPr>
+            <p:extLst>
+              <p:ext uri="{386F3935-93C4-4BCD-93E2-E3B085C9AB24}">
+                <p16:designElem xmlns:p16="http://schemas.microsoft.com/office/powerpoint/2015/main" val="1"/>
+              </p:ext>
+            </p:extLst>
+          </p:nvPr>
+        </p:nvSpPr>
+        <p:spPr>
+          <a:xfrm rot="16200000" flipH="1">
+            <a:off x="6967085" y="1632660"/>
+            <a:ext cx="6857572" cy="3592258"/>
+          </a:xfrm>
+          <a:prstGeom prst="rect">
+            <a:avLst/>
+          </a:prstGeom>
+          <a:gradFill>
+            <a:gsLst>
+              <a:gs pos="0">
+                <a:schemeClr val="accent1">
+                  <a:lumMod val="75000"/>
+                  <a:alpha val="50000"/>
+                </a:schemeClr>
+              </a:gs>
+              <a:gs pos="99000">
+                <a:srgbClr val="000000">
+                  <a:alpha val="0"/>
+                </a:srgbClr>
+              </a:gs>
+            </a:gsLst>
+            <a:lin ang="15600000" scaled="0"/>
+          </a:gradFill>
+          <a:ln>
+            <a:noFill/>
+          </a:ln>
+        </p:spPr>
+        <p:style>
+          <a:lnRef idx="2">
+            <a:schemeClr val="accent1">
+              <a:shade val="50000"/>
+            </a:schemeClr>
+          </a:lnRef>
+          <a:fillRef idx="1">
+            <a:schemeClr val="accent1"/>
+          </a:fillRef>
+          <a:effectRef idx="0">
+            <a:schemeClr val="accent1"/>
+          </a:effectRef>
+          <a:fontRef idx="minor">
+            <a:schemeClr val="lt1"/>
+          </a:fontRef>
+        </p:style>
+        <p:txBody>
+          <a:bodyPr rtlCol="0" anchor="ctr"/>
+          <a:lstStyle/>
+          <a:p>
+            <a:pPr algn="ctr"/>
+            <a:endParaRPr lang="en-US"/>
+          </a:p>
+        </p:txBody>
+      </p:sp>
+    </p:spTree>
+    <p:extLst>
+      <p:ext uri="{BB962C8B-B14F-4D97-AF65-F5344CB8AC3E}">
+        <p14:creationId xmlns:p14="http://schemas.microsoft.com/office/powerpoint/2010/main" val="1931127616"/>
       </p:ext>
     </p:extLst>
   </p:cSld>

--- a/presentation.pptx
+++ b/presentation.pptx
@@ -6837,7 +6837,7 @@
         <p:spPr>
           <a:xfrm>
             <a:off x="2904883" y="1510738"/>
-            <a:ext cx="8502574" cy="4585871"/>
+            <a:ext cx="8502574" cy="4139595"/>
           </a:xfrm>
           <a:prstGeom prst="rect">
             <a:avLst/>
@@ -6881,7 +6881,7 @@
             </a:pPr>
             <a:r>
               <a:rPr lang="en-US" sz="2100" b="1" dirty="0"/>
-              <a:t>Senior Test Automation Developer @ </a:t>
+              <a:t>Senior DevOps @ </a:t>
             </a:r>
             <a:r>
               <a:rPr lang="pl-PL" sz="2100" b="1" dirty="0"/>
@@ -6890,18 +6890,6 @@
             <a:br>
               <a:rPr lang="en-US" dirty="0"/>
             </a:br>
-            <a:r>
-              <a:rPr lang="en-US" sz="1400" i="1" dirty="0"/>
-              <a:t>(Development, DevOps work)</a:t>
-            </a:r>
-            <a:endParaRPr lang="pl-PL" i="1" dirty="0"/>
-          </a:p>
-          <a:p>
-            <a:pPr>
-              <a:lnSpc>
-                <a:spcPct val="200000"/>
-              </a:lnSpc>
-            </a:pPr>
             <a:r>
               <a:rPr lang="pl-PL" sz="1600" b="1" dirty="0" err="1"/>
               <a:t>Expertise</a:t>
@@ -6918,14 +6906,25 @@
               <a:buChar char="•"/>
             </a:pPr>
             <a:r>
+              <a:rPr lang="en-US" sz="1600" dirty="0"/>
+              <a:t>Internal Tools | </a:t>
+            </a:r>
+            <a:r>
               <a:rPr lang="pl-PL" sz="1600" dirty="0"/>
-              <a:t>Test Platform | </a:t>
+              <a:t>Test Platform</a:t>
             </a:r>
             <a:r>
               <a:rPr lang="en-US" sz="1600" dirty="0"/>
-              <a:t>Infrastructure | Internal Tools</a:t>
-            </a:r>
-            <a:endParaRPr lang="pl-PL" sz="1600" dirty="0"/>
+              <a:t> </a:t>
+            </a:r>
+            <a:r>
+              <a:rPr lang="pl-PL" sz="1600" dirty="0"/>
+              <a:t>| </a:t>
+            </a:r>
+            <a:r>
+              <a:rPr lang="en-US" sz="1600" dirty="0"/>
+              <a:t>Infrastructure </a:t>
+            </a:r>
           </a:p>
           <a:p>
             <a:pPr marL="342900" indent="-342900">
@@ -6934,15 +6933,15 @@
             </a:pPr>
             <a:r>
               <a:rPr lang="en-US" sz="1600" dirty="0"/>
-              <a:t>DevOps | CI/CD | </a:t>
+              <a:t>CI/CD pipelines | </a:t>
             </a:r>
             <a:r>
               <a:rPr lang="pl-PL" sz="1600" dirty="0"/>
               <a:t>Jenkins </a:t>
             </a:r>
             <a:r>
-              <a:rPr lang="pl-PL" sz="1600" dirty="0" err="1"/>
-              <a:t>SysAdmin</a:t>
+              <a:rPr lang="en-US" sz="1600" dirty="0"/>
+              <a:t>Admin</a:t>
             </a:r>
             <a:endParaRPr lang="pl-PL" sz="1600" dirty="0"/>
           </a:p>
@@ -9539,7 +9538,7 @@
             </a:pPr>
             <a:r>
               <a:rPr lang="en-US" sz="2000" dirty="0"/>
-              <a:t>Abstract – ignores all syntax details</a:t>
+              <a:t>Abstract – ignores all unnecessary details</a:t>
             </a:r>
           </a:p>
           <a:p>

--- a/presentation.pptx
+++ b/presentation.pptx
@@ -4,6 +4,9 @@
   <p:sldMasterIdLst>
     <p:sldMasterId id="2147483648" r:id="rId1"/>
   </p:sldMasterIdLst>
+  <p:notesMasterIdLst>
+    <p:notesMasterId r:id="rId14"/>
+  </p:notesMasterIdLst>
   <p:sldIdLst>
     <p:sldId id="256" r:id="rId2"/>
     <p:sldId id="276" r:id="rId3"/>
@@ -123,6 +126,356 @@
 </p:presentation>
 </file>
 
+<file path=ppt/notesMasters/notesMaster1.xml><?xml version="1.0" encoding="utf-8"?>
+<p:notesMaster xmlns:a="http://schemas.openxmlformats.org/drawingml/2006/main" xmlns:r="http://schemas.openxmlformats.org/officeDocument/2006/relationships" xmlns:p="http://schemas.openxmlformats.org/presentationml/2006/main">
+  <p:cSld>
+    <p:bg>
+      <p:bgRef idx="1001">
+        <a:schemeClr val="bg1"/>
+      </p:bgRef>
+    </p:bg>
+    <p:spTree>
+      <p:nvGrpSpPr>
+        <p:cNvPr id="1" name=""/>
+        <p:cNvGrpSpPr/>
+        <p:nvPr/>
+      </p:nvGrpSpPr>
+      <p:grpSpPr>
+        <a:xfrm>
+          <a:off x="0" y="0"/>
+          <a:ext cx="0" cy="0"/>
+          <a:chOff x="0" y="0"/>
+          <a:chExt cx="0" cy="0"/>
+        </a:xfrm>
+      </p:grpSpPr>
+      <p:sp>
+        <p:nvSpPr>
+          <p:cNvPr id="2" name="Header Placeholder 1"/>
+          <p:cNvSpPr>
+            <a:spLocks noGrp="1"/>
+          </p:cNvSpPr>
+          <p:nvPr>
+            <p:ph type="hdr" sz="quarter"/>
+          </p:nvPr>
+        </p:nvSpPr>
+        <p:spPr>
+          <a:xfrm>
+            <a:off x="0" y="0"/>
+            <a:ext cx="2971800" cy="458788"/>
+          </a:xfrm>
+          <a:prstGeom prst="rect">
+            <a:avLst/>
+          </a:prstGeom>
+        </p:spPr>
+        <p:txBody>
+          <a:bodyPr vert="horz" lIns="91440" tIns="45720" rIns="91440" bIns="45720" rtlCol="0"/>
+          <a:lstStyle>
+            <a:lvl1pPr algn="l">
+              <a:defRPr sz="1200"/>
+            </a:lvl1pPr>
+          </a:lstStyle>
+          <a:p>
+            <a:endParaRPr lang="pl-PL"/>
+          </a:p>
+        </p:txBody>
+      </p:sp>
+      <p:sp>
+        <p:nvSpPr>
+          <p:cNvPr id="3" name="Date Placeholder 2"/>
+          <p:cNvSpPr>
+            <a:spLocks noGrp="1"/>
+          </p:cNvSpPr>
+          <p:nvPr>
+            <p:ph type="dt" idx="1"/>
+          </p:nvPr>
+        </p:nvSpPr>
+        <p:spPr>
+          <a:xfrm>
+            <a:off x="3884613" y="0"/>
+            <a:ext cx="2971800" cy="458788"/>
+          </a:xfrm>
+          <a:prstGeom prst="rect">
+            <a:avLst/>
+          </a:prstGeom>
+        </p:spPr>
+        <p:txBody>
+          <a:bodyPr vert="horz" lIns="91440" tIns="45720" rIns="91440" bIns="45720" rtlCol="0"/>
+          <a:lstStyle>
+            <a:lvl1pPr algn="r">
+              <a:defRPr sz="1200"/>
+            </a:lvl1pPr>
+          </a:lstStyle>
+          <a:p>
+            <a:fld id="{68EEACF1-094C-4133-9C22-EDE08EB98E01}" type="datetimeFigureOut">
+              <a:rPr lang="pl-PL" smtClean="0"/>
+              <a:t>28.08.2025</a:t>
+            </a:fld>
+            <a:endParaRPr lang="pl-PL"/>
+          </a:p>
+        </p:txBody>
+      </p:sp>
+      <p:sp>
+        <p:nvSpPr>
+          <p:cNvPr id="4" name="Slide Image Placeholder 3"/>
+          <p:cNvSpPr>
+            <a:spLocks noGrp="1" noRot="1" noChangeAspect="1"/>
+          </p:cNvSpPr>
+          <p:nvPr>
+            <p:ph type="sldImg" idx="2"/>
+          </p:nvPr>
+        </p:nvSpPr>
+        <p:spPr>
+          <a:xfrm>
+            <a:off x="685800" y="1143000"/>
+            <a:ext cx="5486400" cy="3086100"/>
+          </a:xfrm>
+          <a:prstGeom prst="rect">
+            <a:avLst/>
+          </a:prstGeom>
+          <a:noFill/>
+          <a:ln w="12700">
+            <a:solidFill>
+              <a:prstClr val="black"/>
+            </a:solidFill>
+          </a:ln>
+        </p:spPr>
+        <p:txBody>
+          <a:bodyPr vert="horz" lIns="91440" tIns="45720" rIns="91440" bIns="45720" rtlCol="0" anchor="ctr"/>
+          <a:lstStyle/>
+          <a:p>
+            <a:endParaRPr lang="pl-PL"/>
+          </a:p>
+        </p:txBody>
+      </p:sp>
+      <p:sp>
+        <p:nvSpPr>
+          <p:cNvPr id="5" name="Notes Placeholder 4"/>
+          <p:cNvSpPr>
+            <a:spLocks noGrp="1"/>
+          </p:cNvSpPr>
+          <p:nvPr>
+            <p:ph type="body" sz="quarter" idx="3"/>
+          </p:nvPr>
+        </p:nvSpPr>
+        <p:spPr>
+          <a:xfrm>
+            <a:off x="685800" y="4400550"/>
+            <a:ext cx="5486400" cy="3600450"/>
+          </a:xfrm>
+          <a:prstGeom prst="rect">
+            <a:avLst/>
+          </a:prstGeom>
+        </p:spPr>
+        <p:txBody>
+          <a:bodyPr vert="horz" lIns="91440" tIns="45720" rIns="91440" bIns="45720" rtlCol="0"/>
+          <a:lstStyle/>
+          <a:p>
+            <a:pPr lvl="0"/>
+            <a:r>
+              <a:rPr lang="en-US"/>
+              <a:t>Click to edit Master text styles</a:t>
+            </a:r>
+          </a:p>
+          <a:p>
+            <a:pPr lvl="1"/>
+            <a:r>
+              <a:rPr lang="en-US"/>
+              <a:t>Second level</a:t>
+            </a:r>
+          </a:p>
+          <a:p>
+            <a:pPr lvl="2"/>
+            <a:r>
+              <a:rPr lang="en-US"/>
+              <a:t>Third level</a:t>
+            </a:r>
+          </a:p>
+          <a:p>
+            <a:pPr lvl="3"/>
+            <a:r>
+              <a:rPr lang="en-US"/>
+              <a:t>Fourth level</a:t>
+            </a:r>
+          </a:p>
+          <a:p>
+            <a:pPr lvl="4"/>
+            <a:r>
+              <a:rPr lang="en-US"/>
+              <a:t>Fifth level</a:t>
+            </a:r>
+            <a:endParaRPr lang="pl-PL"/>
+          </a:p>
+        </p:txBody>
+      </p:sp>
+      <p:sp>
+        <p:nvSpPr>
+          <p:cNvPr id="6" name="Footer Placeholder 5"/>
+          <p:cNvSpPr>
+            <a:spLocks noGrp="1"/>
+          </p:cNvSpPr>
+          <p:nvPr>
+            <p:ph type="ftr" sz="quarter" idx="4"/>
+          </p:nvPr>
+        </p:nvSpPr>
+        <p:spPr>
+          <a:xfrm>
+            <a:off x="0" y="8685213"/>
+            <a:ext cx="2971800" cy="458787"/>
+          </a:xfrm>
+          <a:prstGeom prst="rect">
+            <a:avLst/>
+          </a:prstGeom>
+        </p:spPr>
+        <p:txBody>
+          <a:bodyPr vert="horz" lIns="91440" tIns="45720" rIns="91440" bIns="45720" rtlCol="0" anchor="b"/>
+          <a:lstStyle>
+            <a:lvl1pPr algn="l">
+              <a:defRPr sz="1200"/>
+            </a:lvl1pPr>
+          </a:lstStyle>
+          <a:p>
+            <a:endParaRPr lang="pl-PL"/>
+          </a:p>
+        </p:txBody>
+      </p:sp>
+      <p:sp>
+        <p:nvSpPr>
+          <p:cNvPr id="7" name="Slide Number Placeholder 6"/>
+          <p:cNvSpPr>
+            <a:spLocks noGrp="1"/>
+          </p:cNvSpPr>
+          <p:nvPr>
+            <p:ph type="sldNum" sz="quarter" idx="5"/>
+          </p:nvPr>
+        </p:nvSpPr>
+        <p:spPr>
+          <a:xfrm>
+            <a:off x="3884613" y="8685213"/>
+            <a:ext cx="2971800" cy="458787"/>
+          </a:xfrm>
+          <a:prstGeom prst="rect">
+            <a:avLst/>
+          </a:prstGeom>
+        </p:spPr>
+        <p:txBody>
+          <a:bodyPr vert="horz" lIns="91440" tIns="45720" rIns="91440" bIns="45720" rtlCol="0" anchor="b"/>
+          <a:lstStyle>
+            <a:lvl1pPr algn="r">
+              <a:defRPr sz="1200"/>
+            </a:lvl1pPr>
+          </a:lstStyle>
+          <a:p>
+            <a:fld id="{4842F3C9-28B5-47FA-BBF1-48A9B4C0ECB0}" type="slidenum">
+              <a:rPr lang="pl-PL" smtClean="0"/>
+              <a:t>‹#›</a:t>
+            </a:fld>
+            <a:endParaRPr lang="pl-PL"/>
+          </a:p>
+        </p:txBody>
+      </p:sp>
+    </p:spTree>
+    <p:extLst>
+      <p:ext uri="{BB962C8B-B14F-4D97-AF65-F5344CB8AC3E}">
+        <p14:creationId xmlns:p14="http://schemas.microsoft.com/office/powerpoint/2010/main" val="3513389474"/>
+      </p:ext>
+    </p:extLst>
+  </p:cSld>
+  <p:clrMap bg1="lt1" tx1="dk1" bg2="lt2" tx2="dk2" accent1="accent1" accent2="accent2" accent3="accent3" accent4="accent4" accent5="accent5" accent6="accent6" hlink="hlink" folHlink="folHlink"/>
+  <p:notesStyle>
+    <a:lvl1pPr marL="0" algn="l" defTabSz="914400" rtl="0" eaLnBrk="1" latinLnBrk="0" hangingPunct="1">
+      <a:defRPr sz="1200" kern="1200">
+        <a:solidFill>
+          <a:schemeClr val="tx1"/>
+        </a:solidFill>
+        <a:latin typeface="+mn-lt"/>
+        <a:ea typeface="+mn-ea"/>
+        <a:cs typeface="+mn-cs"/>
+      </a:defRPr>
+    </a:lvl1pPr>
+    <a:lvl2pPr marL="457200" algn="l" defTabSz="914400" rtl="0" eaLnBrk="1" latinLnBrk="0" hangingPunct="1">
+      <a:defRPr sz="1200" kern="1200">
+        <a:solidFill>
+          <a:schemeClr val="tx1"/>
+        </a:solidFill>
+        <a:latin typeface="+mn-lt"/>
+        <a:ea typeface="+mn-ea"/>
+        <a:cs typeface="+mn-cs"/>
+      </a:defRPr>
+    </a:lvl2pPr>
+    <a:lvl3pPr marL="914400" algn="l" defTabSz="914400" rtl="0" eaLnBrk="1" latinLnBrk="0" hangingPunct="1">
+      <a:defRPr sz="1200" kern="1200">
+        <a:solidFill>
+          <a:schemeClr val="tx1"/>
+        </a:solidFill>
+        <a:latin typeface="+mn-lt"/>
+        <a:ea typeface="+mn-ea"/>
+        <a:cs typeface="+mn-cs"/>
+      </a:defRPr>
+    </a:lvl3pPr>
+    <a:lvl4pPr marL="1371600" algn="l" defTabSz="914400" rtl="0" eaLnBrk="1" latinLnBrk="0" hangingPunct="1">
+      <a:defRPr sz="1200" kern="1200">
+        <a:solidFill>
+          <a:schemeClr val="tx1"/>
+        </a:solidFill>
+        <a:latin typeface="+mn-lt"/>
+        <a:ea typeface="+mn-ea"/>
+        <a:cs typeface="+mn-cs"/>
+      </a:defRPr>
+    </a:lvl4pPr>
+    <a:lvl5pPr marL="1828800" algn="l" defTabSz="914400" rtl="0" eaLnBrk="1" latinLnBrk="0" hangingPunct="1">
+      <a:defRPr sz="1200" kern="1200">
+        <a:solidFill>
+          <a:schemeClr val="tx1"/>
+        </a:solidFill>
+        <a:latin typeface="+mn-lt"/>
+        <a:ea typeface="+mn-ea"/>
+        <a:cs typeface="+mn-cs"/>
+      </a:defRPr>
+    </a:lvl5pPr>
+    <a:lvl6pPr marL="2286000" algn="l" defTabSz="914400" rtl="0" eaLnBrk="1" latinLnBrk="0" hangingPunct="1">
+      <a:defRPr sz="1200" kern="1200">
+        <a:solidFill>
+          <a:schemeClr val="tx1"/>
+        </a:solidFill>
+        <a:latin typeface="+mn-lt"/>
+        <a:ea typeface="+mn-ea"/>
+        <a:cs typeface="+mn-cs"/>
+      </a:defRPr>
+    </a:lvl6pPr>
+    <a:lvl7pPr marL="2743200" algn="l" defTabSz="914400" rtl="0" eaLnBrk="1" latinLnBrk="0" hangingPunct="1">
+      <a:defRPr sz="1200" kern="1200">
+        <a:solidFill>
+          <a:schemeClr val="tx1"/>
+        </a:solidFill>
+        <a:latin typeface="+mn-lt"/>
+        <a:ea typeface="+mn-ea"/>
+        <a:cs typeface="+mn-cs"/>
+      </a:defRPr>
+    </a:lvl7pPr>
+    <a:lvl8pPr marL="3200400" algn="l" defTabSz="914400" rtl="0" eaLnBrk="1" latinLnBrk="0" hangingPunct="1">
+      <a:defRPr sz="1200" kern="1200">
+        <a:solidFill>
+          <a:schemeClr val="tx1"/>
+        </a:solidFill>
+        <a:latin typeface="+mn-lt"/>
+        <a:ea typeface="+mn-ea"/>
+        <a:cs typeface="+mn-cs"/>
+      </a:defRPr>
+    </a:lvl8pPr>
+    <a:lvl9pPr marL="3657600" algn="l" defTabSz="914400" rtl="0" eaLnBrk="1" latinLnBrk="0" hangingPunct="1">
+      <a:defRPr sz="1200" kern="1200">
+        <a:solidFill>
+          <a:schemeClr val="tx1"/>
+        </a:solidFill>
+        <a:latin typeface="+mn-lt"/>
+        <a:ea typeface="+mn-ea"/>
+        <a:cs typeface="+mn-cs"/>
+      </a:defRPr>
+    </a:lvl9pPr>
+  </p:notesStyle>
+</p:notesMaster>
+</file>
+
 <file path=ppt/slideLayouts/slideLayout1.xml><?xml version="1.0" encoding="utf-8"?>
 <p:sldLayout xmlns:a="http://schemas.openxmlformats.org/drawingml/2006/main" xmlns:r="http://schemas.openxmlformats.org/officeDocument/2006/relationships" xmlns:p="http://schemas.openxmlformats.org/presentationml/2006/main" type="title" preserve="1">
   <p:cSld name="Title Slide">
@@ -270,9 +623,9 @@
           <a:bodyPr/>
           <a:lstStyle/>
           <a:p>
-            <a:fld id="{32B17308-1AE7-48B4-A128-B100335F3A40}" type="datetimeFigureOut">
+            <a:fld id="{948D8F6B-61B3-4ACF-9750-1CEB44893A13}" type="datetime1">
               <a:rPr lang="pl-PL" smtClean="0"/>
-              <a:t>27.08.2025</a:t>
+              <a:t>28.08.2025</a:t>
             </a:fld>
             <a:endParaRPr lang="pl-PL"/>
           </a:p>
@@ -299,7 +652,10 @@
           <a:bodyPr/>
           <a:lstStyle/>
           <a:p>
-            <a:endParaRPr lang="pl-PL"/>
+            <a:r>
+              <a:rPr lang="pl-PL"/>
+              <a:t>https://github.com/novinxy/pyconpl_2025_ast_speech</a:t>
+            </a:r>
           </a:p>
         </p:txBody>
       </p:sp>
@@ -470,9 +826,9 @@
           <a:bodyPr/>
           <a:lstStyle/>
           <a:p>
-            <a:fld id="{32B17308-1AE7-48B4-A128-B100335F3A40}" type="datetimeFigureOut">
+            <a:fld id="{B0DEEA4C-627C-4E60-91FC-E8141D9AD790}" type="datetime1">
               <a:rPr lang="pl-PL" smtClean="0"/>
-              <a:t>27.08.2025</a:t>
+              <a:t>28.08.2025</a:t>
             </a:fld>
             <a:endParaRPr lang="pl-PL"/>
           </a:p>
@@ -499,7 +855,10 @@
           <a:bodyPr/>
           <a:lstStyle/>
           <a:p>
-            <a:endParaRPr lang="pl-PL"/>
+            <a:r>
+              <a:rPr lang="pl-PL"/>
+              <a:t>https://github.com/novinxy/pyconpl_2025_ast_speech</a:t>
+            </a:r>
           </a:p>
         </p:txBody>
       </p:sp>
@@ -680,9 +1039,9 @@
           <a:bodyPr/>
           <a:lstStyle/>
           <a:p>
-            <a:fld id="{32B17308-1AE7-48B4-A128-B100335F3A40}" type="datetimeFigureOut">
+            <a:fld id="{70112C28-958D-42CD-8F46-8859943458BD}" type="datetime1">
               <a:rPr lang="pl-PL" smtClean="0"/>
-              <a:t>27.08.2025</a:t>
+              <a:t>28.08.2025</a:t>
             </a:fld>
             <a:endParaRPr lang="pl-PL"/>
           </a:p>
@@ -709,7 +1068,10 @@
           <a:bodyPr/>
           <a:lstStyle/>
           <a:p>
-            <a:endParaRPr lang="pl-PL"/>
+            <a:r>
+              <a:rPr lang="pl-PL"/>
+              <a:t>https://github.com/novinxy/pyconpl_2025_ast_speech</a:t>
+            </a:r>
           </a:p>
         </p:txBody>
       </p:sp>
@@ -880,9 +1242,9 @@
           <a:bodyPr/>
           <a:lstStyle/>
           <a:p>
-            <a:fld id="{32B17308-1AE7-48B4-A128-B100335F3A40}" type="datetimeFigureOut">
+            <a:fld id="{5CD105AA-C993-48DC-9B2F-64132EE777FD}" type="datetime1">
               <a:rPr lang="pl-PL" smtClean="0"/>
-              <a:t>27.08.2025</a:t>
+              <a:t>28.08.2025</a:t>
             </a:fld>
             <a:endParaRPr lang="pl-PL"/>
           </a:p>
@@ -909,7 +1271,10 @@
           <a:bodyPr/>
           <a:lstStyle/>
           <a:p>
-            <a:endParaRPr lang="pl-PL"/>
+            <a:r>
+              <a:rPr lang="pl-PL"/>
+              <a:t>https://github.com/novinxy/pyconpl_2025_ast_speech</a:t>
+            </a:r>
           </a:p>
         </p:txBody>
       </p:sp>
@@ -1156,9 +1521,9 @@
           <a:bodyPr/>
           <a:lstStyle/>
           <a:p>
-            <a:fld id="{32B17308-1AE7-48B4-A128-B100335F3A40}" type="datetimeFigureOut">
+            <a:fld id="{4F24FCA1-F13D-4856-977C-6DBB985A8A37}" type="datetime1">
               <a:rPr lang="pl-PL" smtClean="0"/>
-              <a:t>27.08.2025</a:t>
+              <a:t>28.08.2025</a:t>
             </a:fld>
             <a:endParaRPr lang="pl-PL"/>
           </a:p>
@@ -1185,7 +1550,10 @@
           <a:bodyPr/>
           <a:lstStyle/>
           <a:p>
-            <a:endParaRPr lang="pl-PL"/>
+            <a:r>
+              <a:rPr lang="pl-PL"/>
+              <a:t>https://github.com/novinxy/pyconpl_2025_ast_speech</a:t>
+            </a:r>
           </a:p>
         </p:txBody>
       </p:sp>
@@ -1424,9 +1792,9 @@
           <a:bodyPr/>
           <a:lstStyle/>
           <a:p>
-            <a:fld id="{32B17308-1AE7-48B4-A128-B100335F3A40}" type="datetimeFigureOut">
+            <a:fld id="{C001882A-A801-4448-A2F8-4805EC27C497}" type="datetime1">
               <a:rPr lang="pl-PL" smtClean="0"/>
-              <a:t>27.08.2025</a:t>
+              <a:t>28.08.2025</a:t>
             </a:fld>
             <a:endParaRPr lang="pl-PL"/>
           </a:p>
@@ -1453,7 +1821,10 @@
           <a:bodyPr/>
           <a:lstStyle/>
           <a:p>
-            <a:endParaRPr lang="pl-PL"/>
+            <a:r>
+              <a:rPr lang="pl-PL"/>
+              <a:t>https://github.com/novinxy/pyconpl_2025_ast_speech</a:t>
+            </a:r>
           </a:p>
         </p:txBody>
       </p:sp>
@@ -1839,9 +2210,9 @@
           <a:bodyPr/>
           <a:lstStyle/>
           <a:p>
-            <a:fld id="{32B17308-1AE7-48B4-A128-B100335F3A40}" type="datetimeFigureOut">
+            <a:fld id="{9BB61C6C-ABCA-43FD-9C45-29C8EE802975}" type="datetime1">
               <a:rPr lang="pl-PL" smtClean="0"/>
-              <a:t>27.08.2025</a:t>
+              <a:t>28.08.2025</a:t>
             </a:fld>
             <a:endParaRPr lang="pl-PL"/>
           </a:p>
@@ -1868,7 +2239,10 @@
           <a:bodyPr/>
           <a:lstStyle/>
           <a:p>
-            <a:endParaRPr lang="pl-PL"/>
+            <a:r>
+              <a:rPr lang="pl-PL"/>
+              <a:t>https://github.com/novinxy/pyconpl_2025_ast_speech</a:t>
+            </a:r>
           </a:p>
         </p:txBody>
       </p:sp>
@@ -1981,9 +2355,9 @@
           <a:bodyPr/>
           <a:lstStyle/>
           <a:p>
-            <a:fld id="{32B17308-1AE7-48B4-A128-B100335F3A40}" type="datetimeFigureOut">
+            <a:fld id="{01B24E70-B3CA-4792-AB32-B65676FC7DA9}" type="datetime1">
               <a:rPr lang="pl-PL" smtClean="0"/>
-              <a:t>27.08.2025</a:t>
+              <a:t>28.08.2025</a:t>
             </a:fld>
             <a:endParaRPr lang="pl-PL"/>
           </a:p>
@@ -2010,7 +2384,10 @@
           <a:bodyPr/>
           <a:lstStyle/>
           <a:p>
-            <a:endParaRPr lang="pl-PL"/>
+            <a:r>
+              <a:rPr lang="pl-PL"/>
+              <a:t>https://github.com/novinxy/pyconpl_2025_ast_speech</a:t>
+            </a:r>
           </a:p>
         </p:txBody>
       </p:sp>
@@ -2094,9 +2471,9 @@
           <a:bodyPr/>
           <a:lstStyle/>
           <a:p>
-            <a:fld id="{32B17308-1AE7-48B4-A128-B100335F3A40}" type="datetimeFigureOut">
+            <a:fld id="{04A04884-CB72-4BEA-A0E4-1CE0D2F4CA75}" type="datetime1">
               <a:rPr lang="pl-PL" smtClean="0"/>
-              <a:t>27.08.2025</a:t>
+              <a:t>28.08.2025</a:t>
             </a:fld>
             <a:endParaRPr lang="pl-PL"/>
           </a:p>
@@ -2123,7 +2500,10 @@
           <a:bodyPr/>
           <a:lstStyle/>
           <a:p>
-            <a:endParaRPr lang="pl-PL"/>
+            <a:r>
+              <a:rPr lang="pl-PL"/>
+              <a:t>https://github.com/novinxy/pyconpl_2025_ast_speech</a:t>
+            </a:r>
           </a:p>
         </p:txBody>
       </p:sp>
@@ -2407,9 +2787,9 @@
           <a:bodyPr/>
           <a:lstStyle/>
           <a:p>
-            <a:fld id="{32B17308-1AE7-48B4-A128-B100335F3A40}" type="datetimeFigureOut">
+            <a:fld id="{66F64C99-8444-4014-BE9F-3E6E1718FA85}" type="datetime1">
               <a:rPr lang="pl-PL" smtClean="0"/>
-              <a:t>27.08.2025</a:t>
+              <a:t>28.08.2025</a:t>
             </a:fld>
             <a:endParaRPr lang="pl-PL"/>
           </a:p>
@@ -2436,7 +2816,10 @@
           <a:bodyPr/>
           <a:lstStyle/>
           <a:p>
-            <a:endParaRPr lang="pl-PL"/>
+            <a:r>
+              <a:rPr lang="pl-PL"/>
+              <a:t>https://github.com/novinxy/pyconpl_2025_ast_speech</a:t>
+            </a:r>
           </a:p>
         </p:txBody>
       </p:sp>
@@ -2696,9 +3079,9 @@
           <a:bodyPr/>
           <a:lstStyle/>
           <a:p>
-            <a:fld id="{32B17308-1AE7-48B4-A128-B100335F3A40}" type="datetimeFigureOut">
+            <a:fld id="{01D8F421-A895-4BDD-BF4E-CDDE939D1FC9}" type="datetime1">
               <a:rPr lang="pl-PL" smtClean="0"/>
-              <a:t>27.08.2025</a:t>
+              <a:t>28.08.2025</a:t>
             </a:fld>
             <a:endParaRPr lang="pl-PL"/>
           </a:p>
@@ -2725,7 +3108,10 @@
           <a:bodyPr/>
           <a:lstStyle/>
           <a:p>
-            <a:endParaRPr lang="pl-PL"/>
+            <a:r>
+              <a:rPr lang="pl-PL"/>
+              <a:t>https://github.com/novinxy/pyconpl_2025_ast_speech</a:t>
+            </a:r>
           </a:p>
         </p:txBody>
       </p:sp>
@@ -2939,9 +3325,9 @@
             </a:lvl1pPr>
           </a:lstStyle>
           <a:p>
-            <a:fld id="{32B17308-1AE7-48B4-A128-B100335F3A40}" type="datetimeFigureOut">
+            <a:fld id="{0460CC7F-FDC5-4F55-BD77-4A0E75C79430}" type="datetime1">
               <a:rPr lang="pl-PL" smtClean="0"/>
-              <a:t>27.08.2025</a:t>
+              <a:t>28.08.2025</a:t>
             </a:fld>
             <a:endParaRPr lang="pl-PL"/>
           </a:p>
@@ -2986,7 +3372,10 @@
             </a:lvl1pPr>
           </a:lstStyle>
           <a:p>
-            <a:endParaRPr lang="pl-PL"/>
+            <a:r>
+              <a:rPr lang="pl-PL"/>
+              <a:t>https://github.com/novinxy/pyconpl_2025_ast_speech</a:t>
+            </a:r>
           </a:p>
         </p:txBody>
       </p:sp>
@@ -3058,6 +3447,7 @@
     <p:sldLayoutId id="2147483658" r:id="rId10"/>
     <p:sldLayoutId id="2147483659" r:id="rId11"/>
   </p:sldLayoutIdLst>
+  <p:hf hdr="0" dt="0"/>
   <p:txStyles>
     <p:titleStyle>
       <a:lvl1pPr algn="l" defTabSz="914400" rtl="0" eaLnBrk="1" latinLnBrk="0" hangingPunct="1">
@@ -3957,13 +4347,13 @@
         </p:nvSpPr>
         <p:spPr>
           <a:xfrm>
-            <a:off x="1350682" y="4870824"/>
-            <a:ext cx="10005951" cy="1458258"/>
+            <a:off x="1414293" y="4858247"/>
+            <a:ext cx="3237221" cy="1009816"/>
           </a:xfrm>
         </p:spPr>
         <p:txBody>
           <a:bodyPr anchor="ctr">
-            <a:normAutofit/>
+            <a:normAutofit lnSpcReduction="10000"/>
           </a:bodyPr>
           <a:lstStyle/>
           <a:p>
@@ -3979,6 +4369,63 @@
               <a:rPr lang="pl-PL" dirty="0"/>
             </a:br>
             <a:endParaRPr lang="pl-PL" dirty="0"/>
+          </a:p>
+        </p:txBody>
+      </p:sp>
+      <p:sp>
+        <p:nvSpPr>
+          <p:cNvPr id="9" name="Footer Placeholder 8">
+            <a:extLst>
+              <a:ext uri="{FF2B5EF4-FFF2-40B4-BE49-F238E27FC236}">
+                <a16:creationId xmlns:a16="http://schemas.microsoft.com/office/drawing/2014/main" id="{5650E2CD-F745-1A5B-1B25-B871943AC6FB}"/>
+              </a:ext>
+            </a:extLst>
+          </p:cNvPr>
+          <p:cNvSpPr>
+            <a:spLocks noGrp="1"/>
+          </p:cNvSpPr>
+          <p:nvPr>
+            <p:ph type="ftr" sz="quarter" idx="11"/>
+          </p:nvPr>
+        </p:nvSpPr>
+        <p:spPr/>
+        <p:txBody>
+          <a:bodyPr/>
+          <a:lstStyle/>
+          <a:p>
+            <a:r>
+              <a:rPr lang="pl-PL"/>
+              <a:t>https://github.com/novinxy/pyconpl_2025_ast_speech</a:t>
+            </a:r>
+          </a:p>
+        </p:txBody>
+      </p:sp>
+      <p:sp>
+        <p:nvSpPr>
+          <p:cNvPr id="11" name="Slide Number Placeholder 10">
+            <a:extLst>
+              <a:ext uri="{FF2B5EF4-FFF2-40B4-BE49-F238E27FC236}">
+                <a16:creationId xmlns:a16="http://schemas.microsoft.com/office/drawing/2014/main" id="{E987C86A-A986-F076-B2DE-CC23D9A65FC9}"/>
+              </a:ext>
+            </a:extLst>
+          </p:cNvPr>
+          <p:cNvSpPr>
+            <a:spLocks noGrp="1"/>
+          </p:cNvSpPr>
+          <p:nvPr>
+            <p:ph type="sldNum" sz="quarter" idx="12"/>
+          </p:nvPr>
+        </p:nvSpPr>
+        <p:spPr/>
+        <p:txBody>
+          <a:bodyPr/>
+          <a:lstStyle/>
+          <a:p>
+            <a:fld id="{882EC4D0-6887-46E3-8C28-89A9305E756A}" type="slidenum">
+              <a:rPr lang="pl-PL" smtClean="0"/>
+              <a:t>1</a:t>
+            </a:fld>
+            <a:endParaRPr lang="pl-PL"/>
           </a:p>
         </p:txBody>
       </p:sp>
@@ -4750,6 +5197,63 @@
           </a:p>
         </p:txBody>
       </p:sp>
+      <p:sp>
+        <p:nvSpPr>
+          <p:cNvPr id="3" name="Footer Placeholder 2">
+            <a:extLst>
+              <a:ext uri="{FF2B5EF4-FFF2-40B4-BE49-F238E27FC236}">
+                <a16:creationId xmlns:a16="http://schemas.microsoft.com/office/drawing/2014/main" id="{7B0FBF8A-6D13-6048-6C05-3B40936D972E}"/>
+              </a:ext>
+            </a:extLst>
+          </p:cNvPr>
+          <p:cNvSpPr>
+            <a:spLocks noGrp="1"/>
+          </p:cNvSpPr>
+          <p:nvPr>
+            <p:ph type="ftr" sz="quarter" idx="11"/>
+          </p:nvPr>
+        </p:nvSpPr>
+        <p:spPr/>
+        <p:txBody>
+          <a:bodyPr/>
+          <a:lstStyle/>
+          <a:p>
+            <a:r>
+              <a:rPr lang="pl-PL"/>
+              <a:t>https://github.com/novinxy/pyconpl_2025_ast_speech</a:t>
+            </a:r>
+          </a:p>
+        </p:txBody>
+      </p:sp>
+      <p:sp>
+        <p:nvSpPr>
+          <p:cNvPr id="4" name="Slide Number Placeholder 3">
+            <a:extLst>
+              <a:ext uri="{FF2B5EF4-FFF2-40B4-BE49-F238E27FC236}">
+                <a16:creationId xmlns:a16="http://schemas.microsoft.com/office/drawing/2014/main" id="{4B73CDC1-5E0D-4006-80ED-9869E5503065}"/>
+              </a:ext>
+            </a:extLst>
+          </p:cNvPr>
+          <p:cNvSpPr>
+            <a:spLocks noGrp="1"/>
+          </p:cNvSpPr>
+          <p:nvPr>
+            <p:ph type="sldNum" sz="quarter" idx="12"/>
+          </p:nvPr>
+        </p:nvSpPr>
+        <p:spPr/>
+        <p:txBody>
+          <a:bodyPr/>
+          <a:lstStyle/>
+          <a:p>
+            <a:fld id="{882EC4D0-6887-46E3-8C28-89A9305E756A}" type="slidenum">
+              <a:rPr lang="pl-PL" smtClean="0"/>
+              <a:t>10</a:t>
+            </a:fld>
+            <a:endParaRPr lang="pl-PL"/>
+          </a:p>
+        </p:txBody>
+      </p:sp>
     </p:spTree>
     <p:extLst>
       <p:ext uri="{BB962C8B-B14F-4D97-AF65-F5344CB8AC3E}">
@@ -5446,7 +5950,7 @@
         <p:spPr>
           <a:xfrm>
             <a:off x="3352282" y="2681947"/>
-            <a:ext cx="7202579" cy="3178371"/>
+            <a:ext cx="7202579" cy="2716706"/>
           </a:xfrm>
           <a:prstGeom prst="rect">
             <a:avLst/>
@@ -5465,10 +5969,10 @@
               </a:lnSpc>
             </a:pPr>
             <a:r>
-              <a:rPr lang="en-US" sz="3200" dirty="0" err="1"/>
+              <a:rPr lang="en-US" sz="3200" b="1" dirty="0" err="1"/>
               <a:t>salazaar</a:t>
             </a:r>
-            <a:endParaRPr lang="en-US" sz="2400" dirty="0"/>
+            <a:endParaRPr lang="en-US" sz="2400" b="1" dirty="0"/>
           </a:p>
           <a:p>
             <a:pPr marL="285750" indent="-285750">
@@ -5480,7 +5984,7 @@
             </a:pPr>
             <a:r>
               <a:rPr lang="en-US" sz="2000" dirty="0"/>
-              <a:t>Idea from working on legacy codebase at Demant</a:t>
+              <a:t>Idea from legacy codebase at Demant</a:t>
             </a:r>
           </a:p>
           <a:p>
@@ -5506,7 +6010,11 @@
             </a:pPr>
             <a:r>
               <a:rPr lang="en-US" sz="2000" dirty="0"/>
-              <a:t>Translating JavaScript AST to Python AST</a:t>
+              <a:t>JavaScript AST to Python AS</a:t>
+            </a:r>
+            <a:r>
+              <a:rPr lang="pl-PL" sz="2000" dirty="0"/>
+              <a:t>T</a:t>
             </a:r>
           </a:p>
           <a:p>
@@ -5519,27 +6027,68 @@
             </a:pPr>
             <a:r>
               <a:rPr lang="pl-PL" sz="2000" dirty="0">
-                <a:hlinkClick r:id="rId2">
-                  <a:extLst>
-                    <a:ext uri="{A12FA001-AC4F-418D-AE19-62706E023703}">
-                      <ahyp:hlinkClr xmlns:ahyp="http://schemas.microsoft.com/office/drawing/2018/hyperlinkcolor" val="tx"/>
-                    </a:ext>
-                  </a:extLst>
-                </a:hlinkClick>
+                <a:hlinkClick r:id="rId2"/>
               </a:rPr>
               <a:t>https://github.com/novinxy/salazaar</a:t>
             </a:r>
-            <a:endParaRPr lang="en-US" sz="2000" dirty="0"/>
-          </a:p>
-          <a:p>
-            <a:pPr marL="285750" indent="-285750">
-              <a:lnSpc>
-                <a:spcPct val="150000"/>
-              </a:lnSpc>
-              <a:buFont typeface="Arial" panose="020B0604020202020204" pitchFamily="34" charset="0"/>
-              <a:buChar char="•"/>
-            </a:pPr>
-            <a:endParaRPr lang="pl-PL" sz="2400" dirty="0"/>
+            <a:endParaRPr lang="pl-PL" sz="2000" dirty="0"/>
+          </a:p>
+        </p:txBody>
+      </p:sp>
+      <p:sp>
+        <p:nvSpPr>
+          <p:cNvPr id="5" name="Footer Placeholder 4">
+            <a:extLst>
+              <a:ext uri="{FF2B5EF4-FFF2-40B4-BE49-F238E27FC236}">
+                <a16:creationId xmlns:a16="http://schemas.microsoft.com/office/drawing/2014/main" id="{956B036E-6A5B-E29E-D1B3-DAC5B94DBB47}"/>
+              </a:ext>
+            </a:extLst>
+          </p:cNvPr>
+          <p:cNvSpPr>
+            <a:spLocks noGrp="1"/>
+          </p:cNvSpPr>
+          <p:nvPr>
+            <p:ph type="ftr" sz="quarter" idx="11"/>
+          </p:nvPr>
+        </p:nvSpPr>
+        <p:spPr/>
+        <p:txBody>
+          <a:bodyPr/>
+          <a:lstStyle/>
+          <a:p>
+            <a:r>
+              <a:rPr lang="pl-PL"/>
+              <a:t>https://github.com/novinxy/pyconpl_2025_ast_speech</a:t>
+            </a:r>
+          </a:p>
+        </p:txBody>
+      </p:sp>
+      <p:sp>
+        <p:nvSpPr>
+          <p:cNvPr id="6" name="Slide Number Placeholder 5">
+            <a:extLst>
+              <a:ext uri="{FF2B5EF4-FFF2-40B4-BE49-F238E27FC236}">
+                <a16:creationId xmlns:a16="http://schemas.microsoft.com/office/drawing/2014/main" id="{F36A2130-D949-C46D-D244-49F187261244}"/>
+              </a:ext>
+            </a:extLst>
+          </p:cNvPr>
+          <p:cNvSpPr>
+            <a:spLocks noGrp="1"/>
+          </p:cNvSpPr>
+          <p:nvPr>
+            <p:ph type="sldNum" sz="quarter" idx="12"/>
+          </p:nvPr>
+        </p:nvSpPr>
+        <p:spPr/>
+        <p:txBody>
+          <a:bodyPr/>
+          <a:lstStyle/>
+          <a:p>
+            <a:fld id="{882EC4D0-6887-46E3-8C28-89A9305E756A}" type="slidenum">
+              <a:rPr lang="pl-PL" smtClean="0"/>
+              <a:t>11</a:t>
+            </a:fld>
+            <a:endParaRPr lang="pl-PL"/>
           </a:p>
         </p:txBody>
       </p:sp>
@@ -6151,6 +6700,63 @@
           <a:p>
             <a:pPr algn="ctr"/>
             <a:endParaRPr lang="en-US"/>
+          </a:p>
+        </p:txBody>
+      </p:sp>
+      <p:sp>
+        <p:nvSpPr>
+          <p:cNvPr id="3" name="Footer Placeholder 2">
+            <a:extLst>
+              <a:ext uri="{FF2B5EF4-FFF2-40B4-BE49-F238E27FC236}">
+                <a16:creationId xmlns:a16="http://schemas.microsoft.com/office/drawing/2014/main" id="{3F20AC21-4E6F-C549-5E1A-6D2695EB59BD}"/>
+              </a:ext>
+            </a:extLst>
+          </p:cNvPr>
+          <p:cNvSpPr>
+            <a:spLocks noGrp="1"/>
+          </p:cNvSpPr>
+          <p:nvPr>
+            <p:ph type="ftr" sz="quarter" idx="11"/>
+          </p:nvPr>
+        </p:nvSpPr>
+        <p:spPr/>
+        <p:txBody>
+          <a:bodyPr/>
+          <a:lstStyle/>
+          <a:p>
+            <a:r>
+              <a:rPr lang="pl-PL"/>
+              <a:t>https://github.com/novinxy/pyconpl_2025_ast_speech</a:t>
+            </a:r>
+          </a:p>
+        </p:txBody>
+      </p:sp>
+      <p:sp>
+        <p:nvSpPr>
+          <p:cNvPr id="4" name="Slide Number Placeholder 3">
+            <a:extLst>
+              <a:ext uri="{FF2B5EF4-FFF2-40B4-BE49-F238E27FC236}">
+                <a16:creationId xmlns:a16="http://schemas.microsoft.com/office/drawing/2014/main" id="{A49764BA-3A7B-AF05-6EF4-23895E1C5359}"/>
+              </a:ext>
+            </a:extLst>
+          </p:cNvPr>
+          <p:cNvSpPr>
+            <a:spLocks noGrp="1"/>
+          </p:cNvSpPr>
+          <p:nvPr>
+            <p:ph type="sldNum" sz="quarter" idx="12"/>
+          </p:nvPr>
+        </p:nvSpPr>
+        <p:spPr/>
+        <p:txBody>
+          <a:bodyPr/>
+          <a:lstStyle/>
+          <a:p>
+            <a:fld id="{882EC4D0-6887-46E3-8C28-89A9305E756A}" type="slidenum">
+              <a:rPr lang="pl-PL" smtClean="0"/>
+              <a:t>12</a:t>
+            </a:fld>
+            <a:endParaRPr lang="pl-PL"/>
           </a:p>
         </p:txBody>
       </p:sp>
@@ -6881,7 +7487,7 @@
             </a:pPr>
             <a:r>
               <a:rPr lang="en-US" sz="2100" b="1" dirty="0"/>
-              <a:t>Senior DevOps @ </a:t>
+              <a:t>Senior DevOps Engineer @ </a:t>
             </a:r>
             <a:r>
               <a:rPr lang="pl-PL" sz="2100" b="1" dirty="0"/>
@@ -7096,6 +7702,63 @@
           </a:prstGeom>
         </p:spPr>
       </p:pic>
+      <p:sp>
+        <p:nvSpPr>
+          <p:cNvPr id="4" name="Footer Placeholder 3">
+            <a:extLst>
+              <a:ext uri="{FF2B5EF4-FFF2-40B4-BE49-F238E27FC236}">
+                <a16:creationId xmlns:a16="http://schemas.microsoft.com/office/drawing/2014/main" id="{4059EE98-936A-E02A-A2F4-112AE796C501}"/>
+              </a:ext>
+            </a:extLst>
+          </p:cNvPr>
+          <p:cNvSpPr>
+            <a:spLocks noGrp="1"/>
+          </p:cNvSpPr>
+          <p:nvPr>
+            <p:ph type="ftr" sz="quarter" idx="11"/>
+          </p:nvPr>
+        </p:nvSpPr>
+        <p:spPr/>
+        <p:txBody>
+          <a:bodyPr/>
+          <a:lstStyle/>
+          <a:p>
+            <a:r>
+              <a:rPr lang="pl-PL"/>
+              <a:t>https://github.com/novinxy/pyconpl_2025_ast_speech</a:t>
+            </a:r>
+          </a:p>
+        </p:txBody>
+      </p:sp>
+      <p:sp>
+        <p:nvSpPr>
+          <p:cNvPr id="6" name="Slide Number Placeholder 5">
+            <a:extLst>
+              <a:ext uri="{FF2B5EF4-FFF2-40B4-BE49-F238E27FC236}">
+                <a16:creationId xmlns:a16="http://schemas.microsoft.com/office/drawing/2014/main" id="{13920794-4DEE-D3B0-FC9B-3A5EF781B96C}"/>
+              </a:ext>
+            </a:extLst>
+          </p:cNvPr>
+          <p:cNvSpPr>
+            <a:spLocks noGrp="1"/>
+          </p:cNvSpPr>
+          <p:nvPr>
+            <p:ph type="sldNum" sz="quarter" idx="12"/>
+          </p:nvPr>
+        </p:nvSpPr>
+        <p:spPr/>
+        <p:txBody>
+          <a:bodyPr/>
+          <a:lstStyle/>
+          <a:p>
+            <a:fld id="{882EC4D0-6887-46E3-8C28-89A9305E756A}" type="slidenum">
+              <a:rPr lang="pl-PL" smtClean="0"/>
+              <a:t>2</a:t>
+            </a:fld>
+            <a:endParaRPr lang="pl-PL"/>
+          </a:p>
+        </p:txBody>
+      </p:sp>
     </p:spTree>
     <p:extLst>
       <p:ext uri="{BB962C8B-B14F-4D97-AF65-F5344CB8AC3E}">
@@ -7870,8 +8533,8 @@
         </p:nvSpPr>
         <p:spPr>
           <a:xfrm>
-            <a:off x="1104549" y="2086641"/>
-            <a:ext cx="7168919" cy="4453335"/>
+            <a:off x="1104549" y="1958368"/>
+            <a:ext cx="7168919" cy="4831515"/>
           </a:xfrm>
           <a:prstGeom prst="rect">
             <a:avLst/>
@@ -7906,7 +8569,7 @@
             </a:pPr>
             <a:r>
               <a:rPr lang="en-US" sz="2000" dirty="0"/>
-              <a:t>AST in Python execution process</a:t>
+              <a:t>How Python uses AST at runtime?</a:t>
             </a:r>
           </a:p>
           <a:p>
@@ -7974,6 +8637,19 @@
               <a:t>Transpilers</a:t>
             </a:r>
             <a:endParaRPr lang="en-US" sz="2000" dirty="0"/>
+          </a:p>
+          <a:p>
+            <a:pPr marL="285750" indent="-285750">
+              <a:lnSpc>
+                <a:spcPct val="150000"/>
+              </a:lnSpc>
+              <a:buFont typeface="Arial" panose="020B0604020202020204" pitchFamily="34" charset="0"/>
+              <a:buChar char="•"/>
+            </a:pPr>
+            <a:r>
+              <a:rPr lang="en-US" sz="2000" dirty="0"/>
+              <a:t>QA</a:t>
+            </a:r>
           </a:p>
           <a:p>
             <a:pPr marL="285750" indent="-285750">
@@ -7994,6 +8670,63 @@
               <a:buChar char="•"/>
             </a:pPr>
             <a:endParaRPr lang="pl-PL" sz="2800" dirty="0"/>
+          </a:p>
+        </p:txBody>
+      </p:sp>
+      <p:sp>
+        <p:nvSpPr>
+          <p:cNvPr id="4" name="Footer Placeholder 3">
+            <a:extLst>
+              <a:ext uri="{FF2B5EF4-FFF2-40B4-BE49-F238E27FC236}">
+                <a16:creationId xmlns:a16="http://schemas.microsoft.com/office/drawing/2014/main" id="{13F5AB98-7F3E-81C6-A34C-52090EE64805}"/>
+              </a:ext>
+            </a:extLst>
+          </p:cNvPr>
+          <p:cNvSpPr>
+            <a:spLocks noGrp="1"/>
+          </p:cNvSpPr>
+          <p:nvPr>
+            <p:ph type="ftr" sz="quarter" idx="11"/>
+          </p:nvPr>
+        </p:nvSpPr>
+        <p:spPr/>
+        <p:txBody>
+          <a:bodyPr/>
+          <a:lstStyle/>
+          <a:p>
+            <a:r>
+              <a:rPr lang="pl-PL"/>
+              <a:t>https://github.com/novinxy/pyconpl_2025_ast_speech</a:t>
+            </a:r>
+          </a:p>
+        </p:txBody>
+      </p:sp>
+      <p:sp>
+        <p:nvSpPr>
+          <p:cNvPr id="5" name="Slide Number Placeholder 4">
+            <a:extLst>
+              <a:ext uri="{FF2B5EF4-FFF2-40B4-BE49-F238E27FC236}">
+                <a16:creationId xmlns:a16="http://schemas.microsoft.com/office/drawing/2014/main" id="{5CC31B55-097A-AD33-5CE4-7D1263F3B6A9}"/>
+              </a:ext>
+            </a:extLst>
+          </p:cNvPr>
+          <p:cNvSpPr>
+            <a:spLocks noGrp="1"/>
+          </p:cNvSpPr>
+          <p:nvPr>
+            <p:ph type="sldNum" sz="quarter" idx="12"/>
+          </p:nvPr>
+        </p:nvSpPr>
+        <p:spPr/>
+        <p:txBody>
+          <a:bodyPr/>
+          <a:lstStyle/>
+          <a:p>
+            <a:fld id="{882EC4D0-6887-46E3-8C28-89A9305E756A}" type="slidenum">
+              <a:rPr lang="pl-PL" smtClean="0"/>
+              <a:t>3</a:t>
+            </a:fld>
+            <a:endParaRPr lang="pl-PL"/>
           </a:p>
         </p:txBody>
       </p:sp>
@@ -8712,6 +9445,63 @@
               </a:rPr>
               <a:t>Who worked with Abstract Syntax Trees ?</a:t>
             </a:r>
+          </a:p>
+        </p:txBody>
+      </p:sp>
+      <p:sp>
+        <p:nvSpPr>
+          <p:cNvPr id="2" name="Footer Placeholder 1">
+            <a:extLst>
+              <a:ext uri="{FF2B5EF4-FFF2-40B4-BE49-F238E27FC236}">
+                <a16:creationId xmlns:a16="http://schemas.microsoft.com/office/drawing/2014/main" id="{FB951448-9A26-2E54-B4EC-7F91AB4BA3CA}"/>
+              </a:ext>
+            </a:extLst>
+          </p:cNvPr>
+          <p:cNvSpPr>
+            <a:spLocks noGrp="1"/>
+          </p:cNvSpPr>
+          <p:nvPr>
+            <p:ph type="ftr" sz="quarter" idx="11"/>
+          </p:nvPr>
+        </p:nvSpPr>
+        <p:spPr/>
+        <p:txBody>
+          <a:bodyPr/>
+          <a:lstStyle/>
+          <a:p>
+            <a:r>
+              <a:rPr lang="pl-PL"/>
+              <a:t>https://github.com/novinxy/pyconpl_2025_ast_speech</a:t>
+            </a:r>
+          </a:p>
+        </p:txBody>
+      </p:sp>
+      <p:sp>
+        <p:nvSpPr>
+          <p:cNvPr id="4" name="Slide Number Placeholder 3">
+            <a:extLst>
+              <a:ext uri="{FF2B5EF4-FFF2-40B4-BE49-F238E27FC236}">
+                <a16:creationId xmlns:a16="http://schemas.microsoft.com/office/drawing/2014/main" id="{A81D5FAC-7552-463F-3DF3-6C19DC33584B}"/>
+              </a:ext>
+            </a:extLst>
+          </p:cNvPr>
+          <p:cNvSpPr>
+            <a:spLocks noGrp="1"/>
+          </p:cNvSpPr>
+          <p:nvPr>
+            <p:ph type="sldNum" sz="quarter" idx="12"/>
+          </p:nvPr>
+        </p:nvSpPr>
+        <p:spPr/>
+        <p:txBody>
+          <a:bodyPr/>
+          <a:lstStyle/>
+          <a:p>
+            <a:fld id="{882EC4D0-6887-46E3-8C28-89A9305E756A}" type="slidenum">
+              <a:rPr lang="pl-PL" smtClean="0"/>
+              <a:t>4</a:t>
+            </a:fld>
+            <a:endParaRPr lang="pl-PL"/>
           </a:p>
         </p:txBody>
       </p:sp>
@@ -9489,8 +10279,8 @@
         </p:nvSpPr>
         <p:spPr>
           <a:xfrm>
-            <a:off x="511878" y="1889654"/>
-            <a:ext cx="6259977" cy="3908186"/>
+            <a:off x="531988" y="2147160"/>
+            <a:ext cx="6259977" cy="2817951"/>
           </a:xfrm>
           <a:prstGeom prst="rect">
             <a:avLst/>
@@ -9580,30 +10370,6 @@
               <a:t>Whitespaces</a:t>
             </a:r>
           </a:p>
-          <a:p>
-            <a:pPr marL="285750" lvl="0" indent="-285750">
-              <a:lnSpc>
-                <a:spcPct val="150000"/>
-              </a:lnSpc>
-              <a:buFont typeface="Arial" panose="020B0604020202020204" pitchFamily="34" charset="0"/>
-              <a:buChar char="•"/>
-            </a:pPr>
-            <a:r>
-              <a:rPr lang="en-US" sz="2000" dirty="0"/>
-              <a:t>Result of parsing/syntactic analysis</a:t>
-            </a:r>
-            <a:endParaRPr lang="pl-PL" sz="2000" dirty="0"/>
-          </a:p>
-          <a:p>
-            <a:pPr marL="342900" indent="-342900">
-              <a:lnSpc>
-                <a:spcPct val="150000"/>
-              </a:lnSpc>
-              <a:buFont typeface="Arial" panose="020B0604020202020204" pitchFamily="34" charset="0"/>
-              <a:buChar char="•"/>
-            </a:pPr>
-            <a:endParaRPr lang="pl-PL" sz="2800" dirty="0"/>
-          </a:p>
         </p:txBody>
       </p:sp>
       <p:sp>
@@ -9621,7 +10387,7 @@
         <p:spPr>
           <a:xfrm>
             <a:off x="7281896" y="1851757"/>
-            <a:ext cx="4420173" cy="4650643"/>
+            <a:ext cx="4420173" cy="4739874"/>
           </a:xfrm>
           <a:prstGeom prst="rect">
             <a:avLst/>
@@ -9728,6 +10494,63 @@
               <a:t>x = a + b * 2</a:t>
             </a:r>
             <a:endParaRPr lang="pl-PL" sz="3200" dirty="0"/>
+          </a:p>
+        </p:txBody>
+      </p:sp>
+      <p:sp>
+        <p:nvSpPr>
+          <p:cNvPr id="7" name="Footer Placeholder 6">
+            <a:extLst>
+              <a:ext uri="{FF2B5EF4-FFF2-40B4-BE49-F238E27FC236}">
+                <a16:creationId xmlns:a16="http://schemas.microsoft.com/office/drawing/2014/main" id="{5707BD8D-9125-5E20-3BD6-26A51B1D4FCB}"/>
+              </a:ext>
+            </a:extLst>
+          </p:cNvPr>
+          <p:cNvSpPr>
+            <a:spLocks noGrp="1"/>
+          </p:cNvSpPr>
+          <p:nvPr>
+            <p:ph type="ftr" sz="quarter" idx="11"/>
+          </p:nvPr>
+        </p:nvSpPr>
+        <p:spPr/>
+        <p:txBody>
+          <a:bodyPr/>
+          <a:lstStyle/>
+          <a:p>
+            <a:r>
+              <a:rPr lang="pl-PL"/>
+              <a:t>https://github.com/novinxy/pyconpl_2025_ast_speech</a:t>
+            </a:r>
+          </a:p>
+        </p:txBody>
+      </p:sp>
+      <p:sp>
+        <p:nvSpPr>
+          <p:cNvPr id="9" name="Slide Number Placeholder 8">
+            <a:extLst>
+              <a:ext uri="{FF2B5EF4-FFF2-40B4-BE49-F238E27FC236}">
+                <a16:creationId xmlns:a16="http://schemas.microsoft.com/office/drawing/2014/main" id="{46AD8154-E361-887B-58DE-9DB39ACD8C96}"/>
+              </a:ext>
+            </a:extLst>
+          </p:cNvPr>
+          <p:cNvSpPr>
+            <a:spLocks noGrp="1"/>
+          </p:cNvSpPr>
+          <p:nvPr>
+            <p:ph type="sldNum" sz="quarter" idx="12"/>
+          </p:nvPr>
+        </p:nvSpPr>
+        <p:spPr/>
+        <p:txBody>
+          <a:bodyPr/>
+          <a:lstStyle/>
+          <a:p>
+            <a:fld id="{882EC4D0-6887-46E3-8C28-89A9305E756A}" type="slidenum">
+              <a:rPr lang="pl-PL" smtClean="0"/>
+              <a:t>5</a:t>
+            </a:fld>
+            <a:endParaRPr lang="pl-PL"/>
           </a:p>
         </p:txBody>
       </p:sp>
@@ -10405,30 +11228,29 @@
         </p:nvSpPr>
         <p:spPr>
           <a:xfrm>
-            <a:off x="698571" y="584088"/>
-            <a:ext cx="10053763" cy="828936"/>
+            <a:off x="310101" y="584088"/>
+            <a:ext cx="11648661" cy="828936"/>
           </a:xfrm>
         </p:spPr>
         <p:txBody>
           <a:bodyPr anchor="b">
-            <a:normAutofit/>
+            <a:noAutofit/>
           </a:bodyPr>
           <a:lstStyle/>
           <a:p>
-            <a:pPr algn="l"/>
+            <a:pPr lvl="0">
+              <a:lnSpc>
+                <a:spcPct val="150000"/>
+              </a:lnSpc>
+            </a:pPr>
             <a:r>
               <a:rPr lang="en-US" sz="4800" dirty="0">
                 <a:solidFill>
                   <a:schemeClr val="bg1"/>
                 </a:solidFill>
               </a:rPr>
-              <a:t>AST in Python execution process</a:t>
-            </a:r>
-            <a:endParaRPr lang="pl-PL" sz="4800" dirty="0">
-              <a:solidFill>
-                <a:schemeClr val="bg1"/>
-              </a:solidFill>
-            </a:endParaRPr>
+              <a:t>How Python uses AST at runtime?</a:t>
+            </a:r>
           </a:p>
         </p:txBody>
       </p:sp>
@@ -10522,6 +11344,63 @@
           </a:prstGeom>
         </p:spPr>
       </p:pic>
+      <p:sp>
+        <p:nvSpPr>
+          <p:cNvPr id="3" name="Footer Placeholder 2">
+            <a:extLst>
+              <a:ext uri="{FF2B5EF4-FFF2-40B4-BE49-F238E27FC236}">
+                <a16:creationId xmlns:a16="http://schemas.microsoft.com/office/drawing/2014/main" id="{F0705FD1-C12B-FF4C-1487-B5BCBB8F2CA0}"/>
+              </a:ext>
+            </a:extLst>
+          </p:cNvPr>
+          <p:cNvSpPr>
+            <a:spLocks noGrp="1"/>
+          </p:cNvSpPr>
+          <p:nvPr>
+            <p:ph type="ftr" sz="quarter" idx="11"/>
+          </p:nvPr>
+        </p:nvSpPr>
+        <p:spPr/>
+        <p:txBody>
+          <a:bodyPr/>
+          <a:lstStyle/>
+          <a:p>
+            <a:r>
+              <a:rPr lang="pl-PL"/>
+              <a:t>https://github.com/novinxy/pyconpl_2025_ast_speech</a:t>
+            </a:r>
+          </a:p>
+        </p:txBody>
+      </p:sp>
+      <p:sp>
+        <p:nvSpPr>
+          <p:cNvPr id="5" name="Slide Number Placeholder 4">
+            <a:extLst>
+              <a:ext uri="{FF2B5EF4-FFF2-40B4-BE49-F238E27FC236}">
+                <a16:creationId xmlns:a16="http://schemas.microsoft.com/office/drawing/2014/main" id="{011BE922-3B7B-1B39-7084-37B4AE4DECF9}"/>
+              </a:ext>
+            </a:extLst>
+          </p:cNvPr>
+          <p:cNvSpPr>
+            <a:spLocks noGrp="1"/>
+          </p:cNvSpPr>
+          <p:nvPr>
+            <p:ph type="sldNum" sz="quarter" idx="12"/>
+          </p:nvPr>
+        </p:nvSpPr>
+        <p:spPr/>
+        <p:txBody>
+          <a:bodyPr/>
+          <a:lstStyle/>
+          <a:p>
+            <a:fld id="{882EC4D0-6887-46E3-8C28-89A9305E756A}" type="slidenum">
+              <a:rPr lang="pl-PL" smtClean="0"/>
+              <a:t>6</a:t>
+            </a:fld>
+            <a:endParaRPr lang="pl-PL"/>
+          </a:p>
+        </p:txBody>
+      </p:sp>
     </p:spTree>
     <p:extLst>
       <p:ext uri="{BB962C8B-B14F-4D97-AF65-F5344CB8AC3E}">
@@ -11237,8 +12116,8 @@
         </p:nvSpPr>
         <p:spPr>
           <a:xfrm>
-            <a:off x="869595" y="2007496"/>
-            <a:ext cx="7672885" cy="3906912"/>
+            <a:off x="932630" y="1864391"/>
+            <a:ext cx="7672885" cy="3998144"/>
           </a:xfrm>
           <a:prstGeom prst="rect">
             <a:avLst/>
@@ -11296,8 +12175,8 @@
         </p:nvSpPr>
         <p:spPr>
           <a:xfrm>
-            <a:off x="684761" y="2120228"/>
-            <a:ext cx="5384800" cy="4339650"/>
+            <a:off x="1175153" y="2155303"/>
+            <a:ext cx="7367328" cy="3416320"/>
           </a:xfrm>
           <a:prstGeom prst="rect">
             <a:avLst/>
@@ -11305,10 +12184,17 @@
           <a:noFill/>
         </p:spPr>
         <p:txBody>
-          <a:bodyPr wrap="square" rtlCol="0">
+          <a:bodyPr wrap="square" numCol="2" rtlCol="0">
             <a:spAutoFit/>
           </a:bodyPr>
           <a:lstStyle/>
+          <a:p>
+            <a:pPr lvl="1"/>
+            <a:r>
+              <a:rPr lang="en-US" dirty="0"/>
+              <a:t>Language engines</a:t>
+            </a:r>
+          </a:p>
           <a:p>
             <a:pPr marL="742950" lvl="1" indent="-285750">
               <a:buFont typeface="Arial" panose="020B0604020202020204" pitchFamily="34" charset="0"/>
@@ -11316,16 +12202,6 @@
             </a:pPr>
             <a:r>
               <a:rPr lang="en-US" dirty="0"/>
-              <a:t>Language engines</a:t>
-            </a:r>
-          </a:p>
-          <a:p>
-            <a:pPr marL="1200150" lvl="2" indent="-285750">
-              <a:buFont typeface="Arial" panose="020B0604020202020204" pitchFamily="34" charset="0"/>
-              <a:buChar char="•"/>
-            </a:pPr>
-            <a:r>
-              <a:rPr lang="en-US" dirty="0"/>
               <a:t>Jedi – </a:t>
             </a:r>
             <a:r>
@@ -11333,20 +12209,6 @@
               <a:t>parso</a:t>
             </a:r>
             <a:endParaRPr lang="en-US" dirty="0"/>
-          </a:p>
-          <a:p>
-            <a:pPr marL="1200150" lvl="2" indent="-285750">
-              <a:buFont typeface="Arial" panose="020B0604020202020204" pitchFamily="34" charset="0"/>
-              <a:buChar char="•"/>
-            </a:pPr>
-            <a:r>
-              <a:rPr lang="en-US" dirty="0" err="1"/>
-              <a:t>Pyright</a:t>
-            </a:r>
-            <a:r>
-              <a:rPr lang="en-US" dirty="0"/>
-              <a:t> - built in custom parser</a:t>
-            </a:r>
           </a:p>
           <a:p>
             <a:pPr marL="742950" lvl="1" indent="-285750">
@@ -11354,138 +12216,193 @@
               <a:buChar char="•"/>
             </a:pPr>
             <a:r>
+              <a:rPr lang="en-US" dirty="0" err="1"/>
+              <a:t>Pyright</a:t>
+            </a:r>
+            <a:r>
               <a:rPr lang="en-US" dirty="0"/>
-              <a:t>Refactoring</a:t>
-            </a:r>
-          </a:p>
-          <a:p>
-            <a:pPr marL="1200150" lvl="2" indent="-285750">
-              <a:buFont typeface="Arial" panose="020B0604020202020204" pitchFamily="34" charset="0"/>
-              <a:buChar char="•"/>
-            </a:pPr>
-            <a:r>
-              <a:rPr lang="en-US" dirty="0"/>
-              <a:t>rope – </a:t>
-            </a:r>
-            <a:r>
-              <a:rPr lang="en-US" dirty="0" err="1"/>
-              <a:t>ast</a:t>
-            </a:r>
-            <a:r>
-              <a:rPr lang="en-US" dirty="0"/>
-              <a:t> ?</a:t>
-            </a:r>
-          </a:p>
-          <a:p>
-            <a:pPr marL="1200150" lvl="2" indent="-285750">
-              <a:buFont typeface="Arial" panose="020B0604020202020204" pitchFamily="34" charset="0"/>
-              <a:buChar char="•"/>
-            </a:pPr>
-            <a:r>
-              <a:rPr lang="en-US" dirty="0" err="1"/>
-              <a:t>redbaron</a:t>
-            </a:r>
-            <a:r>
-              <a:rPr lang="en-US" dirty="0"/>
-              <a:t> –baron</a:t>
-            </a:r>
-          </a:p>
-          <a:p>
-            <a:pPr marL="1200150" lvl="2" indent="-285750">
-              <a:buFont typeface="Arial" panose="020B0604020202020204" pitchFamily="34" charset="0"/>
-              <a:buChar char="•"/>
-            </a:pPr>
-            <a:r>
-              <a:rPr lang="en-US" dirty="0" err="1"/>
-              <a:t>libCST</a:t>
-            </a:r>
-            <a:endParaRPr lang="en-US" dirty="0"/>
+              <a:t> – </a:t>
+            </a:r>
+            <a:r>
+              <a:rPr lang="pl-PL" dirty="0" err="1"/>
+              <a:t>custom</a:t>
+            </a:r>
+            <a:endParaRPr lang="pl-PL" dirty="0"/>
           </a:p>
           <a:p>
             <a:pPr marL="742950" lvl="1" indent="-285750">
               <a:buFont typeface="Arial" panose="020B0604020202020204" pitchFamily="34" charset="0"/>
               <a:buChar char="•"/>
             </a:pPr>
-            <a:r>
-              <a:rPr lang="pl-PL" dirty="0" err="1"/>
-              <a:t>Static</a:t>
-            </a:r>
-            <a:r>
-              <a:rPr lang="pl-PL" dirty="0"/>
-              <a:t> </a:t>
-            </a:r>
-            <a:r>
-              <a:rPr lang="pl-PL" dirty="0" err="1"/>
-              <a:t>analysis</a:t>
-            </a:r>
-            <a:endParaRPr lang="en-US" dirty="0"/>
-          </a:p>
-          <a:p>
-            <a:pPr marL="1200150" lvl="2" indent="-285750">
-              <a:buFont typeface="Arial" panose="020B0604020202020204" pitchFamily="34" charset="0"/>
-              <a:buChar char="•"/>
-            </a:pPr>
-            <a:r>
-              <a:rPr lang="en-US" dirty="0" err="1"/>
-              <a:t>mypy</a:t>
-            </a:r>
-            <a:r>
-              <a:rPr lang="en-US" dirty="0"/>
-              <a:t> – own extended AST</a:t>
-            </a:r>
-          </a:p>
-          <a:p>
-            <a:pPr marL="1200150" lvl="2" indent="-285750">
-              <a:buFont typeface="Arial" panose="020B0604020202020204" pitchFamily="34" charset="0"/>
-              <a:buChar char="•"/>
-            </a:pPr>
-            <a:r>
-              <a:rPr lang="en-US" dirty="0" err="1"/>
-              <a:t>Pylint</a:t>
-            </a:r>
-            <a:r>
-              <a:rPr lang="en-US" dirty="0"/>
-              <a:t> – asteroid</a:t>
-            </a:r>
-          </a:p>
-          <a:p>
-            <a:pPr marL="1200150" lvl="2" indent="-285750">
-              <a:buFont typeface="Arial" panose="020B0604020202020204" pitchFamily="34" charset="0"/>
-              <a:buChar char="•"/>
-            </a:pPr>
-            <a:r>
-              <a:rPr lang="en-US" dirty="0"/>
-              <a:t>flake8 - </a:t>
-            </a:r>
-            <a:r>
-              <a:rPr lang="en-US" dirty="0" err="1"/>
-              <a:t>ast</a:t>
-            </a:r>
-            <a:endParaRPr lang="en-US" dirty="0"/>
+            <a:endParaRPr lang="pl-PL" dirty="0"/>
           </a:p>
           <a:p>
             <a:pPr marL="742950" lvl="1" indent="-285750">
               <a:buFont typeface="Arial" panose="020B0604020202020204" pitchFamily="34" charset="0"/>
               <a:buChar char="•"/>
             </a:pPr>
-            <a:r>
-              <a:rPr lang="en-US" dirty="0"/>
-              <a:t>Testing</a:t>
-            </a:r>
-          </a:p>
-          <a:p>
-            <a:pPr marL="1200150" lvl="2" indent="-285750">
+            <a:endParaRPr lang="pl-PL" dirty="0"/>
+          </a:p>
+          <a:p>
+            <a:pPr lvl="1"/>
+            <a:r>
+              <a:rPr lang="pl-PL" dirty="0" err="1"/>
+              <a:t>Static</a:t>
+            </a:r>
+            <a:r>
+              <a:rPr lang="pl-PL" dirty="0"/>
+              <a:t> </a:t>
+            </a:r>
+            <a:r>
+              <a:rPr lang="pl-PL" dirty="0" err="1"/>
+              <a:t>analysis</a:t>
+            </a:r>
+            <a:endParaRPr lang="en-US" dirty="0"/>
+          </a:p>
+          <a:p>
+            <a:pPr marL="742950" lvl="1" indent="-285750">
               <a:buFont typeface="Arial" panose="020B0604020202020204" pitchFamily="34" charset="0"/>
               <a:buChar char="•"/>
             </a:pPr>
             <a:r>
               <a:rPr lang="en-US" dirty="0" err="1"/>
+              <a:t>mypy</a:t>
+            </a:r>
+            <a:r>
+              <a:rPr lang="en-US" dirty="0"/>
+              <a:t> – </a:t>
+            </a:r>
+            <a:r>
+              <a:rPr lang="pl-PL" dirty="0" err="1"/>
+              <a:t>custom</a:t>
+            </a:r>
+            <a:endParaRPr lang="en-US" dirty="0"/>
+          </a:p>
+          <a:p>
+            <a:pPr marL="742950" lvl="1" indent="-285750">
+              <a:buFont typeface="Arial" panose="020B0604020202020204" pitchFamily="34" charset="0"/>
+              <a:buChar char="•"/>
+            </a:pPr>
+            <a:r>
+              <a:rPr lang="en-US" dirty="0" err="1"/>
+              <a:t>Pylint</a:t>
+            </a:r>
+            <a:r>
+              <a:rPr lang="en-US" dirty="0"/>
+              <a:t> – asteroid</a:t>
+            </a:r>
+          </a:p>
+          <a:p>
+            <a:pPr marL="742950" lvl="1" indent="-285750">
+              <a:buFont typeface="Arial" panose="020B0604020202020204" pitchFamily="34" charset="0"/>
+              <a:buChar char="•"/>
+            </a:pPr>
+            <a:r>
+              <a:rPr lang="en-US" dirty="0"/>
+              <a:t>flake8 – </a:t>
+            </a:r>
+            <a:r>
+              <a:rPr lang="en-US" dirty="0" err="1"/>
+              <a:t>ast</a:t>
+            </a:r>
+            <a:endParaRPr lang="pl-PL" dirty="0"/>
+          </a:p>
+          <a:p>
+            <a:pPr lvl="1"/>
+            <a:endParaRPr lang="pl-PL" dirty="0"/>
+          </a:p>
+          <a:p>
+            <a:pPr lvl="1"/>
+            <a:endParaRPr lang="pl-PL" dirty="0"/>
+          </a:p>
+          <a:p>
+            <a:pPr lvl="1"/>
+            <a:endParaRPr lang="pl-PL" dirty="0"/>
+          </a:p>
+          <a:p>
+            <a:pPr lvl="1"/>
+            <a:r>
+              <a:rPr lang="en-US" dirty="0"/>
+              <a:t>Refactoring</a:t>
+            </a:r>
+          </a:p>
+          <a:p>
+            <a:pPr marL="742950" lvl="1" indent="-285750">
+              <a:buFont typeface="Arial" panose="020B0604020202020204" pitchFamily="34" charset="0"/>
+              <a:buChar char="•"/>
+            </a:pPr>
+            <a:r>
+              <a:rPr lang="en-US" dirty="0"/>
+              <a:t>rope – </a:t>
+            </a:r>
+            <a:r>
+              <a:rPr lang="en-US" dirty="0" err="1"/>
+              <a:t>ast</a:t>
+            </a:r>
+            <a:endParaRPr lang="en-US" dirty="0"/>
+          </a:p>
+          <a:p>
+            <a:pPr marL="742950" lvl="1" indent="-285750">
+              <a:buFont typeface="Arial" panose="020B0604020202020204" pitchFamily="34" charset="0"/>
+              <a:buChar char="•"/>
+            </a:pPr>
+            <a:r>
+              <a:rPr lang="en-US" dirty="0" err="1"/>
+              <a:t>redbaron</a:t>
+            </a:r>
+            <a:r>
+              <a:rPr lang="en-US" dirty="0"/>
+              <a:t> –baron</a:t>
+            </a:r>
+          </a:p>
+          <a:p>
+            <a:pPr marL="742950" lvl="1" indent="-285750">
+              <a:buFont typeface="Arial" panose="020B0604020202020204" pitchFamily="34" charset="0"/>
+              <a:buChar char="•"/>
+            </a:pPr>
+            <a:r>
+              <a:rPr lang="en-US" dirty="0" err="1"/>
+              <a:t>libCST</a:t>
+            </a:r>
+            <a:r>
+              <a:rPr lang="pl-PL" dirty="0"/>
+              <a:t> - </a:t>
+            </a:r>
+            <a:r>
+              <a:rPr lang="pl-PL" dirty="0" err="1"/>
+              <a:t>custom</a:t>
+            </a:r>
+            <a:endParaRPr lang="en-US" dirty="0"/>
+          </a:p>
+          <a:p>
+            <a:pPr lvl="1"/>
+            <a:endParaRPr lang="en-US" dirty="0"/>
+          </a:p>
+          <a:p>
+            <a:pPr lvl="1"/>
+            <a:r>
+              <a:rPr lang="en-US" dirty="0"/>
+              <a:t>Testing</a:t>
+            </a:r>
+          </a:p>
+          <a:p>
+            <a:pPr marL="742950" lvl="1" indent="-285750">
+              <a:buFont typeface="Arial" panose="020B0604020202020204" pitchFamily="34" charset="0"/>
+              <a:buChar char="•"/>
+            </a:pPr>
+            <a:r>
+              <a:rPr lang="en-US" dirty="0" err="1"/>
               <a:t>mutmut</a:t>
             </a:r>
             <a:r>
               <a:rPr lang="en-US" dirty="0"/>
-              <a:t> – mutation testing</a:t>
-            </a:r>
+              <a:t> – </a:t>
+            </a:r>
+            <a:r>
+              <a:rPr lang="pl-PL" dirty="0" err="1"/>
+              <a:t>parso</a:t>
+            </a:r>
+            <a:endParaRPr lang="en-US" dirty="0"/>
           </a:p>
           <a:p>
             <a:endParaRPr lang="pl-PL" dirty="0"/>
@@ -11496,6 +12413,63 @@
               <a:buChar char="•"/>
             </a:pPr>
             <a:endParaRPr lang="pl-PL" sz="2400" dirty="0"/>
+          </a:p>
+        </p:txBody>
+      </p:sp>
+      <p:sp>
+        <p:nvSpPr>
+          <p:cNvPr id="4" name="Footer Placeholder 3">
+            <a:extLst>
+              <a:ext uri="{FF2B5EF4-FFF2-40B4-BE49-F238E27FC236}">
+                <a16:creationId xmlns:a16="http://schemas.microsoft.com/office/drawing/2014/main" id="{F4828974-3229-A782-1CA2-4A975C89420B}"/>
+              </a:ext>
+            </a:extLst>
+          </p:cNvPr>
+          <p:cNvSpPr>
+            <a:spLocks noGrp="1"/>
+          </p:cNvSpPr>
+          <p:nvPr>
+            <p:ph type="ftr" sz="quarter" idx="11"/>
+          </p:nvPr>
+        </p:nvSpPr>
+        <p:spPr/>
+        <p:txBody>
+          <a:bodyPr/>
+          <a:lstStyle/>
+          <a:p>
+            <a:r>
+              <a:rPr lang="pl-PL"/>
+              <a:t>https://github.com/novinxy/pyconpl_2025_ast_speech</a:t>
+            </a:r>
+          </a:p>
+        </p:txBody>
+      </p:sp>
+      <p:sp>
+        <p:nvSpPr>
+          <p:cNvPr id="5" name="Slide Number Placeholder 4">
+            <a:extLst>
+              <a:ext uri="{FF2B5EF4-FFF2-40B4-BE49-F238E27FC236}">
+                <a16:creationId xmlns:a16="http://schemas.microsoft.com/office/drawing/2014/main" id="{4A25B2A6-CE91-799A-E57B-F2C38ECA5C1B}"/>
+              </a:ext>
+            </a:extLst>
+          </p:cNvPr>
+          <p:cNvSpPr>
+            <a:spLocks noGrp="1"/>
+          </p:cNvSpPr>
+          <p:nvPr>
+            <p:ph type="sldNum" sz="quarter" idx="12"/>
+          </p:nvPr>
+        </p:nvSpPr>
+        <p:spPr/>
+        <p:txBody>
+          <a:bodyPr/>
+          <a:lstStyle/>
+          <a:p>
+            <a:fld id="{882EC4D0-6887-46E3-8C28-89A9305E756A}" type="slidenum">
+              <a:rPr lang="pl-PL" smtClean="0"/>
+              <a:t>7</a:t>
+            </a:fld>
+            <a:endParaRPr lang="pl-PL"/>
           </a:p>
         </p:txBody>
       </p:sp>
@@ -12239,8 +13213,8 @@
         </p:blipFill>
         <p:spPr bwMode="auto">
           <a:xfrm>
-            <a:off x="4648468" y="2012416"/>
-            <a:ext cx="6752076" cy="4351338"/>
+            <a:off x="2458345" y="2170351"/>
+            <a:ext cx="6505555" cy="4192469"/>
           </a:xfrm>
           <a:prstGeom prst="rect">
             <a:avLst/>
@@ -12257,6 +13231,63 @@
           </a:extLst>
         </p:spPr>
       </p:pic>
+      <p:sp>
+        <p:nvSpPr>
+          <p:cNvPr id="4" name="Footer Placeholder 3">
+            <a:extLst>
+              <a:ext uri="{FF2B5EF4-FFF2-40B4-BE49-F238E27FC236}">
+                <a16:creationId xmlns:a16="http://schemas.microsoft.com/office/drawing/2014/main" id="{C561550F-5138-E769-267E-BBE8DE022C9E}"/>
+              </a:ext>
+            </a:extLst>
+          </p:cNvPr>
+          <p:cNvSpPr>
+            <a:spLocks noGrp="1"/>
+          </p:cNvSpPr>
+          <p:nvPr>
+            <p:ph type="ftr" sz="quarter" idx="11"/>
+          </p:nvPr>
+        </p:nvSpPr>
+        <p:spPr/>
+        <p:txBody>
+          <a:bodyPr/>
+          <a:lstStyle/>
+          <a:p>
+            <a:r>
+              <a:rPr lang="pl-PL"/>
+              <a:t>https://github.com/novinxy/pyconpl_2025_ast_speech</a:t>
+            </a:r>
+          </a:p>
+        </p:txBody>
+      </p:sp>
+      <p:sp>
+        <p:nvSpPr>
+          <p:cNvPr id="5" name="Slide Number Placeholder 4">
+            <a:extLst>
+              <a:ext uri="{FF2B5EF4-FFF2-40B4-BE49-F238E27FC236}">
+                <a16:creationId xmlns:a16="http://schemas.microsoft.com/office/drawing/2014/main" id="{BBB07AB6-C2F3-06D0-8B5E-BDF3129DE1E7}"/>
+              </a:ext>
+            </a:extLst>
+          </p:cNvPr>
+          <p:cNvSpPr>
+            <a:spLocks noGrp="1"/>
+          </p:cNvSpPr>
+          <p:nvPr>
+            <p:ph type="sldNum" sz="quarter" idx="12"/>
+          </p:nvPr>
+        </p:nvSpPr>
+        <p:spPr/>
+        <p:txBody>
+          <a:bodyPr/>
+          <a:lstStyle/>
+          <a:p>
+            <a:fld id="{882EC4D0-6887-46E3-8C28-89A9305E756A}" type="slidenum">
+              <a:rPr lang="pl-PL" smtClean="0"/>
+              <a:t>8</a:t>
+            </a:fld>
+            <a:endParaRPr lang="pl-PL"/>
+          </a:p>
+        </p:txBody>
+      </p:sp>
     </p:spTree>
     <p:extLst>
       <p:ext uri="{BB962C8B-B14F-4D97-AF65-F5344CB8AC3E}">
@@ -12981,6 +14012,63 @@
           <a:p>
             <a:pPr algn="ctr"/>
             <a:endParaRPr lang="en-US"/>
+          </a:p>
+        </p:txBody>
+      </p:sp>
+      <p:sp>
+        <p:nvSpPr>
+          <p:cNvPr id="3" name="Footer Placeholder 2">
+            <a:extLst>
+              <a:ext uri="{FF2B5EF4-FFF2-40B4-BE49-F238E27FC236}">
+                <a16:creationId xmlns:a16="http://schemas.microsoft.com/office/drawing/2014/main" id="{122A7C86-A23B-3B69-0A7D-EE37EA49281D}"/>
+              </a:ext>
+            </a:extLst>
+          </p:cNvPr>
+          <p:cNvSpPr>
+            <a:spLocks noGrp="1"/>
+          </p:cNvSpPr>
+          <p:nvPr>
+            <p:ph type="ftr" sz="quarter" idx="11"/>
+          </p:nvPr>
+        </p:nvSpPr>
+        <p:spPr/>
+        <p:txBody>
+          <a:bodyPr/>
+          <a:lstStyle/>
+          <a:p>
+            <a:r>
+              <a:rPr lang="pl-PL"/>
+              <a:t>https://github.com/novinxy/pyconpl_2025_ast_speech</a:t>
+            </a:r>
+          </a:p>
+        </p:txBody>
+      </p:sp>
+      <p:sp>
+        <p:nvSpPr>
+          <p:cNvPr id="4" name="Slide Number Placeholder 3">
+            <a:extLst>
+              <a:ext uri="{FF2B5EF4-FFF2-40B4-BE49-F238E27FC236}">
+                <a16:creationId xmlns:a16="http://schemas.microsoft.com/office/drawing/2014/main" id="{83AEC7D7-E4E7-C1B7-55AF-76311F6CF5CE}"/>
+              </a:ext>
+            </a:extLst>
+          </p:cNvPr>
+          <p:cNvSpPr>
+            <a:spLocks noGrp="1"/>
+          </p:cNvSpPr>
+          <p:nvPr>
+            <p:ph type="sldNum" sz="quarter" idx="12"/>
+          </p:nvPr>
+        </p:nvSpPr>
+        <p:spPr/>
+        <p:txBody>
+          <a:bodyPr/>
+          <a:lstStyle/>
+          <a:p>
+            <a:fld id="{882EC4D0-6887-46E3-8C28-89A9305E756A}" type="slidenum">
+              <a:rPr lang="pl-PL" smtClean="0"/>
+              <a:t>9</a:t>
+            </a:fld>
+            <a:endParaRPr lang="pl-PL"/>
           </a:p>
         </p:txBody>
       </p:sp>
@@ -13402,4 +14490,319 @@
     </a:ext>
   </a:extLst>
 </a:theme>
+</file>
+
+<file path=ppt/theme/theme2.xml><?xml version="1.0" encoding="utf-8"?>
+<a:theme xmlns:a="http://schemas.openxmlformats.org/drawingml/2006/main" name="Office Theme">
+  <a:themeElements>
+    <a:clrScheme name="Office">
+      <a:dk1>
+        <a:sysClr val="windowText" lastClr="000000"/>
+      </a:dk1>
+      <a:lt1>
+        <a:sysClr val="window" lastClr="FFFFFF"/>
+      </a:lt1>
+      <a:dk2>
+        <a:srgbClr val="0E2841"/>
+      </a:dk2>
+      <a:lt2>
+        <a:srgbClr val="E8E8E8"/>
+      </a:lt2>
+      <a:accent1>
+        <a:srgbClr val="156082"/>
+      </a:accent1>
+      <a:accent2>
+        <a:srgbClr val="E97132"/>
+      </a:accent2>
+      <a:accent3>
+        <a:srgbClr val="196B24"/>
+      </a:accent3>
+      <a:accent4>
+        <a:srgbClr val="0F9ED5"/>
+      </a:accent4>
+      <a:accent5>
+        <a:srgbClr val="A02B93"/>
+      </a:accent5>
+      <a:accent6>
+        <a:srgbClr val="4EA72E"/>
+      </a:accent6>
+      <a:hlink>
+        <a:srgbClr val="467886"/>
+      </a:hlink>
+      <a:folHlink>
+        <a:srgbClr val="96607D"/>
+      </a:folHlink>
+    </a:clrScheme>
+    <a:fontScheme name="Office">
+      <a:majorFont>
+        <a:latin typeface="Aptos Display" panose="02110004020202020204"/>
+        <a:ea typeface=""/>
+        <a:cs typeface=""/>
+        <a:font script="Jpan" typeface="游ゴシック Light"/>
+        <a:font script="Hang" typeface="맑은 고딕"/>
+        <a:font script="Hans" typeface="等线 Light"/>
+        <a:font script="Hant" typeface="新細明體"/>
+        <a:font script="Arab" typeface="Times New Roman"/>
+        <a:font script="Hebr" typeface="Times New Roman"/>
+        <a:font script="Thai" typeface="Angsana New"/>
+        <a:font script="Ethi" typeface="Nyala"/>
+        <a:font script="Beng" typeface="Vrinda"/>
+        <a:font script="Gujr" typeface="Shruti"/>
+        <a:font script="Khmr" typeface="MoolBoran"/>
+        <a:font script="Knda" typeface="Tunga"/>
+        <a:font script="Guru" typeface="Raavi"/>
+        <a:font script="Cans" typeface="Euphemia"/>
+        <a:font script="Cher" typeface="Plantagenet Cherokee"/>
+        <a:font script="Yiii" typeface="Microsoft Yi Baiti"/>
+        <a:font script="Tibt" typeface="Microsoft Himalaya"/>
+        <a:font script="Thaa" typeface="MV Boli"/>
+        <a:font script="Deva" typeface="Mangal"/>
+        <a:font script="Telu" typeface="Gautami"/>
+        <a:font script="Taml" typeface="Latha"/>
+        <a:font script="Syrc" typeface="Estrangelo Edessa"/>
+        <a:font script="Orya" typeface="Kalinga"/>
+        <a:font script="Mlym" typeface="Kartika"/>
+        <a:font script="Laoo" typeface="DokChampa"/>
+        <a:font script="Sinh" typeface="Iskoola Pota"/>
+        <a:font script="Mong" typeface="Mongolian Baiti"/>
+        <a:font script="Viet" typeface="Times New Roman"/>
+        <a:font script="Uigh" typeface="Microsoft Uighur"/>
+        <a:font script="Geor" typeface="Sylfaen"/>
+        <a:font script="Armn" typeface="Arial"/>
+        <a:font script="Bugi" typeface="Leelawadee UI"/>
+        <a:font script="Bopo" typeface="Microsoft JhengHei"/>
+        <a:font script="Java" typeface="Javanese Text"/>
+        <a:font script="Lisu" typeface="Segoe UI"/>
+        <a:font script="Mymr" typeface="Myanmar Text"/>
+        <a:font script="Nkoo" typeface="Ebrima"/>
+        <a:font script="Olck" typeface="Nirmala UI"/>
+        <a:font script="Osma" typeface="Ebrima"/>
+        <a:font script="Phag" typeface="Phagspa"/>
+        <a:font script="Syrn" typeface="Estrangelo Edessa"/>
+        <a:font script="Syrj" typeface="Estrangelo Edessa"/>
+        <a:font script="Syre" typeface="Estrangelo Edessa"/>
+        <a:font script="Sora" typeface="Nirmala UI"/>
+        <a:font script="Tale" typeface="Microsoft Tai Le"/>
+        <a:font script="Talu" typeface="Microsoft New Tai Lue"/>
+        <a:font script="Tfng" typeface="Ebrima"/>
+      </a:majorFont>
+      <a:minorFont>
+        <a:latin typeface="Aptos" panose="02110004020202020204"/>
+        <a:ea typeface=""/>
+        <a:cs typeface=""/>
+        <a:font script="Jpan" typeface="游ゴシック"/>
+        <a:font script="Hang" typeface="맑은 고딕"/>
+        <a:font script="Hans" typeface="等线"/>
+        <a:font script="Hant" typeface="新細明體"/>
+        <a:font script="Arab" typeface="Arial"/>
+        <a:font script="Hebr" typeface="Arial"/>
+        <a:font script="Thai" typeface="Cordia New"/>
+        <a:font script="Ethi" typeface="Nyala"/>
+        <a:font script="Beng" typeface="Vrinda"/>
+        <a:font script="Gujr" typeface="Shruti"/>
+        <a:font script="Khmr" typeface="DaunPenh"/>
+        <a:font script="Knda" typeface="Tunga"/>
+        <a:font script="Guru" typeface="Raavi"/>
+        <a:font script="Cans" typeface="Euphemia"/>
+        <a:font script="Cher" typeface="Plantagenet Cherokee"/>
+        <a:font script="Yiii" typeface="Microsoft Yi Baiti"/>
+        <a:font script="Tibt" typeface="Microsoft Himalaya"/>
+        <a:font script="Thaa" typeface="MV Boli"/>
+        <a:font script="Deva" typeface="Mangal"/>
+        <a:font script="Telu" typeface="Gautami"/>
+        <a:font script="Taml" typeface="Latha"/>
+        <a:font script="Syrc" typeface="Estrangelo Edessa"/>
+        <a:font script="Orya" typeface="Kalinga"/>
+        <a:font script="Mlym" typeface="Kartika"/>
+        <a:font script="Laoo" typeface="DokChampa"/>
+        <a:font script="Sinh" typeface="Iskoola Pota"/>
+        <a:font script="Mong" typeface="Mongolian Baiti"/>
+        <a:font script="Viet" typeface="Arial"/>
+        <a:font script="Uigh" typeface="Microsoft Uighur"/>
+        <a:font script="Geor" typeface="Sylfaen"/>
+        <a:font script="Armn" typeface="Arial"/>
+        <a:font script="Bugi" typeface="Leelawadee UI"/>
+        <a:font script="Bopo" typeface="Microsoft JhengHei"/>
+        <a:font script="Java" typeface="Javanese Text"/>
+        <a:font script="Lisu" typeface="Segoe UI"/>
+        <a:font script="Mymr" typeface="Myanmar Text"/>
+        <a:font script="Nkoo" typeface="Ebrima"/>
+        <a:font script="Olck" typeface="Nirmala UI"/>
+        <a:font script="Osma" typeface="Ebrima"/>
+        <a:font script="Phag" typeface="Phagspa"/>
+        <a:font script="Syrn" typeface="Estrangelo Edessa"/>
+        <a:font script="Syrj" typeface="Estrangelo Edessa"/>
+        <a:font script="Syre" typeface="Estrangelo Edessa"/>
+        <a:font script="Sora" typeface="Nirmala UI"/>
+        <a:font script="Tale" typeface="Microsoft Tai Le"/>
+        <a:font script="Talu" typeface="Microsoft New Tai Lue"/>
+        <a:font script="Tfng" typeface="Ebrima"/>
+      </a:minorFont>
+    </a:fontScheme>
+    <a:fmtScheme name="Office">
+      <a:fillStyleLst>
+        <a:solidFill>
+          <a:schemeClr val="phClr"/>
+        </a:solidFill>
+        <a:gradFill rotWithShape="1">
+          <a:gsLst>
+            <a:gs pos="0">
+              <a:schemeClr val="phClr">
+                <a:lumMod val="110000"/>
+                <a:satMod val="105000"/>
+                <a:tint val="67000"/>
+              </a:schemeClr>
+            </a:gs>
+            <a:gs pos="50000">
+              <a:schemeClr val="phClr">
+                <a:lumMod val="105000"/>
+                <a:satMod val="103000"/>
+                <a:tint val="73000"/>
+              </a:schemeClr>
+            </a:gs>
+            <a:gs pos="100000">
+              <a:schemeClr val="phClr">
+                <a:lumMod val="105000"/>
+                <a:satMod val="109000"/>
+                <a:tint val="81000"/>
+              </a:schemeClr>
+            </a:gs>
+          </a:gsLst>
+          <a:lin ang="5400000" scaled="0"/>
+        </a:gradFill>
+        <a:gradFill rotWithShape="1">
+          <a:gsLst>
+            <a:gs pos="0">
+              <a:schemeClr val="phClr">
+                <a:satMod val="103000"/>
+                <a:lumMod val="102000"/>
+                <a:tint val="94000"/>
+              </a:schemeClr>
+            </a:gs>
+            <a:gs pos="50000">
+              <a:schemeClr val="phClr">
+                <a:satMod val="110000"/>
+                <a:lumMod val="100000"/>
+                <a:shade val="100000"/>
+              </a:schemeClr>
+            </a:gs>
+            <a:gs pos="100000">
+              <a:schemeClr val="phClr">
+                <a:lumMod val="99000"/>
+                <a:satMod val="120000"/>
+                <a:shade val="78000"/>
+              </a:schemeClr>
+            </a:gs>
+          </a:gsLst>
+          <a:lin ang="5400000" scaled="0"/>
+        </a:gradFill>
+      </a:fillStyleLst>
+      <a:lnStyleLst>
+        <a:ln w="12700" cap="flat" cmpd="sng" algn="ctr">
+          <a:solidFill>
+            <a:schemeClr val="phClr"/>
+          </a:solidFill>
+          <a:prstDash val="solid"/>
+          <a:miter lim="800000"/>
+        </a:ln>
+        <a:ln w="19050" cap="flat" cmpd="sng" algn="ctr">
+          <a:solidFill>
+            <a:schemeClr val="phClr"/>
+          </a:solidFill>
+          <a:prstDash val="solid"/>
+          <a:miter lim="800000"/>
+        </a:ln>
+        <a:ln w="25400" cap="flat" cmpd="sng" algn="ctr">
+          <a:solidFill>
+            <a:schemeClr val="phClr"/>
+          </a:solidFill>
+          <a:prstDash val="solid"/>
+          <a:miter lim="800000"/>
+        </a:ln>
+      </a:lnStyleLst>
+      <a:effectStyleLst>
+        <a:effectStyle>
+          <a:effectLst/>
+        </a:effectStyle>
+        <a:effectStyle>
+          <a:effectLst/>
+        </a:effectStyle>
+        <a:effectStyle>
+          <a:effectLst>
+            <a:outerShdw blurRad="57150" dist="19050" dir="5400000" algn="ctr" rotWithShape="0">
+              <a:srgbClr val="000000">
+                <a:alpha val="63000"/>
+              </a:srgbClr>
+            </a:outerShdw>
+          </a:effectLst>
+        </a:effectStyle>
+      </a:effectStyleLst>
+      <a:bgFillStyleLst>
+        <a:solidFill>
+          <a:schemeClr val="phClr"/>
+        </a:solidFill>
+        <a:solidFill>
+          <a:schemeClr val="phClr">
+            <a:tint val="95000"/>
+            <a:satMod val="170000"/>
+          </a:schemeClr>
+        </a:solidFill>
+        <a:gradFill rotWithShape="1">
+          <a:gsLst>
+            <a:gs pos="0">
+              <a:schemeClr val="phClr">
+                <a:tint val="93000"/>
+                <a:satMod val="150000"/>
+                <a:shade val="98000"/>
+                <a:lumMod val="102000"/>
+              </a:schemeClr>
+            </a:gs>
+            <a:gs pos="50000">
+              <a:schemeClr val="phClr">
+                <a:tint val="98000"/>
+                <a:satMod val="130000"/>
+                <a:shade val="90000"/>
+                <a:lumMod val="103000"/>
+              </a:schemeClr>
+            </a:gs>
+            <a:gs pos="100000">
+              <a:schemeClr val="phClr">
+                <a:shade val="63000"/>
+                <a:satMod val="120000"/>
+              </a:schemeClr>
+            </a:gs>
+          </a:gsLst>
+          <a:lin ang="5400000" scaled="0"/>
+        </a:gradFill>
+      </a:bgFillStyleLst>
+    </a:fmtScheme>
+  </a:themeElements>
+  <a:objectDefaults>
+    <a:lnDef>
+      <a:spPr/>
+      <a:bodyPr/>
+      <a:lstStyle/>
+      <a:style>
+        <a:lnRef idx="2">
+          <a:schemeClr val="accent1"/>
+        </a:lnRef>
+        <a:fillRef idx="0">
+          <a:schemeClr val="accent1"/>
+        </a:fillRef>
+        <a:effectRef idx="1">
+          <a:schemeClr val="accent1"/>
+        </a:effectRef>
+        <a:fontRef idx="minor">
+          <a:schemeClr val="tx1"/>
+        </a:fontRef>
+      </a:style>
+    </a:lnDef>
+  </a:objectDefaults>
+  <a:extraClrSchemeLst/>
+  <a:extLst>
+    <a:ext uri="{05A4C25C-085E-4340-85A3-A5531E510DB2}">
+      <thm15:themeFamily xmlns:thm15="http://schemas.microsoft.com/office/thememl/2012/main" name="Office Theme" id="{2E142A2C-CD16-42D6-873A-C26D2A0506FA}" vid="{1BDDFF52-6CD6-40A5-AB3C-68EB2F1E4D0A}"/>
+    </a:ext>
+  </a:extLst>
+</a:theme>
 </file>
--- a/presentation.pptx
+++ b/presentation.pptx
@@ -10,8 +10,8 @@
   <p:sldIdLst>
     <p:sldId id="256" r:id="rId2"/>
     <p:sldId id="276" r:id="rId3"/>
-    <p:sldId id="278" r:id="rId4"/>
-    <p:sldId id="266" r:id="rId5"/>
+    <p:sldId id="266" r:id="rId4"/>
+    <p:sldId id="280" r:id="rId5"/>
     <p:sldId id="277" r:id="rId6"/>
     <p:sldId id="272" r:id="rId7"/>
     <p:sldId id="275" r:id="rId8"/>
@@ -6526,8 +6526,8 @@
         </p:nvSpPr>
         <p:spPr>
           <a:xfrm>
-            <a:off x="5553764" y="2740749"/>
-            <a:ext cx="1084470" cy="805824"/>
+            <a:off x="4110729" y="2870553"/>
+            <a:ext cx="2735246" cy="805824"/>
           </a:xfrm>
         </p:spPr>
         <p:txBody>
@@ -6546,7 +6546,7 @@
                 <a:ea typeface="+mj-ea"/>
                 <a:cs typeface="+mj-cs"/>
               </a:rPr>
-              <a:t>QA</a:t>
+              <a:t>Thank you</a:t>
             </a:r>
           </a:p>
         </p:txBody>
@@ -7877,977 +7877,6 @@
     </p:bg>
     <p:spTree>
       <p:nvGrpSpPr>
-        <p:cNvPr id="1" name="">
-          <a:extLst>
-            <a:ext uri="{FF2B5EF4-FFF2-40B4-BE49-F238E27FC236}">
-              <a16:creationId xmlns:a16="http://schemas.microsoft.com/office/drawing/2014/main" id="{3B43EDCA-C331-C0DA-77C5-95BD24EFB931}"/>
-            </a:ext>
-          </a:extLst>
-        </p:cNvPr>
-        <p:cNvGrpSpPr/>
-        <p:nvPr/>
-      </p:nvGrpSpPr>
-      <p:grpSpPr>
-        <a:xfrm>
-          <a:off x="0" y="0"/>
-          <a:ext cx="0" cy="0"/>
-          <a:chOff x="0" y="0"/>
-          <a:chExt cx="0" cy="0"/>
-        </a:xfrm>
-      </p:grpSpPr>
-      <p:sp useBgFill="1">
-        <p:nvSpPr>
-          <p:cNvPr id="8" name="Rectangle 7">
-            <a:extLst>
-              <a:ext uri="{FF2B5EF4-FFF2-40B4-BE49-F238E27FC236}">
-                <a16:creationId xmlns:a16="http://schemas.microsoft.com/office/drawing/2014/main" id="{D355048A-A5B0-1EE9-42C2-9FB816BBE3AD}"/>
-              </a:ext>
-              <a:ext uri="{C183D7F6-B498-43B3-948B-1728B52AA6E4}">
-                <adec:decorative xmlns:adec="http://schemas.microsoft.com/office/drawing/2017/decorative" val="1"/>
-              </a:ext>
-            </a:extLst>
-          </p:cNvPr>
-          <p:cNvSpPr>
-            <a:spLocks noGrp="1" noRot="1" noChangeAspect="1" noMove="1" noResize="1" noEditPoints="1" noAdjustHandles="1" noChangeArrowheads="1" noChangeShapeType="1" noTextEdit="1"/>
-          </p:cNvSpPr>
-          <p:nvPr>
-            <p:extLst>
-              <p:ext uri="{386F3935-93C4-4BCD-93E2-E3B085C9AB24}">
-                <p16:designElem xmlns:p16="http://schemas.microsoft.com/office/powerpoint/2015/main" val="1"/>
-              </p:ext>
-            </p:extLst>
-          </p:nvPr>
-        </p:nvSpPr>
-        <p:spPr>
-          <a:xfrm>
-            <a:off x="0" y="0"/>
-            <a:ext cx="12192000" cy="6858000"/>
-          </a:xfrm>
-          <a:prstGeom prst="rect">
-            <a:avLst/>
-          </a:prstGeom>
-          <a:ln w="12700" cap="flat" cmpd="sng" algn="ctr">
-            <a:noFill/>
-            <a:prstDash val="solid"/>
-            <a:miter lim="800000"/>
-          </a:ln>
-          <a:effectLst/>
-          <a:extLst>
-            <a:ext uri="{91240B29-F687-4F45-9708-019B960494DF}">
-              <a14:hiddenLine xmlns:a14="http://schemas.microsoft.com/office/drawing/2010/main" w="12700" cap="flat" cmpd="sng" algn="ctr">
-                <a:solidFill>
-                  <a:schemeClr val="accent1">
-                    <a:shade val="50000"/>
-                  </a:schemeClr>
-                </a:solidFill>
-                <a:prstDash val="solid"/>
-                <a:miter lim="800000"/>
-              </a14:hiddenLine>
-            </a:ext>
-          </a:extLst>
-        </p:spPr>
-        <p:style>
-          <a:lnRef idx="2">
-            <a:schemeClr val="accent1">
-              <a:shade val="50000"/>
-            </a:schemeClr>
-          </a:lnRef>
-          <a:fillRef idx="1">
-            <a:schemeClr val="accent1"/>
-          </a:fillRef>
-          <a:effectRef idx="0">
-            <a:schemeClr val="accent1"/>
-          </a:effectRef>
-          <a:fontRef idx="minor">
-            <a:schemeClr val="lt1"/>
-          </a:fontRef>
-        </p:style>
-        <p:txBody>
-          <a:bodyPr rtlCol="0" anchor="ctr"/>
-          <a:lstStyle/>
-          <a:p>
-            <a:pPr algn="ctr"/>
-            <a:endParaRPr lang="en-US"/>
-          </a:p>
-        </p:txBody>
-      </p:sp>
-      <p:sp>
-        <p:nvSpPr>
-          <p:cNvPr id="10" name="Rectangle 9">
-            <a:extLst>
-              <a:ext uri="{FF2B5EF4-FFF2-40B4-BE49-F238E27FC236}">
-                <a16:creationId xmlns:a16="http://schemas.microsoft.com/office/drawing/2014/main" id="{3DB185AE-B38A-FC6D-509B-2DBB7EC41542}"/>
-              </a:ext>
-              <a:ext uri="{C183D7F6-B498-43B3-948B-1728B52AA6E4}">
-                <adec:decorative xmlns:adec="http://schemas.microsoft.com/office/drawing/2017/decorative" val="1"/>
-              </a:ext>
-            </a:extLst>
-          </p:cNvPr>
-          <p:cNvSpPr>
-            <a:spLocks noGrp="1" noRot="1" noChangeAspect="1" noMove="1" noResize="1" noEditPoints="1" noAdjustHandles="1" noChangeArrowheads="1" noChangeShapeType="1" noTextEdit="1"/>
-          </p:cNvSpPr>
-          <p:nvPr>
-            <p:extLst>
-              <p:ext uri="{386F3935-93C4-4BCD-93E2-E3B085C9AB24}">
-                <p16:designElem xmlns:p16="http://schemas.microsoft.com/office/powerpoint/2015/main" val="1"/>
-              </p:ext>
-            </p:extLst>
-          </p:nvPr>
-        </p:nvSpPr>
-        <p:spPr>
-          <a:xfrm rot="10800000">
-            <a:off x="-2" y="-22693"/>
-            <a:ext cx="12191999" cy="4374129"/>
-          </a:xfrm>
-          <a:prstGeom prst="rect">
-            <a:avLst/>
-          </a:prstGeom>
-          <a:gradFill>
-            <a:gsLst>
-              <a:gs pos="0">
-                <a:schemeClr val="accent1">
-                  <a:lumMod val="75000"/>
-                </a:schemeClr>
-              </a:gs>
-              <a:gs pos="100000">
-                <a:srgbClr val="000000"/>
-              </a:gs>
-            </a:gsLst>
-            <a:lin ang="15000000" scaled="0"/>
-          </a:gradFill>
-          <a:ln>
-            <a:noFill/>
-          </a:ln>
-        </p:spPr>
-        <p:style>
-          <a:lnRef idx="2">
-            <a:schemeClr val="accent1">
-              <a:shade val="50000"/>
-            </a:schemeClr>
-          </a:lnRef>
-          <a:fillRef idx="1">
-            <a:schemeClr val="accent1"/>
-          </a:fillRef>
-          <a:effectRef idx="0">
-            <a:schemeClr val="accent1"/>
-          </a:effectRef>
-          <a:fontRef idx="minor">
-            <a:schemeClr val="lt1"/>
-          </a:fontRef>
-        </p:style>
-        <p:txBody>
-          <a:bodyPr rtlCol="0" anchor="ctr"/>
-          <a:lstStyle/>
-          <a:p>
-            <a:pPr algn="ctr"/>
-            <a:endParaRPr lang="en-US"/>
-          </a:p>
-        </p:txBody>
-      </p:sp>
-      <p:sp>
-        <p:nvSpPr>
-          <p:cNvPr id="12" name="Rectangle 11">
-            <a:extLst>
-              <a:ext uri="{FF2B5EF4-FFF2-40B4-BE49-F238E27FC236}">
-                <a16:creationId xmlns:a16="http://schemas.microsoft.com/office/drawing/2014/main" id="{86983080-1E74-BD56-8E8B-19E5DE7F8627}"/>
-              </a:ext>
-              <a:ext uri="{C183D7F6-B498-43B3-948B-1728B52AA6E4}">
-                <adec:decorative xmlns:adec="http://schemas.microsoft.com/office/drawing/2017/decorative" val="1"/>
-              </a:ext>
-            </a:extLst>
-          </p:cNvPr>
-          <p:cNvSpPr>
-            <a:spLocks noGrp="1" noRot="1" noChangeAspect="1" noMove="1" noResize="1" noEditPoints="1" noAdjustHandles="1" noChangeArrowheads="1" noChangeShapeType="1" noTextEdit="1"/>
-          </p:cNvSpPr>
-          <p:nvPr>
-            <p:extLst>
-              <p:ext uri="{386F3935-93C4-4BCD-93E2-E3B085C9AB24}">
-                <p16:designElem xmlns:p16="http://schemas.microsoft.com/office/powerpoint/2015/main" val="1"/>
-              </p:ext>
-            </p:extLst>
-          </p:nvPr>
-        </p:nvSpPr>
-        <p:spPr>
-          <a:xfrm rot="5400000">
-            <a:off x="3908719" y="-3931841"/>
-            <a:ext cx="4374557" cy="12192000"/>
-          </a:xfrm>
-          <a:prstGeom prst="rect">
-            <a:avLst/>
-          </a:prstGeom>
-          <a:gradFill>
-            <a:gsLst>
-              <a:gs pos="40000">
-                <a:schemeClr val="accent1">
-                  <a:alpha val="0"/>
-                </a:schemeClr>
-              </a:gs>
-              <a:gs pos="100000">
-                <a:schemeClr val="accent1">
-                  <a:lumMod val="75000"/>
-                  <a:alpha val="52000"/>
-                </a:schemeClr>
-              </a:gs>
-            </a:gsLst>
-            <a:lin ang="2400000" scaled="0"/>
-          </a:gradFill>
-          <a:ln>
-            <a:noFill/>
-          </a:ln>
-        </p:spPr>
-        <p:style>
-          <a:lnRef idx="2">
-            <a:schemeClr val="accent1">
-              <a:shade val="50000"/>
-            </a:schemeClr>
-          </a:lnRef>
-          <a:fillRef idx="1">
-            <a:schemeClr val="accent1"/>
-          </a:fillRef>
-          <a:effectRef idx="0">
-            <a:schemeClr val="accent1"/>
-          </a:effectRef>
-          <a:fontRef idx="minor">
-            <a:schemeClr val="lt1"/>
-          </a:fontRef>
-        </p:style>
-        <p:txBody>
-          <a:bodyPr rtlCol="0" anchor="ctr"/>
-          <a:lstStyle/>
-          <a:p>
-            <a:pPr algn="ctr"/>
-            <a:endParaRPr lang="en-US"/>
-          </a:p>
-        </p:txBody>
-      </p:sp>
-      <p:sp>
-        <p:nvSpPr>
-          <p:cNvPr id="14" name="Rectangle 13">
-            <a:extLst>
-              <a:ext uri="{FF2B5EF4-FFF2-40B4-BE49-F238E27FC236}">
-                <a16:creationId xmlns:a16="http://schemas.microsoft.com/office/drawing/2014/main" id="{44A8269F-A598-B987-95BB-43ACE665E0A9}"/>
-              </a:ext>
-              <a:ext uri="{C183D7F6-B498-43B3-948B-1728B52AA6E4}">
-                <adec:decorative xmlns:adec="http://schemas.microsoft.com/office/drawing/2017/decorative" val="1"/>
-              </a:ext>
-            </a:extLst>
-          </p:cNvPr>
-          <p:cNvSpPr>
-            <a:spLocks noGrp="1" noRot="1" noChangeAspect="1" noMove="1" noResize="1" noEditPoints="1" noAdjustHandles="1" noChangeArrowheads="1" noChangeShapeType="1" noTextEdit="1"/>
-          </p:cNvSpPr>
-          <p:nvPr>
-            <p:extLst>
-              <p:ext uri="{386F3935-93C4-4BCD-93E2-E3B085C9AB24}">
-                <p16:designElem xmlns:p16="http://schemas.microsoft.com/office/powerpoint/2015/main" val="1"/>
-              </p:ext>
-            </p:extLst>
-          </p:nvPr>
-        </p:nvSpPr>
-        <p:spPr>
-          <a:xfrm rot="5400000">
-            <a:off x="4136696" y="-3703868"/>
-            <a:ext cx="4374128" cy="11736479"/>
-          </a:xfrm>
-          <a:prstGeom prst="rect">
-            <a:avLst/>
-          </a:prstGeom>
-          <a:gradFill>
-            <a:gsLst>
-              <a:gs pos="17000">
-                <a:schemeClr val="accent1">
-                  <a:alpha val="0"/>
-                </a:schemeClr>
-              </a:gs>
-              <a:gs pos="100000">
-                <a:srgbClr val="000000">
-                  <a:alpha val="37000"/>
-                </a:srgbClr>
-              </a:gs>
-            </a:gsLst>
-            <a:lin ang="7800000" scaled="0"/>
-          </a:gradFill>
-          <a:ln>
-            <a:noFill/>
-          </a:ln>
-        </p:spPr>
-        <p:style>
-          <a:lnRef idx="2">
-            <a:schemeClr val="accent1">
-              <a:shade val="50000"/>
-            </a:schemeClr>
-          </a:lnRef>
-          <a:fillRef idx="1">
-            <a:schemeClr val="accent1"/>
-          </a:fillRef>
-          <a:effectRef idx="0">
-            <a:schemeClr val="accent1"/>
-          </a:effectRef>
-          <a:fontRef idx="minor">
-            <a:schemeClr val="lt1"/>
-          </a:fontRef>
-        </p:style>
-        <p:txBody>
-          <a:bodyPr rtlCol="0" anchor="ctr"/>
-          <a:lstStyle/>
-          <a:p>
-            <a:pPr algn="ctr"/>
-            <a:endParaRPr lang="en-US"/>
-          </a:p>
-        </p:txBody>
-      </p:sp>
-      <p:sp>
-        <p:nvSpPr>
-          <p:cNvPr id="16" name="Rectangle 15">
-            <a:extLst>
-              <a:ext uri="{FF2B5EF4-FFF2-40B4-BE49-F238E27FC236}">
-                <a16:creationId xmlns:a16="http://schemas.microsoft.com/office/drawing/2014/main" id="{053EE3CD-96E4-3A3B-A607-2F61887ED2A2}"/>
-              </a:ext>
-              <a:ext uri="{C183D7F6-B498-43B3-948B-1728B52AA6E4}">
-                <adec:decorative xmlns:adec="http://schemas.microsoft.com/office/drawing/2017/decorative" val="1"/>
-              </a:ext>
-            </a:extLst>
-          </p:cNvPr>
-          <p:cNvSpPr>
-            <a:spLocks noGrp="1" noRot="1" noChangeAspect="1" noMove="1" noResize="1" noEditPoints="1" noAdjustHandles="1" noChangeArrowheads="1" noChangeShapeType="1" noTextEdit="1"/>
-          </p:cNvSpPr>
-          <p:nvPr>
-            <p:extLst>
-              <p:ext uri="{386F3935-93C4-4BCD-93E2-E3B085C9AB24}">
-                <p16:designElem xmlns:p16="http://schemas.microsoft.com/office/powerpoint/2015/main" val="1"/>
-              </p:ext>
-            </p:extLst>
-          </p:nvPr>
-        </p:nvSpPr>
-        <p:spPr>
-          <a:xfrm>
-            <a:off x="-5" y="-22690"/>
-            <a:ext cx="8542485" cy="4374126"/>
-          </a:xfrm>
-          <a:prstGeom prst="rect">
-            <a:avLst/>
-          </a:prstGeom>
-          <a:gradFill>
-            <a:gsLst>
-              <a:gs pos="0">
-                <a:schemeClr val="accent1">
-                  <a:lumMod val="50000"/>
-                  <a:alpha val="0"/>
-                </a:schemeClr>
-              </a:gs>
-              <a:gs pos="100000">
-                <a:srgbClr val="000000">
-                  <a:alpha val="25000"/>
-                </a:srgbClr>
-              </a:gs>
-            </a:gsLst>
-            <a:lin ang="18600000" scaled="0"/>
-          </a:gradFill>
-          <a:ln>
-            <a:noFill/>
-          </a:ln>
-        </p:spPr>
-        <p:style>
-          <a:lnRef idx="2">
-            <a:schemeClr val="accent1">
-              <a:shade val="50000"/>
-            </a:schemeClr>
-          </a:lnRef>
-          <a:fillRef idx="1">
-            <a:schemeClr val="accent1"/>
-          </a:fillRef>
-          <a:effectRef idx="0">
-            <a:schemeClr val="accent1"/>
-          </a:effectRef>
-          <a:fontRef idx="minor">
-            <a:schemeClr val="lt1"/>
-          </a:fontRef>
-        </p:style>
-        <p:txBody>
-          <a:bodyPr rtlCol="0" anchor="ctr"/>
-          <a:lstStyle/>
-          <a:p>
-            <a:pPr algn="ctr"/>
-            <a:endParaRPr lang="en-US"/>
-          </a:p>
-        </p:txBody>
-      </p:sp>
-      <p:sp>
-        <p:nvSpPr>
-          <p:cNvPr id="18" name="Freeform: Shape 17">
-            <a:extLst>
-              <a:ext uri="{FF2B5EF4-FFF2-40B4-BE49-F238E27FC236}">
-                <a16:creationId xmlns:a16="http://schemas.microsoft.com/office/drawing/2014/main" id="{B37D044C-AD1C-DA36-609B-A9CDE1DBFE8B}"/>
-              </a:ext>
-              <a:ext uri="{C183D7F6-B498-43B3-948B-1728B52AA6E4}">
-                <adec:decorative xmlns:adec="http://schemas.microsoft.com/office/drawing/2017/decorative" val="1"/>
-              </a:ext>
-            </a:extLst>
-          </p:cNvPr>
-          <p:cNvSpPr>
-            <a:spLocks noGrp="1" noRot="1" noChangeAspect="1" noMove="1" noResize="1" noEditPoints="1" noAdjustHandles="1" noChangeArrowheads="1" noChangeShapeType="1" noTextEdit="1"/>
-          </p:cNvSpPr>
-          <p:nvPr>
-            <p:extLst>
-              <p:ext uri="{386F3935-93C4-4BCD-93E2-E3B085C9AB24}">
-                <p16:designElem xmlns:p16="http://schemas.microsoft.com/office/powerpoint/2015/main" val="1"/>
-              </p:ext>
-            </p:extLst>
-          </p:nvPr>
-        </p:nvSpPr>
-        <p:spPr>
-          <a:xfrm rot="12508972">
-            <a:off x="5945431" y="-1032053"/>
-            <a:ext cx="4990147" cy="4439131"/>
-          </a:xfrm>
-          <a:custGeom>
-            <a:avLst/>
-            <a:gdLst>
-              <a:gd name="connsiteX0" fmla="*/ 4990147 w 4990147"/>
-              <a:gd name="connsiteY0" fmla="*/ 2229378 h 4439131"/>
-              <a:gd name="connsiteX1" fmla="*/ 917384 w 4990147"/>
-              <a:gd name="connsiteY1" fmla="*/ 4439131 h 4439131"/>
-              <a:gd name="connsiteX2" fmla="*/ 910814 w 4990147"/>
-              <a:gd name="connsiteY2" fmla="*/ 4434219 h 4439131"/>
-              <a:gd name="connsiteX3" fmla="*/ 0 w 4990147"/>
-              <a:gd name="connsiteY3" fmla="*/ 2502877 h 4439131"/>
-              <a:gd name="connsiteX4" fmla="*/ 2502877 w 4990147"/>
-              <a:gd name="connsiteY4" fmla="*/ 0 h 4439131"/>
-              <a:gd name="connsiteX5" fmla="*/ 4954904 w 4990147"/>
-              <a:gd name="connsiteY5" fmla="*/ 1998460 h 4439131"/>
-            </a:gdLst>
-            <a:ahLst/>
-            <a:cxnLst>
-              <a:cxn ang="0">
-                <a:pos x="connsiteX0" y="connsiteY0"/>
-              </a:cxn>
-              <a:cxn ang="0">
-                <a:pos x="connsiteX1" y="connsiteY1"/>
-              </a:cxn>
-              <a:cxn ang="0">
-                <a:pos x="connsiteX2" y="connsiteY2"/>
-              </a:cxn>
-              <a:cxn ang="0">
-                <a:pos x="connsiteX3" y="connsiteY3"/>
-              </a:cxn>
-              <a:cxn ang="0">
-                <a:pos x="connsiteX4" y="connsiteY4"/>
-              </a:cxn>
-              <a:cxn ang="0">
-                <a:pos x="connsiteX5" y="connsiteY5"/>
-              </a:cxn>
-            </a:cxnLst>
-            <a:rect l="l" t="t" r="r" b="b"/>
-            <a:pathLst>
-              <a:path w="4990147" h="4439131">
-                <a:moveTo>
-                  <a:pt x="4990147" y="2229378"/>
-                </a:moveTo>
-                <a:lnTo>
-                  <a:pt x="917384" y="4439131"/>
-                </a:lnTo>
-                <a:lnTo>
-                  <a:pt x="910814" y="4434219"/>
-                </a:lnTo>
-                <a:cubicBezTo>
-                  <a:pt x="354557" y="3975154"/>
-                  <a:pt x="0" y="3280421"/>
-                  <a:pt x="0" y="2502877"/>
-                </a:cubicBezTo>
-                <a:cubicBezTo>
-                  <a:pt x="0" y="1120576"/>
-                  <a:pt x="1120576" y="0"/>
-                  <a:pt x="2502877" y="0"/>
-                </a:cubicBezTo>
-                <a:cubicBezTo>
-                  <a:pt x="3712390" y="0"/>
-                  <a:pt x="4721520" y="857941"/>
-                  <a:pt x="4954904" y="1998460"/>
-                </a:cubicBezTo>
-                <a:close/>
-              </a:path>
-            </a:pathLst>
-          </a:custGeom>
-          <a:gradFill>
-            <a:gsLst>
-              <a:gs pos="0">
-                <a:schemeClr val="accent1">
-                  <a:alpha val="22000"/>
-                </a:schemeClr>
-              </a:gs>
-              <a:gs pos="87000">
-                <a:schemeClr val="accent1">
-                  <a:lumMod val="60000"/>
-                  <a:lumOff val="40000"/>
-                  <a:alpha val="2000"/>
-                </a:schemeClr>
-              </a:gs>
-            </a:gsLst>
-            <a:lin ang="8400000" scaled="0"/>
-          </a:gradFill>
-          <a:ln>
-            <a:noFill/>
-          </a:ln>
-        </p:spPr>
-        <p:style>
-          <a:lnRef idx="2">
-            <a:schemeClr val="accent1">
-              <a:shade val="50000"/>
-            </a:schemeClr>
-          </a:lnRef>
-          <a:fillRef idx="1">
-            <a:schemeClr val="accent1"/>
-          </a:fillRef>
-          <a:effectRef idx="0">
-            <a:schemeClr val="accent1"/>
-          </a:effectRef>
-          <a:fontRef idx="minor">
-            <a:schemeClr val="lt1"/>
-          </a:fontRef>
-        </p:style>
-        <p:txBody>
-          <a:bodyPr wrap="square" rtlCol="0" anchor="ctr">
-            <a:noAutofit/>
-          </a:bodyPr>
-          <a:lstStyle/>
-          <a:p>
-            <a:pPr algn="ctr"/>
-            <a:endParaRPr lang="en-US" dirty="0"/>
-          </a:p>
-        </p:txBody>
-      </p:sp>
-      <p:sp>
-        <p:nvSpPr>
-          <p:cNvPr id="2" name="Title 1">
-            <a:extLst>
-              <a:ext uri="{FF2B5EF4-FFF2-40B4-BE49-F238E27FC236}">
-                <a16:creationId xmlns:a16="http://schemas.microsoft.com/office/drawing/2014/main" id="{A8BD5DCF-3030-9E5F-C32F-B942E67319B7}"/>
-              </a:ext>
-            </a:extLst>
-          </p:cNvPr>
-          <p:cNvSpPr>
-            <a:spLocks noGrp="1"/>
-          </p:cNvSpPr>
-          <p:nvPr>
-            <p:ph type="ctrTitle"/>
-          </p:nvPr>
-        </p:nvSpPr>
-        <p:spPr>
-          <a:xfrm>
-            <a:off x="830651" y="659112"/>
-            <a:ext cx="10053763" cy="828936"/>
-          </a:xfrm>
-        </p:spPr>
-        <p:txBody>
-          <a:bodyPr anchor="b">
-            <a:normAutofit/>
-          </a:bodyPr>
-          <a:lstStyle/>
-          <a:p>
-            <a:pPr algn="l"/>
-            <a:r>
-              <a:rPr lang="en-US" sz="4800" dirty="0">
-                <a:solidFill>
-                  <a:schemeClr val="bg1"/>
-                </a:solidFill>
-              </a:rPr>
-              <a:t>Agenda</a:t>
-            </a:r>
-            <a:endParaRPr lang="pl-PL" sz="4800" dirty="0">
-              <a:solidFill>
-                <a:schemeClr val="bg1"/>
-              </a:solidFill>
-            </a:endParaRPr>
-          </a:p>
-        </p:txBody>
-      </p:sp>
-      <p:sp>
-        <p:nvSpPr>
-          <p:cNvPr id="11" name="Rectangle 10">
-            <a:extLst>
-              <a:ext uri="{FF2B5EF4-FFF2-40B4-BE49-F238E27FC236}">
-                <a16:creationId xmlns:a16="http://schemas.microsoft.com/office/drawing/2014/main" id="{5EF102A2-2F74-F19E-9943-0E98DFFC8A89}"/>
-              </a:ext>
-            </a:extLst>
-          </p:cNvPr>
-          <p:cNvSpPr/>
-          <p:nvPr/>
-        </p:nvSpPr>
-        <p:spPr>
-          <a:xfrm>
-            <a:off x="869595" y="1851757"/>
-            <a:ext cx="10251564" cy="4062651"/>
-          </a:xfrm>
-          <a:prstGeom prst="rect">
-            <a:avLst/>
-          </a:prstGeom>
-          <a:solidFill>
-            <a:schemeClr val="bg1"/>
-          </a:solidFill>
-          <a:ln w="6350">
-            <a:noFill/>
-          </a:ln>
-          <a:effectLst>
-            <a:outerShdw blurRad="50800" dist="38100" dir="8100000" algn="tr" rotWithShape="0">
-              <a:prstClr val="black">
-                <a:alpha val="40000"/>
-              </a:prstClr>
-            </a:outerShdw>
-          </a:effectLst>
-        </p:spPr>
-        <p:style>
-          <a:lnRef idx="2">
-            <a:schemeClr val="accent1">
-              <a:shade val="15000"/>
-            </a:schemeClr>
-          </a:lnRef>
-          <a:fillRef idx="1">
-            <a:schemeClr val="accent1"/>
-          </a:fillRef>
-          <a:effectRef idx="0">
-            <a:schemeClr val="accent1"/>
-          </a:effectRef>
-          <a:fontRef idx="minor">
-            <a:schemeClr val="lt1"/>
-          </a:fontRef>
-        </p:style>
-        <p:txBody>
-          <a:bodyPr rtlCol="0" anchor="ctr"/>
-          <a:lstStyle/>
-          <a:p>
-            <a:pPr algn="ctr"/>
-            <a:endParaRPr lang="pl-PL"/>
-          </a:p>
-        </p:txBody>
-      </p:sp>
-      <p:sp>
-        <p:nvSpPr>
-          <p:cNvPr id="3" name="TextBox 2">
-            <a:extLst>
-              <a:ext uri="{FF2B5EF4-FFF2-40B4-BE49-F238E27FC236}">
-                <a16:creationId xmlns:a16="http://schemas.microsoft.com/office/drawing/2014/main" id="{A3C7D797-9B40-C85F-B0AA-582AF828369F}"/>
-              </a:ext>
-            </a:extLst>
-          </p:cNvPr>
-          <p:cNvSpPr txBox="1"/>
-          <p:nvPr/>
-        </p:nvSpPr>
-        <p:spPr>
-          <a:xfrm>
-            <a:off x="1104549" y="1958368"/>
-            <a:ext cx="7168919" cy="4831515"/>
-          </a:xfrm>
-          <a:prstGeom prst="rect">
-            <a:avLst/>
-          </a:prstGeom>
-          <a:noFill/>
-        </p:spPr>
-        <p:txBody>
-          <a:bodyPr wrap="square" rtlCol="0">
-            <a:spAutoFit/>
-          </a:bodyPr>
-          <a:lstStyle/>
-          <a:p>
-            <a:pPr marL="285750" lvl="0" indent="-285750">
-              <a:lnSpc>
-                <a:spcPct val="150000"/>
-              </a:lnSpc>
-              <a:buFont typeface="Arial" panose="020B0604020202020204" pitchFamily="34" charset="0"/>
-              <a:buChar char="•"/>
-            </a:pPr>
-            <a:r>
-              <a:rPr lang="en-US" sz="2000" dirty="0"/>
-              <a:t>What is Abstract Syntax Tree?</a:t>
-            </a:r>
-          </a:p>
-          <a:p>
-            <a:pPr marL="285750" lvl="0" indent="-285750">
-              <a:lnSpc>
-                <a:spcPct val="150000"/>
-              </a:lnSpc>
-              <a:buFont typeface="Arial" panose="020B0604020202020204" pitchFamily="34" charset="0"/>
-              <a:buChar char="•"/>
-            </a:pPr>
-            <a:r>
-              <a:rPr lang="en-US" sz="2000" dirty="0"/>
-              <a:t>How Python uses AST at runtime?</a:t>
-            </a:r>
-          </a:p>
-          <a:p>
-            <a:pPr marL="285750" lvl="0" indent="-285750">
-              <a:lnSpc>
-                <a:spcPct val="150000"/>
-              </a:lnSpc>
-              <a:buFont typeface="Arial" panose="020B0604020202020204" pitchFamily="34" charset="0"/>
-              <a:buChar char="•"/>
-            </a:pPr>
-            <a:r>
-              <a:rPr lang="en-US" sz="2000" dirty="0"/>
-              <a:t>Usage in Python ecosystem</a:t>
-            </a:r>
-          </a:p>
-          <a:p>
-            <a:pPr marL="285750" lvl="0" indent="-285750">
-              <a:lnSpc>
-                <a:spcPct val="150000"/>
-              </a:lnSpc>
-              <a:buFont typeface="Arial" panose="020B0604020202020204" pitchFamily="34" charset="0"/>
-              <a:buChar char="•"/>
-            </a:pPr>
-            <a:r>
-              <a:rPr lang="en-US" sz="2000" dirty="0"/>
-              <a:t>Examples</a:t>
-            </a:r>
-          </a:p>
-          <a:p>
-            <a:pPr marL="742950" lvl="1" indent="-285750">
-              <a:lnSpc>
-                <a:spcPct val="150000"/>
-              </a:lnSpc>
-              <a:buFont typeface="Arial" panose="020B0604020202020204" pitchFamily="34" charset="0"/>
-              <a:buChar char="•"/>
-            </a:pPr>
-            <a:r>
-              <a:rPr lang="en-US" sz="2000" dirty="0"/>
-              <a:t>Linter rules/checks</a:t>
-            </a:r>
-          </a:p>
-          <a:p>
-            <a:pPr marL="742950" lvl="1" indent="-285750">
-              <a:lnSpc>
-                <a:spcPct val="150000"/>
-              </a:lnSpc>
-              <a:buFont typeface="Arial" panose="020B0604020202020204" pitchFamily="34" charset="0"/>
-              <a:buChar char="•"/>
-            </a:pPr>
-            <a:r>
-              <a:rPr lang="en-US" sz="2000" dirty="0"/>
-              <a:t>Code generation</a:t>
-            </a:r>
-          </a:p>
-          <a:p>
-            <a:pPr marL="742950" lvl="1" indent="-285750">
-              <a:lnSpc>
-                <a:spcPct val="150000"/>
-              </a:lnSpc>
-              <a:buFont typeface="Arial" panose="020B0604020202020204" pitchFamily="34" charset="0"/>
-              <a:buChar char="•"/>
-            </a:pPr>
-            <a:r>
-              <a:rPr lang="en-US" sz="2000" dirty="0" err="1"/>
-              <a:t>Transpilers</a:t>
-            </a:r>
-            <a:endParaRPr lang="en-US" sz="2000" dirty="0"/>
-          </a:p>
-          <a:p>
-            <a:pPr marL="285750" indent="-285750">
-              <a:lnSpc>
-                <a:spcPct val="150000"/>
-              </a:lnSpc>
-              <a:buFont typeface="Arial" panose="020B0604020202020204" pitchFamily="34" charset="0"/>
-              <a:buChar char="•"/>
-            </a:pPr>
-            <a:r>
-              <a:rPr lang="en-US" sz="2000" dirty="0"/>
-              <a:t>QA</a:t>
-            </a:r>
-          </a:p>
-          <a:p>
-            <a:pPr marL="285750" indent="-285750">
-              <a:lnSpc>
-                <a:spcPct val="150000"/>
-              </a:lnSpc>
-              <a:buFont typeface="Arial" panose="020B0604020202020204" pitchFamily="34" charset="0"/>
-              <a:buChar char="•"/>
-            </a:pPr>
-            <a:endParaRPr lang="pl-PL" sz="2000" dirty="0"/>
-          </a:p>
-          <a:p>
-            <a:pPr marL="342900" indent="-342900">
-              <a:lnSpc>
-                <a:spcPct val="150000"/>
-              </a:lnSpc>
-              <a:buFont typeface="Arial" panose="020B0604020202020204" pitchFamily="34" charset="0"/>
-              <a:buChar char="•"/>
-            </a:pPr>
-            <a:endParaRPr lang="pl-PL" sz="2800" dirty="0"/>
-          </a:p>
-        </p:txBody>
-      </p:sp>
-      <p:sp>
-        <p:nvSpPr>
-          <p:cNvPr id="4" name="Footer Placeholder 3">
-            <a:extLst>
-              <a:ext uri="{FF2B5EF4-FFF2-40B4-BE49-F238E27FC236}">
-                <a16:creationId xmlns:a16="http://schemas.microsoft.com/office/drawing/2014/main" id="{13F5AB98-7F3E-81C6-A34C-52090EE64805}"/>
-              </a:ext>
-            </a:extLst>
-          </p:cNvPr>
-          <p:cNvSpPr>
-            <a:spLocks noGrp="1"/>
-          </p:cNvSpPr>
-          <p:nvPr>
-            <p:ph type="ftr" sz="quarter" idx="11"/>
-          </p:nvPr>
-        </p:nvSpPr>
-        <p:spPr/>
-        <p:txBody>
-          <a:bodyPr/>
-          <a:lstStyle/>
-          <a:p>
-            <a:r>
-              <a:rPr lang="pl-PL"/>
-              <a:t>https://github.com/novinxy/pyconpl_2025_ast_speech</a:t>
-            </a:r>
-          </a:p>
-        </p:txBody>
-      </p:sp>
-      <p:sp>
-        <p:nvSpPr>
-          <p:cNvPr id="5" name="Slide Number Placeholder 4">
-            <a:extLst>
-              <a:ext uri="{FF2B5EF4-FFF2-40B4-BE49-F238E27FC236}">
-                <a16:creationId xmlns:a16="http://schemas.microsoft.com/office/drawing/2014/main" id="{5CC31B55-097A-AD33-5CE4-7D1263F3B6A9}"/>
-              </a:ext>
-            </a:extLst>
-          </p:cNvPr>
-          <p:cNvSpPr>
-            <a:spLocks noGrp="1"/>
-          </p:cNvSpPr>
-          <p:nvPr>
-            <p:ph type="sldNum" sz="quarter" idx="12"/>
-          </p:nvPr>
-        </p:nvSpPr>
-        <p:spPr/>
-        <p:txBody>
-          <a:bodyPr/>
-          <a:lstStyle/>
-          <a:p>
-            <a:fld id="{882EC4D0-6887-46E3-8C28-89A9305E756A}" type="slidenum">
-              <a:rPr lang="pl-PL" smtClean="0"/>
-              <a:t>3</a:t>
-            </a:fld>
-            <a:endParaRPr lang="pl-PL"/>
-          </a:p>
-        </p:txBody>
-      </p:sp>
-    </p:spTree>
-    <p:extLst>
-      <p:ext uri="{BB962C8B-B14F-4D97-AF65-F5344CB8AC3E}">
-        <p14:creationId xmlns:p14="http://schemas.microsoft.com/office/powerpoint/2010/main" val="588823975"/>
-      </p:ext>
-    </p:extLst>
-  </p:cSld>
-  <p:clrMapOvr>
-    <a:masterClrMapping/>
-  </p:clrMapOvr>
-  <p:timing>
-    <p:tnLst>
-      <p:par>
-        <p:cTn id="1" dur="indefinite" restart="never" nodeType="tmRoot">
-          <p:childTnLst>
-            <p:seq concurrent="1" nextAc="seek">
-              <p:cTn id="2" dur="indefinite" nodeType="mainSeq">
-                <p:childTnLst>
-                  <p:par>
-                    <p:cTn id="3" fill="hold">
-                      <p:stCondLst>
-                        <p:cond delay="indefinite"/>
-                        <p:cond evt="onBegin" delay="0">
-                          <p:tn val="2"/>
-                        </p:cond>
-                      </p:stCondLst>
-                      <p:childTnLst>
-                        <p:par>
-                          <p:cTn id="4" fill="hold">
-                            <p:stCondLst>
-                              <p:cond delay="0"/>
-                            </p:stCondLst>
-                            <p:childTnLst>
-                              <p:par>
-                                <p:cTn id="5" presetID="10" presetClass="entr" presetSubtype="0" fill="hold" grpId="0" nodeType="withEffect">
-                                  <p:stCondLst>
-                                    <p:cond delay="500"/>
-                                  </p:stCondLst>
-                                  <p:iterate>
-                                    <p:tmPct val="10000"/>
-                                  </p:iterate>
-                                  <p:childTnLst>
-                                    <p:set>
-                                      <p:cBhvr>
-                                        <p:cTn id="6" dur="1" fill="hold">
-                                          <p:stCondLst>
-                                            <p:cond delay="0"/>
-                                          </p:stCondLst>
-                                        </p:cTn>
-                                        <p:tgtEl>
-                                          <p:spTgt spid="2"/>
-                                        </p:tgtEl>
-                                        <p:attrNameLst>
-                                          <p:attrName>style.visibility</p:attrName>
-                                        </p:attrNameLst>
-                                      </p:cBhvr>
-                                      <p:to>
-                                        <p:strVal val="visible"/>
-                                      </p:to>
-                                    </p:set>
-                                    <p:animEffect transition="in" filter="fade">
-                                      <p:cBhvr>
-                                        <p:cTn id="7" dur="700"/>
-                                        <p:tgtEl>
-                                          <p:spTgt spid="2"/>
-                                        </p:tgtEl>
-                                      </p:cBhvr>
-                                    </p:animEffect>
-                                  </p:childTnLst>
-                                </p:cTn>
-                              </p:par>
-                            </p:childTnLst>
-                          </p:cTn>
-                        </p:par>
-                      </p:childTnLst>
-                    </p:cTn>
-                  </p:par>
-                </p:childTnLst>
-              </p:cTn>
-              <p:prevCondLst>
-                <p:cond evt="onPrev" delay="0">
-                  <p:tgtEl>
-                    <p:sldTgt/>
-                  </p:tgtEl>
-                </p:cond>
-              </p:prevCondLst>
-              <p:nextCondLst>
-                <p:cond evt="onNext" delay="0">
-                  <p:tgtEl>
-                    <p:sldTgt/>
-                  </p:tgtEl>
-                </p:cond>
-              </p:nextCondLst>
-            </p:seq>
-          </p:childTnLst>
-        </p:cTn>
-      </p:par>
-    </p:tnLst>
-    <p:bldLst>
-      <p:bldP spid="2" grpId="0"/>
-    </p:bldLst>
-  </p:timing>
-</p:sld>
-</file>
-
-<file path=ppt/slides/slide4.xml><?xml version="1.0" encoding="utf-8"?>
-<p:sld xmlns:a="http://schemas.openxmlformats.org/drawingml/2006/main" xmlns:r="http://schemas.openxmlformats.org/officeDocument/2006/relationships" xmlns:p="http://schemas.openxmlformats.org/presentationml/2006/main">
-  <p:cSld>
-    <p:bg>
-      <p:bgPr>
-        <a:solidFill>
-          <a:schemeClr val="bg1"/>
-        </a:solidFill>
-        <a:effectLst/>
-      </p:bgPr>
-    </p:bg>
-    <p:spTree>
-      <p:nvGrpSpPr>
         <p:cNvPr id="1" name=""/>
         <p:cNvGrpSpPr/>
         <p:nvPr/>
@@ -9406,8 +8435,8 @@
         </p:nvSpPr>
         <p:spPr>
           <a:xfrm>
-            <a:off x="1828800" y="2541945"/>
-            <a:ext cx="8195143" cy="1463039"/>
+            <a:off x="3212230" y="2498744"/>
+            <a:ext cx="4532243" cy="919878"/>
           </a:xfrm>
           <a:prstGeom prst="rect">
             <a:avLst/>
@@ -9443,7 +8472,7 @@
                   <a:srgbClr val="FFFFFF"/>
                 </a:solidFill>
               </a:rPr>
-              <a:t>Who worked with Abstract Syntax Trees ?</a:t>
+              <a:t>Why such topic ?</a:t>
             </a:r>
           </a:p>
         </p:txBody>
@@ -9482,6 +8511,787 @@
             <a:extLst>
               <a:ext uri="{FF2B5EF4-FFF2-40B4-BE49-F238E27FC236}">
                 <a16:creationId xmlns:a16="http://schemas.microsoft.com/office/drawing/2014/main" id="{A81D5FAC-7552-463F-3DF3-6C19DC33584B}"/>
+              </a:ext>
+            </a:extLst>
+          </p:cNvPr>
+          <p:cNvSpPr>
+            <a:spLocks noGrp="1"/>
+          </p:cNvSpPr>
+          <p:nvPr>
+            <p:ph type="sldNum" sz="quarter" idx="12"/>
+          </p:nvPr>
+        </p:nvSpPr>
+        <p:spPr/>
+        <p:txBody>
+          <a:bodyPr/>
+          <a:lstStyle/>
+          <a:p>
+            <a:fld id="{882EC4D0-6887-46E3-8C28-89A9305E756A}" type="slidenum">
+              <a:rPr lang="pl-PL" smtClean="0"/>
+              <a:t>3</a:t>
+            </a:fld>
+            <a:endParaRPr lang="pl-PL"/>
+          </a:p>
+        </p:txBody>
+      </p:sp>
+    </p:spTree>
+    <p:extLst>
+      <p:ext uri="{BB962C8B-B14F-4D97-AF65-F5344CB8AC3E}">
+        <p14:creationId xmlns:p14="http://schemas.microsoft.com/office/powerpoint/2010/main" val="1196655054"/>
+      </p:ext>
+    </p:extLst>
+  </p:cSld>
+  <p:clrMapOvr>
+    <a:masterClrMapping/>
+  </p:clrMapOvr>
+  <p:timing>
+    <p:tnLst>
+      <p:par>
+        <p:cTn id="1" dur="indefinite" restart="never" nodeType="tmRoot">
+          <p:childTnLst>
+            <p:seq concurrent="1" nextAc="seek">
+              <p:cTn id="2" dur="indefinite" nodeType="mainSeq">
+                <p:childTnLst>
+                  <p:par>
+                    <p:cTn id="3" fill="hold">
+                      <p:stCondLst>
+                        <p:cond delay="indefinite"/>
+                        <p:cond evt="onBegin" delay="0">
+                          <p:tn val="2"/>
+                        </p:cond>
+                      </p:stCondLst>
+                      <p:childTnLst>
+                        <p:par>
+                          <p:cTn id="4" fill="hold">
+                            <p:stCondLst>
+                              <p:cond delay="0"/>
+                            </p:stCondLst>
+                            <p:childTnLst>
+                              <p:par>
+                                <p:cTn id="5" presetID="10" presetClass="entr" presetSubtype="0" fill="hold" grpId="0" nodeType="withEffect">
+                                  <p:stCondLst>
+                                    <p:cond delay="500"/>
+                                  </p:stCondLst>
+                                  <p:iterate type="lt">
+                                    <p:tmPct val="10000"/>
+                                  </p:iterate>
+                                  <p:childTnLst>
+                                    <p:set>
+                                      <p:cBhvr>
+                                        <p:cTn id="6" dur="1" fill="hold">
+                                          <p:stCondLst>
+                                            <p:cond delay="0"/>
+                                          </p:stCondLst>
+                                        </p:cTn>
+                                        <p:tgtEl>
+                                          <p:spTgt spid="3"/>
+                                        </p:tgtEl>
+                                        <p:attrNameLst>
+                                          <p:attrName>style.visibility</p:attrName>
+                                        </p:attrNameLst>
+                                      </p:cBhvr>
+                                      <p:to>
+                                        <p:strVal val="visible"/>
+                                      </p:to>
+                                    </p:set>
+                                    <p:animEffect transition="in" filter="fade">
+                                      <p:cBhvr>
+                                        <p:cTn id="7" dur="400"/>
+                                        <p:tgtEl>
+                                          <p:spTgt spid="3"/>
+                                        </p:tgtEl>
+                                      </p:cBhvr>
+                                    </p:animEffect>
+                                  </p:childTnLst>
+                                </p:cTn>
+                              </p:par>
+                            </p:childTnLst>
+                          </p:cTn>
+                        </p:par>
+                      </p:childTnLst>
+                    </p:cTn>
+                  </p:par>
+                </p:childTnLst>
+              </p:cTn>
+              <p:prevCondLst>
+                <p:cond evt="onPrev" delay="0">
+                  <p:tgtEl>
+                    <p:sldTgt/>
+                  </p:tgtEl>
+                </p:cond>
+              </p:prevCondLst>
+              <p:nextCondLst>
+                <p:cond evt="onNext" delay="0">
+                  <p:tgtEl>
+                    <p:sldTgt/>
+                  </p:tgtEl>
+                </p:cond>
+              </p:nextCondLst>
+            </p:seq>
+          </p:childTnLst>
+        </p:cTn>
+      </p:par>
+    </p:tnLst>
+    <p:bldLst>
+      <p:bldP spid="3" grpId="0"/>
+    </p:bldLst>
+  </p:timing>
+</p:sld>
+</file>
+
+<file path=ppt/slides/slide4.xml><?xml version="1.0" encoding="utf-8"?>
+<p:sld xmlns:a="http://schemas.openxmlformats.org/drawingml/2006/main" xmlns:r="http://schemas.openxmlformats.org/officeDocument/2006/relationships" xmlns:p="http://schemas.openxmlformats.org/presentationml/2006/main">
+  <p:cSld>
+    <p:bg>
+      <p:bgPr>
+        <a:solidFill>
+          <a:schemeClr val="bg1"/>
+        </a:solidFill>
+        <a:effectLst/>
+      </p:bgPr>
+    </p:bg>
+    <p:spTree>
+      <p:nvGrpSpPr>
+        <p:cNvPr id="1" name="">
+          <a:extLst>
+            <a:ext uri="{FF2B5EF4-FFF2-40B4-BE49-F238E27FC236}">
+              <a16:creationId xmlns:a16="http://schemas.microsoft.com/office/drawing/2014/main" id="{BF463E4E-B16C-57F2-4AC1-118188235D45}"/>
+            </a:ext>
+          </a:extLst>
+        </p:cNvPr>
+        <p:cNvGrpSpPr/>
+        <p:nvPr/>
+      </p:nvGrpSpPr>
+      <p:grpSpPr>
+        <a:xfrm>
+          <a:off x="0" y="0"/>
+          <a:ext cx="0" cy="0"/>
+          <a:chOff x="0" y="0"/>
+          <a:chExt cx="0" cy="0"/>
+        </a:xfrm>
+      </p:grpSpPr>
+      <p:sp useBgFill="1">
+        <p:nvSpPr>
+          <p:cNvPr id="7" name="Rectangle 6">
+            <a:extLst>
+              <a:ext uri="{FF2B5EF4-FFF2-40B4-BE49-F238E27FC236}">
+                <a16:creationId xmlns:a16="http://schemas.microsoft.com/office/drawing/2014/main" id="{6DEA9243-7C85-24A9-DFB6-D0156EBE8205}"/>
+              </a:ext>
+              <a:ext uri="{C183D7F6-B498-43B3-948B-1728B52AA6E4}">
+                <adec:decorative xmlns:adec="http://schemas.microsoft.com/office/drawing/2017/decorative" val="1"/>
+              </a:ext>
+            </a:extLst>
+          </p:cNvPr>
+          <p:cNvSpPr>
+            <a:spLocks noGrp="1" noRot="1" noChangeAspect="1" noMove="1" noResize="1" noEditPoints="1" noAdjustHandles="1" noChangeArrowheads="1" noChangeShapeType="1" noTextEdit="1"/>
+          </p:cNvSpPr>
+          <p:nvPr>
+            <p:extLst>
+              <p:ext uri="{386F3935-93C4-4BCD-93E2-E3B085C9AB24}">
+                <p16:designElem xmlns:p16="http://schemas.microsoft.com/office/powerpoint/2015/main" val="1"/>
+              </p:ext>
+            </p:extLst>
+          </p:nvPr>
+        </p:nvSpPr>
+        <p:spPr>
+          <a:xfrm>
+            <a:off x="0" y="0"/>
+            <a:ext cx="12192000" cy="6858000"/>
+          </a:xfrm>
+          <a:prstGeom prst="rect">
+            <a:avLst/>
+          </a:prstGeom>
+          <a:ln w="12700" cap="flat" cmpd="sng" algn="ctr">
+            <a:noFill/>
+            <a:prstDash val="solid"/>
+            <a:miter lim="800000"/>
+          </a:ln>
+          <a:effectLst/>
+          <a:extLst>
+            <a:ext uri="{91240B29-F687-4F45-9708-019B960494DF}">
+              <a14:hiddenLine xmlns:a14="http://schemas.microsoft.com/office/drawing/2010/main" w="12700" cap="flat" cmpd="sng" algn="ctr">
+                <a:solidFill>
+                  <a:schemeClr val="accent1">
+                    <a:shade val="50000"/>
+                  </a:schemeClr>
+                </a:solidFill>
+                <a:prstDash val="solid"/>
+                <a:miter lim="800000"/>
+              </a14:hiddenLine>
+            </a:ext>
+          </a:extLst>
+        </p:spPr>
+        <p:style>
+          <a:lnRef idx="2">
+            <a:schemeClr val="accent1">
+              <a:shade val="50000"/>
+            </a:schemeClr>
+          </a:lnRef>
+          <a:fillRef idx="1">
+            <a:schemeClr val="accent1"/>
+          </a:fillRef>
+          <a:effectRef idx="0">
+            <a:schemeClr val="accent1"/>
+          </a:effectRef>
+          <a:fontRef idx="minor">
+            <a:schemeClr val="lt1"/>
+          </a:fontRef>
+        </p:style>
+        <p:txBody>
+          <a:bodyPr rtlCol="0" anchor="ctr"/>
+          <a:lstStyle/>
+          <a:p>
+            <a:pPr algn="ctr"/>
+            <a:endParaRPr lang="en-US"/>
+          </a:p>
+        </p:txBody>
+      </p:sp>
+      <p:sp>
+        <p:nvSpPr>
+          <p:cNvPr id="9" name="Rectangle 8">
+            <a:extLst>
+              <a:ext uri="{FF2B5EF4-FFF2-40B4-BE49-F238E27FC236}">
+                <a16:creationId xmlns:a16="http://schemas.microsoft.com/office/drawing/2014/main" id="{EFF580A9-E6BB-4BE3-51D3-FAD785AFAC15}"/>
+              </a:ext>
+              <a:ext uri="{C183D7F6-B498-43B3-948B-1728B52AA6E4}">
+                <adec:decorative xmlns:adec="http://schemas.microsoft.com/office/drawing/2017/decorative" val="1"/>
+              </a:ext>
+            </a:extLst>
+          </p:cNvPr>
+          <p:cNvSpPr>
+            <a:spLocks noGrp="1" noRot="1" noChangeAspect="1" noMove="1" noResize="1" noEditPoints="1" noAdjustHandles="1" noChangeArrowheads="1" noChangeShapeType="1" noTextEdit="1"/>
+          </p:cNvSpPr>
+          <p:nvPr>
+            <p:extLst>
+              <p:ext uri="{386F3935-93C4-4BCD-93E2-E3B085C9AB24}">
+                <p16:designElem xmlns:p16="http://schemas.microsoft.com/office/powerpoint/2015/main" val="1"/>
+              </p:ext>
+            </p:extLst>
+          </p:nvPr>
+        </p:nvSpPr>
+        <p:spPr>
+          <a:xfrm>
+            <a:off x="0" y="-427"/>
+            <a:ext cx="12192001" cy="6858000"/>
+          </a:xfrm>
+          <a:prstGeom prst="rect">
+            <a:avLst/>
+          </a:prstGeom>
+          <a:gradFill>
+            <a:gsLst>
+              <a:gs pos="0">
+                <a:srgbClr val="000000"/>
+              </a:gs>
+              <a:gs pos="100000">
+                <a:schemeClr val="accent1">
+                  <a:lumMod val="75000"/>
+                </a:schemeClr>
+              </a:gs>
+            </a:gsLst>
+            <a:lin ang="15000000" scaled="0"/>
+          </a:gradFill>
+          <a:ln>
+            <a:noFill/>
+          </a:ln>
+        </p:spPr>
+        <p:style>
+          <a:lnRef idx="2">
+            <a:schemeClr val="accent1">
+              <a:shade val="50000"/>
+            </a:schemeClr>
+          </a:lnRef>
+          <a:fillRef idx="1">
+            <a:schemeClr val="accent1"/>
+          </a:fillRef>
+          <a:effectRef idx="0">
+            <a:schemeClr val="accent1"/>
+          </a:effectRef>
+          <a:fontRef idx="minor">
+            <a:schemeClr val="lt1"/>
+          </a:fontRef>
+        </p:style>
+        <p:txBody>
+          <a:bodyPr rtlCol="0" anchor="ctr"/>
+          <a:lstStyle/>
+          <a:p>
+            <a:pPr algn="ctr"/>
+            <a:endParaRPr lang="en-US"/>
+          </a:p>
+        </p:txBody>
+      </p:sp>
+      <p:sp>
+        <p:nvSpPr>
+          <p:cNvPr id="11" name="Rectangle 10">
+            <a:extLst>
+              <a:ext uri="{FF2B5EF4-FFF2-40B4-BE49-F238E27FC236}">
+                <a16:creationId xmlns:a16="http://schemas.microsoft.com/office/drawing/2014/main" id="{EFB9B613-E106-FF50-AB67-DAAE5022247C}"/>
+              </a:ext>
+              <a:ext uri="{C183D7F6-B498-43B3-948B-1728B52AA6E4}">
+                <adec:decorative xmlns:adec="http://schemas.microsoft.com/office/drawing/2017/decorative" val="1"/>
+              </a:ext>
+            </a:extLst>
+          </p:cNvPr>
+          <p:cNvSpPr>
+            <a:spLocks noGrp="1" noRot="1" noChangeAspect="1" noMove="1" noResize="1" noEditPoints="1" noAdjustHandles="1" noChangeArrowheads="1" noChangeShapeType="1" noTextEdit="1"/>
+          </p:cNvSpPr>
+          <p:nvPr>
+            <p:extLst>
+              <p:ext uri="{386F3935-93C4-4BCD-93E2-E3B085C9AB24}">
+                <p16:designElem xmlns:p16="http://schemas.microsoft.com/office/powerpoint/2015/main" val="1"/>
+              </p:ext>
+            </p:extLst>
+          </p:nvPr>
+        </p:nvSpPr>
+        <p:spPr>
+          <a:xfrm rot="10800000" flipH="1">
+            <a:off x="455521" y="-1720"/>
+            <a:ext cx="11750040" cy="6840685"/>
+          </a:xfrm>
+          <a:prstGeom prst="rect">
+            <a:avLst/>
+          </a:prstGeom>
+          <a:gradFill>
+            <a:gsLst>
+              <a:gs pos="21000">
+                <a:schemeClr val="accent1">
+                  <a:lumMod val="50000"/>
+                  <a:alpha val="61000"/>
+                </a:schemeClr>
+              </a:gs>
+              <a:gs pos="100000">
+                <a:schemeClr val="accent1">
+                  <a:alpha val="0"/>
+                </a:schemeClr>
+              </a:gs>
+            </a:gsLst>
+            <a:lin ang="21594000" scaled="0"/>
+          </a:gradFill>
+          <a:ln>
+            <a:noFill/>
+          </a:ln>
+        </p:spPr>
+        <p:style>
+          <a:lnRef idx="2">
+            <a:schemeClr val="accent1">
+              <a:shade val="50000"/>
+            </a:schemeClr>
+          </a:lnRef>
+          <a:fillRef idx="1">
+            <a:schemeClr val="accent1"/>
+          </a:fillRef>
+          <a:effectRef idx="0">
+            <a:schemeClr val="accent1"/>
+          </a:effectRef>
+          <a:fontRef idx="minor">
+            <a:schemeClr val="lt1"/>
+          </a:fontRef>
+        </p:style>
+        <p:txBody>
+          <a:bodyPr rtlCol="0" anchor="ctr"/>
+          <a:lstStyle/>
+          <a:p>
+            <a:pPr algn="ctr"/>
+            <a:endParaRPr lang="en-US"/>
+          </a:p>
+        </p:txBody>
+      </p:sp>
+      <p:sp>
+        <p:nvSpPr>
+          <p:cNvPr id="13" name="Rectangle 12">
+            <a:extLst>
+              <a:ext uri="{FF2B5EF4-FFF2-40B4-BE49-F238E27FC236}">
+                <a16:creationId xmlns:a16="http://schemas.microsoft.com/office/drawing/2014/main" id="{4F84CAB4-0AF8-85AB-5323-B466B8E5F07A}"/>
+              </a:ext>
+              <a:ext uri="{C183D7F6-B498-43B3-948B-1728B52AA6E4}">
+                <adec:decorative xmlns:adec="http://schemas.microsoft.com/office/drawing/2017/decorative" val="1"/>
+              </a:ext>
+            </a:extLst>
+          </p:cNvPr>
+          <p:cNvSpPr>
+            <a:spLocks noGrp="1" noRot="1" noChangeAspect="1" noMove="1" noResize="1" noEditPoints="1" noAdjustHandles="1" noChangeArrowheads="1" noChangeShapeType="1" noTextEdit="1"/>
+          </p:cNvSpPr>
+          <p:nvPr>
+            <p:extLst>
+              <p:ext uri="{386F3935-93C4-4BCD-93E2-E3B085C9AB24}">
+                <p16:designElem xmlns:p16="http://schemas.microsoft.com/office/powerpoint/2015/main" val="1"/>
+              </p:ext>
+            </p:extLst>
+          </p:nvPr>
+        </p:nvSpPr>
+        <p:spPr>
+          <a:xfrm>
+            <a:off x="8606054" y="-1291"/>
+            <a:ext cx="3608179" cy="6858864"/>
+          </a:xfrm>
+          <a:prstGeom prst="rect">
+            <a:avLst/>
+          </a:prstGeom>
+          <a:gradFill>
+            <a:gsLst>
+              <a:gs pos="0">
+                <a:schemeClr val="accent1">
+                  <a:lumMod val="75000"/>
+                  <a:alpha val="0"/>
+                </a:schemeClr>
+              </a:gs>
+              <a:gs pos="99000">
+                <a:srgbClr val="000000">
+                  <a:alpha val="41000"/>
+                </a:srgbClr>
+              </a:gs>
+            </a:gsLst>
+            <a:lin ang="16200000" scaled="0"/>
+          </a:gradFill>
+          <a:ln>
+            <a:noFill/>
+          </a:ln>
+        </p:spPr>
+        <p:style>
+          <a:lnRef idx="2">
+            <a:schemeClr val="accent1">
+              <a:shade val="50000"/>
+            </a:schemeClr>
+          </a:lnRef>
+          <a:fillRef idx="1">
+            <a:schemeClr val="accent1"/>
+          </a:fillRef>
+          <a:effectRef idx="0">
+            <a:schemeClr val="accent1"/>
+          </a:effectRef>
+          <a:fontRef idx="minor">
+            <a:schemeClr val="lt1"/>
+          </a:fontRef>
+        </p:style>
+        <p:txBody>
+          <a:bodyPr rtlCol="0" anchor="ctr"/>
+          <a:lstStyle/>
+          <a:p>
+            <a:pPr algn="ctr"/>
+            <a:endParaRPr lang="en-US"/>
+          </a:p>
+        </p:txBody>
+      </p:sp>
+      <p:sp>
+        <p:nvSpPr>
+          <p:cNvPr id="15" name="Oval 14">
+            <a:extLst>
+              <a:ext uri="{FF2B5EF4-FFF2-40B4-BE49-F238E27FC236}">
+                <a16:creationId xmlns:a16="http://schemas.microsoft.com/office/drawing/2014/main" id="{E2EC96F6-5D27-6958-9617-EB0B4ACC643F}"/>
+              </a:ext>
+              <a:ext uri="{C183D7F6-B498-43B3-948B-1728B52AA6E4}">
+                <adec:decorative xmlns:adec="http://schemas.microsoft.com/office/drawing/2017/decorative" val="1"/>
+              </a:ext>
+            </a:extLst>
+          </p:cNvPr>
+          <p:cNvSpPr>
+            <a:spLocks noGrp="1" noRot="1" noChangeAspect="1" noMove="1" noResize="1" noEditPoints="1" noAdjustHandles="1" noChangeArrowheads="1" noChangeShapeType="1" noTextEdit="1"/>
+          </p:cNvSpPr>
+          <p:nvPr>
+            <p:extLst>
+              <p:ext uri="{386F3935-93C4-4BCD-93E2-E3B085C9AB24}">
+                <p16:designElem xmlns:p16="http://schemas.microsoft.com/office/powerpoint/2015/main" val="1"/>
+              </p:ext>
+            </p:extLst>
+          </p:nvPr>
+        </p:nvSpPr>
+        <p:spPr>
+          <a:xfrm rot="15274173">
+            <a:off x="6059728" y="779270"/>
+            <a:ext cx="4967533" cy="4988390"/>
+          </a:xfrm>
+          <a:prstGeom prst="ellipse">
+            <a:avLst/>
+          </a:prstGeom>
+          <a:gradFill>
+            <a:gsLst>
+              <a:gs pos="0">
+                <a:schemeClr val="accent1">
+                  <a:alpha val="24000"/>
+                </a:schemeClr>
+              </a:gs>
+              <a:gs pos="79000">
+                <a:schemeClr val="accent1">
+                  <a:lumMod val="60000"/>
+                  <a:lumOff val="40000"/>
+                  <a:alpha val="0"/>
+                </a:schemeClr>
+              </a:gs>
+            </a:gsLst>
+            <a:lin ang="14400000" scaled="0"/>
+          </a:gradFill>
+          <a:ln>
+            <a:noFill/>
+          </a:ln>
+        </p:spPr>
+        <p:style>
+          <a:lnRef idx="2">
+            <a:schemeClr val="accent1">
+              <a:shade val="50000"/>
+            </a:schemeClr>
+          </a:lnRef>
+          <a:fillRef idx="1">
+            <a:schemeClr val="accent1"/>
+          </a:fillRef>
+          <a:effectRef idx="0">
+            <a:schemeClr val="accent1"/>
+          </a:effectRef>
+          <a:fontRef idx="minor">
+            <a:schemeClr val="lt1"/>
+          </a:fontRef>
+        </p:style>
+        <p:txBody>
+          <a:bodyPr rtlCol="0" anchor="ctr"/>
+          <a:lstStyle/>
+          <a:p>
+            <a:pPr algn="ctr"/>
+            <a:endParaRPr lang="en-US" dirty="0"/>
+          </a:p>
+        </p:txBody>
+      </p:sp>
+      <p:sp>
+        <p:nvSpPr>
+          <p:cNvPr id="17" name="Rectangle 16">
+            <a:extLst>
+              <a:ext uri="{FF2B5EF4-FFF2-40B4-BE49-F238E27FC236}">
+                <a16:creationId xmlns:a16="http://schemas.microsoft.com/office/drawing/2014/main" id="{F6C400D1-2C5E-1177-D41E-5A507539D551}"/>
+              </a:ext>
+              <a:ext uri="{C183D7F6-B498-43B3-948B-1728B52AA6E4}">
+                <adec:decorative xmlns:adec="http://schemas.microsoft.com/office/drawing/2017/decorative" val="1"/>
+              </a:ext>
+            </a:extLst>
+          </p:cNvPr>
+          <p:cNvSpPr>
+            <a:spLocks noGrp="1" noRot="1" noChangeAspect="1" noMove="1" noResize="1" noEditPoints="1" noAdjustHandles="1" noChangeArrowheads="1" noChangeShapeType="1" noTextEdit="1"/>
+          </p:cNvSpPr>
+          <p:nvPr>
+            <p:extLst>
+              <p:ext uri="{386F3935-93C4-4BCD-93E2-E3B085C9AB24}">
+                <p16:designElem xmlns:p16="http://schemas.microsoft.com/office/powerpoint/2015/main" val="1"/>
+              </p:ext>
+            </p:extLst>
+          </p:nvPr>
+        </p:nvSpPr>
+        <p:spPr>
+          <a:xfrm rot="10800000" flipH="1">
+            <a:off x="6314" y="4480038"/>
+            <a:ext cx="12179371" cy="2377962"/>
+          </a:xfrm>
+          <a:prstGeom prst="rect">
+            <a:avLst/>
+          </a:prstGeom>
+          <a:gradFill>
+            <a:gsLst>
+              <a:gs pos="0">
+                <a:schemeClr val="accent1">
+                  <a:lumMod val="75000"/>
+                  <a:alpha val="50000"/>
+                </a:schemeClr>
+              </a:gs>
+              <a:gs pos="99000">
+                <a:srgbClr val="000000">
+                  <a:alpha val="34000"/>
+                </a:srgbClr>
+              </a:gs>
+            </a:gsLst>
+            <a:lin ang="17400000" scaled="0"/>
+          </a:gradFill>
+          <a:ln>
+            <a:noFill/>
+          </a:ln>
+        </p:spPr>
+        <p:style>
+          <a:lnRef idx="2">
+            <a:schemeClr val="accent1">
+              <a:shade val="50000"/>
+            </a:schemeClr>
+          </a:lnRef>
+          <a:fillRef idx="1">
+            <a:schemeClr val="accent1"/>
+          </a:fillRef>
+          <a:effectRef idx="0">
+            <a:schemeClr val="accent1"/>
+          </a:effectRef>
+          <a:fontRef idx="minor">
+            <a:schemeClr val="lt1"/>
+          </a:fontRef>
+        </p:style>
+        <p:txBody>
+          <a:bodyPr rtlCol="0" anchor="ctr"/>
+          <a:lstStyle/>
+          <a:p>
+            <a:pPr algn="ctr"/>
+            <a:endParaRPr lang="en-US"/>
+          </a:p>
+        </p:txBody>
+      </p:sp>
+      <p:sp>
+        <p:nvSpPr>
+          <p:cNvPr id="19" name="Rectangle 18">
+            <a:extLst>
+              <a:ext uri="{FF2B5EF4-FFF2-40B4-BE49-F238E27FC236}">
+                <a16:creationId xmlns:a16="http://schemas.microsoft.com/office/drawing/2014/main" id="{35BB74DB-5284-B2FF-711A-661388F91A1D}"/>
+              </a:ext>
+              <a:ext uri="{C183D7F6-B498-43B3-948B-1728B52AA6E4}">
+                <adec:decorative xmlns:adec="http://schemas.microsoft.com/office/drawing/2017/decorative" val="1"/>
+              </a:ext>
+            </a:extLst>
+          </p:cNvPr>
+          <p:cNvSpPr>
+            <a:spLocks noGrp="1" noRot="1" noChangeAspect="1" noMove="1" noResize="1" noEditPoints="1" noAdjustHandles="1" noChangeArrowheads="1" noChangeShapeType="1" noTextEdit="1"/>
+          </p:cNvSpPr>
+          <p:nvPr>
+            <p:extLst>
+              <p:ext uri="{386F3935-93C4-4BCD-93E2-E3B085C9AB24}">
+                <p16:designElem xmlns:p16="http://schemas.microsoft.com/office/powerpoint/2015/main" val="1"/>
+              </p:ext>
+            </p:extLst>
+          </p:nvPr>
+        </p:nvSpPr>
+        <p:spPr>
+          <a:xfrm rot="16200000" flipH="1">
+            <a:off x="6967085" y="1632660"/>
+            <a:ext cx="6857572" cy="3592258"/>
+          </a:xfrm>
+          <a:prstGeom prst="rect">
+            <a:avLst/>
+          </a:prstGeom>
+          <a:gradFill>
+            <a:gsLst>
+              <a:gs pos="0">
+                <a:schemeClr val="accent1">
+                  <a:lumMod val="75000"/>
+                  <a:alpha val="50000"/>
+                </a:schemeClr>
+              </a:gs>
+              <a:gs pos="99000">
+                <a:srgbClr val="000000">
+                  <a:alpha val="0"/>
+                </a:srgbClr>
+              </a:gs>
+            </a:gsLst>
+            <a:lin ang="15600000" scaled="0"/>
+          </a:gradFill>
+          <a:ln>
+            <a:noFill/>
+          </a:ln>
+        </p:spPr>
+        <p:style>
+          <a:lnRef idx="2">
+            <a:schemeClr val="accent1">
+              <a:shade val="50000"/>
+            </a:schemeClr>
+          </a:lnRef>
+          <a:fillRef idx="1">
+            <a:schemeClr val="accent1"/>
+          </a:fillRef>
+          <a:effectRef idx="0">
+            <a:schemeClr val="accent1"/>
+          </a:effectRef>
+          <a:fontRef idx="minor">
+            <a:schemeClr val="lt1"/>
+          </a:fontRef>
+        </p:style>
+        <p:txBody>
+          <a:bodyPr rtlCol="0" anchor="ctr"/>
+          <a:lstStyle/>
+          <a:p>
+            <a:pPr algn="ctr"/>
+            <a:endParaRPr lang="en-US"/>
+          </a:p>
+        </p:txBody>
+      </p:sp>
+      <p:sp>
+        <p:nvSpPr>
+          <p:cNvPr id="3" name="Title 1">
+            <a:extLst>
+              <a:ext uri="{FF2B5EF4-FFF2-40B4-BE49-F238E27FC236}">
+                <a16:creationId xmlns:a16="http://schemas.microsoft.com/office/drawing/2014/main" id="{7BC30CC5-B578-0273-AB89-CB42FBF4C8E6}"/>
+              </a:ext>
+            </a:extLst>
+          </p:cNvPr>
+          <p:cNvSpPr txBox="1">
+            <a:spLocks/>
+          </p:cNvSpPr>
+          <p:nvPr/>
+        </p:nvSpPr>
+        <p:spPr>
+          <a:xfrm>
+            <a:off x="2073901" y="2509362"/>
+            <a:ext cx="6946790" cy="1463039"/>
+          </a:xfrm>
+          <a:prstGeom prst="rect">
+            <a:avLst/>
+          </a:prstGeom>
+        </p:spPr>
+        <p:txBody>
+          <a:bodyPr vert="horz" lIns="91440" tIns="45720" rIns="91440" bIns="45720" rtlCol="0" anchor="b">
+            <a:normAutofit/>
+          </a:bodyPr>
+          <a:lstStyle>
+            <a:lvl1pPr algn="l" defTabSz="914400" rtl="0" eaLnBrk="1" latinLnBrk="0" hangingPunct="1">
+              <a:lnSpc>
+                <a:spcPct val="90000"/>
+              </a:lnSpc>
+              <a:spcBef>
+                <a:spcPct val="0"/>
+              </a:spcBef>
+              <a:buNone/>
+              <a:defRPr sz="4400" kern="1200">
+                <a:solidFill>
+                  <a:schemeClr val="tx1"/>
+                </a:solidFill>
+                <a:latin typeface="+mj-lt"/>
+                <a:ea typeface="+mj-ea"/>
+                <a:cs typeface="+mj-cs"/>
+              </a:defRPr>
+            </a:lvl1pPr>
+          </a:lstStyle>
+          <a:p>
+            <a:r>
+              <a:rPr lang="en-US" sz="4800" dirty="0">
+                <a:solidFill>
+                  <a:srgbClr val="FFFFFF"/>
+                </a:solidFill>
+              </a:rPr>
+              <a:t>Who worked with Abstract Syntax Trees ?</a:t>
+            </a:r>
+          </a:p>
+        </p:txBody>
+      </p:sp>
+      <p:sp>
+        <p:nvSpPr>
+          <p:cNvPr id="2" name="Footer Placeholder 1">
+            <a:extLst>
+              <a:ext uri="{FF2B5EF4-FFF2-40B4-BE49-F238E27FC236}">
+                <a16:creationId xmlns:a16="http://schemas.microsoft.com/office/drawing/2014/main" id="{D5BE0E60-65F0-E870-DFC8-D3ABA157185D}"/>
+              </a:ext>
+            </a:extLst>
+          </p:cNvPr>
+          <p:cNvSpPr>
+            <a:spLocks noGrp="1"/>
+          </p:cNvSpPr>
+          <p:nvPr>
+            <p:ph type="ftr" sz="quarter" idx="11"/>
+          </p:nvPr>
+        </p:nvSpPr>
+        <p:spPr/>
+        <p:txBody>
+          <a:bodyPr/>
+          <a:lstStyle/>
+          <a:p>
+            <a:r>
+              <a:rPr lang="pl-PL"/>
+              <a:t>https://github.com/novinxy/pyconpl_2025_ast_speech</a:t>
+            </a:r>
+          </a:p>
+        </p:txBody>
+      </p:sp>
+      <p:sp>
+        <p:nvSpPr>
+          <p:cNvPr id="4" name="Slide Number Placeholder 3">
+            <a:extLst>
+              <a:ext uri="{FF2B5EF4-FFF2-40B4-BE49-F238E27FC236}">
+                <a16:creationId xmlns:a16="http://schemas.microsoft.com/office/drawing/2014/main" id="{305B853C-3685-7583-5C5A-542F1E4B0634}"/>
               </a:ext>
             </a:extLst>
           </p:cNvPr>
@@ -9508,7 +9318,7 @@
     </p:spTree>
     <p:extLst>
       <p:ext uri="{BB962C8B-B14F-4D97-AF65-F5344CB8AC3E}">
-        <p14:creationId xmlns:p14="http://schemas.microsoft.com/office/powerpoint/2010/main" val="1196655054"/>
+        <p14:creationId xmlns:p14="http://schemas.microsoft.com/office/powerpoint/2010/main" val="1859556785"/>
       </p:ext>
     </p:extLst>
   </p:cSld>
@@ -10179,7 +9989,7 @@
         </p:nvSpPr>
         <p:spPr>
           <a:xfrm>
-            <a:off x="830651" y="659112"/>
+            <a:off x="1228216" y="659112"/>
             <a:ext cx="10053763" cy="828936"/>
           </a:xfrm>
         </p:spPr>
@@ -10386,7 +10196,7 @@
         </p:nvSpPr>
         <p:spPr>
           <a:xfrm>
-            <a:off x="7281896" y="1851757"/>
+            <a:off x="7271903" y="1616474"/>
             <a:ext cx="4420173" cy="4739874"/>
           </a:xfrm>
           <a:prstGeom prst="rect">
@@ -10453,7 +10263,7 @@
         </p:blipFill>
         <p:spPr>
           <a:xfrm>
-            <a:off x="7420054" y="2532615"/>
+            <a:off x="7410061" y="2297332"/>
             <a:ext cx="4143856" cy="3890150"/>
           </a:xfrm>
           <a:prstGeom prst="rect">
@@ -10475,7 +10285,7 @@
         </p:nvSpPr>
         <p:spPr>
           <a:xfrm>
-            <a:off x="7359919" y="1884627"/>
+            <a:off x="7349926" y="1649344"/>
             <a:ext cx="2161169" cy="584775"/>
           </a:xfrm>
           <a:prstGeom prst="rect">
@@ -11228,7 +11038,7 @@
         </p:nvSpPr>
         <p:spPr>
           <a:xfrm>
-            <a:off x="310101" y="584088"/>
+            <a:off x="190832" y="584088"/>
             <a:ext cx="11648661" cy="828936"/>
           </a:xfrm>
         </p:spPr>
@@ -12075,7 +11885,7 @@
         </p:nvSpPr>
         <p:spPr>
           <a:xfrm>
-            <a:off x="830651" y="659112"/>
+            <a:off x="2057747" y="644206"/>
             <a:ext cx="10053763" cy="828936"/>
           </a:xfrm>
         </p:spPr>
@@ -12116,7 +11926,7 @@
         </p:nvSpPr>
         <p:spPr>
           <a:xfrm>
-            <a:off x="932630" y="1864391"/>
+            <a:off x="1815224" y="1786598"/>
             <a:ext cx="7672885" cy="3998144"/>
           </a:xfrm>
           <a:prstGeom prst="rect">
@@ -12175,7 +11985,7 @@
         </p:nvSpPr>
         <p:spPr>
           <a:xfrm>
-            <a:off x="1175153" y="2155303"/>
+            <a:off x="2057747" y="2077510"/>
             <a:ext cx="7367328" cy="3416320"/>
           </a:xfrm>
           <a:prstGeom prst="rect">
@@ -13213,7 +13023,7 @@
         </p:blipFill>
         <p:spPr bwMode="auto">
           <a:xfrm>
-            <a:off x="2458345" y="2170351"/>
+            <a:off x="5119204" y="1085177"/>
             <a:ext cx="6505555" cy="4192469"/>
           </a:xfrm>
           <a:prstGeom prst="rect">
@@ -13285,6 +13095,38 @@
               <a:t>8</a:t>
             </a:fld>
             <a:endParaRPr lang="pl-PL"/>
+          </a:p>
+        </p:txBody>
+      </p:sp>
+      <p:sp>
+        <p:nvSpPr>
+          <p:cNvPr id="6" name="TextBox 5">
+            <a:extLst>
+              <a:ext uri="{FF2B5EF4-FFF2-40B4-BE49-F238E27FC236}">
+                <a16:creationId xmlns:a16="http://schemas.microsoft.com/office/drawing/2014/main" id="{443912A5-18C1-34C3-6AFB-33DBC856798C}"/>
+              </a:ext>
+            </a:extLst>
+          </p:cNvPr>
+          <p:cNvSpPr txBox="1"/>
+          <p:nvPr/>
+        </p:nvSpPr>
+        <p:spPr>
+          <a:xfrm>
+            <a:off x="1447137" y="3181411"/>
+            <a:ext cx="2989691" cy="2519674"/>
+          </a:xfrm>
+          <a:prstGeom prst="rect">
+            <a:avLst/>
+          </a:prstGeom>
+          <a:noFill/>
+        </p:spPr>
+        <p:txBody>
+          <a:bodyPr wrap="square" rtlCol="0">
+            <a:spAutoFit/>
+          </a:bodyPr>
+          <a:lstStyle/>
+          <a:p>
+            <a:endParaRPr lang="pl-PL" dirty="0"/>
           </a:p>
         </p:txBody>
       </p:sp>
